--- a/Diapositivas/Parte 01.Introducción/Sección 01/Analítica_descriptiva.pptx
+++ b/Diapositivas/Parte 01.Introducción/Sección 01/Analítica_descriptiva.pptx
@@ -7759,6 +7759,104 @@
         </a:p>
       </dgm:t>
     </dgm:pt>
+    <dgm:pt modelId="{DB809A6C-33C2-4F9F-B816-AB49FEDB098C}">
+      <dgm:prSet phldrT="[Text]" custT="1"/>
+      <dgm:spPr/>
+      <dgm:t>
+        <a:bodyPr/>
+        <a:lstStyle/>
+        <a:p>
+          <a:r>
+            <a:rPr lang="es-MX" sz="1400" smtClean="0">
+              <a:solidFill>
+                <a:schemeClr val="bg1"/>
+              </a:solidFill>
+              <a:latin typeface="Verdana" panose="020B0604030504040204" pitchFamily="34" charset="0"/>
+              <a:ea typeface="Verdana" panose="020B0604030504040204" pitchFamily="34" charset="0"/>
+            </a:rPr>
+            <a:t>Nominales</a:t>
+          </a:r>
+          <a:endParaRPr lang="es-MX" sz="1400">
+            <a:solidFill>
+              <a:schemeClr val="bg1"/>
+            </a:solidFill>
+            <a:latin typeface="Verdana" panose="020B0604030504040204" pitchFamily="34" charset="0"/>
+            <a:ea typeface="Verdana" panose="020B0604030504040204" pitchFamily="34" charset="0"/>
+          </a:endParaRPr>
+        </a:p>
+      </dgm:t>
+    </dgm:pt>
+    <dgm:pt modelId="{A15A05FF-19E5-420F-9859-6DDA9FBCB74D}" type="parTrans" cxnId="{FE4AFFB9-5DA2-4C6D-AF14-8E9EE77E4AFE}">
+      <dgm:prSet/>
+      <dgm:spPr/>
+      <dgm:t>
+        <a:bodyPr/>
+        <a:lstStyle/>
+        <a:p>
+          <a:endParaRPr lang="es-MX"/>
+        </a:p>
+      </dgm:t>
+    </dgm:pt>
+    <dgm:pt modelId="{FA5F29BC-47F9-47A2-96E4-8786E18CF179}" type="sibTrans" cxnId="{FE4AFFB9-5DA2-4C6D-AF14-8E9EE77E4AFE}">
+      <dgm:prSet/>
+      <dgm:spPr/>
+      <dgm:t>
+        <a:bodyPr/>
+        <a:lstStyle/>
+        <a:p>
+          <a:endParaRPr lang="es-MX"/>
+        </a:p>
+      </dgm:t>
+    </dgm:pt>
+    <dgm:pt modelId="{95E12591-5A2F-4985-B4F6-93142B6EA584}">
+      <dgm:prSet phldrT="[Text]" custT="1"/>
+      <dgm:spPr/>
+      <dgm:t>
+        <a:bodyPr/>
+        <a:lstStyle/>
+        <a:p>
+          <a:r>
+            <a:rPr lang="es-MX" sz="1400" smtClean="0">
+              <a:solidFill>
+                <a:schemeClr val="bg1"/>
+              </a:solidFill>
+              <a:latin typeface="Verdana" panose="020B0604030504040204" pitchFamily="34" charset="0"/>
+              <a:ea typeface="Verdana" panose="020B0604030504040204" pitchFamily="34" charset="0"/>
+            </a:rPr>
+            <a:t>Ordinales</a:t>
+          </a:r>
+          <a:endParaRPr lang="es-MX" sz="1400">
+            <a:solidFill>
+              <a:schemeClr val="bg1"/>
+            </a:solidFill>
+            <a:latin typeface="Verdana" panose="020B0604030504040204" pitchFamily="34" charset="0"/>
+            <a:ea typeface="Verdana" panose="020B0604030504040204" pitchFamily="34" charset="0"/>
+          </a:endParaRPr>
+        </a:p>
+      </dgm:t>
+    </dgm:pt>
+    <dgm:pt modelId="{73D61BF0-73BC-4A67-94EF-A3B06D8B0AF2}" type="parTrans" cxnId="{D7B7906E-1D20-4C19-B6F8-350B2F7ACAE7}">
+      <dgm:prSet/>
+      <dgm:spPr/>
+      <dgm:t>
+        <a:bodyPr/>
+        <a:lstStyle/>
+        <a:p>
+          <a:endParaRPr lang="es-MX"/>
+        </a:p>
+      </dgm:t>
+    </dgm:pt>
+    <dgm:pt modelId="{94D21CC7-3599-427C-99BA-9973E6CC93A5}" type="sibTrans" cxnId="{D7B7906E-1D20-4C19-B6F8-350B2F7ACAE7}">
+      <dgm:prSet/>
+      <dgm:spPr/>
+      <dgm:t>
+        <a:bodyPr/>
+        <a:lstStyle/>
+        <a:p>
+          <a:endParaRPr lang="es-MX"/>
+        </a:p>
+      </dgm:t>
+    </dgm:pt>
     <dgm:pt modelId="{8F80425A-69F0-45B1-9ADD-02ADC52A8165}" type="pres">
       <dgm:prSet presAssocID="{E53FF907-E884-4A24-84E8-76CCD217BAC3}" presName="Name0" presStyleCnt="0">
         <dgm:presLayoutVars>
@@ -7807,11 +7905,11 @@
       </dgm:t>
     </dgm:pt>
     <dgm:pt modelId="{BF3B9F51-8117-4AE2-9FCD-071E298A970D}" type="pres">
-      <dgm:prSet presAssocID="{C671AE93-317A-441C-8712-13640DECADD5}" presName="topArc1" presStyleLbl="parChTrans1D1" presStyleIdx="0" presStyleCnt="10"/>
+      <dgm:prSet presAssocID="{C671AE93-317A-441C-8712-13640DECADD5}" presName="topArc1" presStyleLbl="parChTrans1D1" presStyleIdx="0" presStyleCnt="14"/>
       <dgm:spPr/>
     </dgm:pt>
     <dgm:pt modelId="{D446C46B-5DD1-4D3F-886A-704B7640FB96}" type="pres">
-      <dgm:prSet presAssocID="{C671AE93-317A-441C-8712-13640DECADD5}" presName="bottomArc1" presStyleLbl="parChTrans1D1" presStyleIdx="1" presStyleCnt="10"/>
+      <dgm:prSet presAssocID="{C671AE93-317A-441C-8712-13640DECADD5}" presName="bottomArc1" presStyleLbl="parChTrans1D1" presStyleIdx="1" presStyleCnt="14"/>
       <dgm:spPr>
         <a:prstGeom prst="ellipse">
           <a:avLst/>
@@ -7888,11 +7986,11 @@
       </dgm:t>
     </dgm:pt>
     <dgm:pt modelId="{3C89EF08-53F0-4132-B4D2-2E5A7C28A346}" type="pres">
-      <dgm:prSet presAssocID="{A5A2A164-1D03-4849-81DA-645D7E9C73BB}" presName="topArc2" presStyleLbl="parChTrans1D1" presStyleIdx="2" presStyleCnt="10"/>
+      <dgm:prSet presAssocID="{A5A2A164-1D03-4849-81DA-645D7E9C73BB}" presName="topArc2" presStyleLbl="parChTrans1D1" presStyleIdx="2" presStyleCnt="14"/>
       <dgm:spPr/>
     </dgm:pt>
     <dgm:pt modelId="{026FB1E5-18B0-4433-8803-255211FE493F}" type="pres">
-      <dgm:prSet presAssocID="{A5A2A164-1D03-4849-81DA-645D7E9C73BB}" presName="bottomArc2" presStyleLbl="parChTrans1D1" presStyleIdx="3" presStyleCnt="10"/>
+      <dgm:prSet presAssocID="{A5A2A164-1D03-4849-81DA-645D7E9C73BB}" presName="bottomArc2" presStyleLbl="parChTrans1D1" presStyleIdx="3" presStyleCnt="14"/>
       <dgm:spPr>
         <a:prstGeom prst="ellipse">
           <a:avLst/>
@@ -7930,6 +8028,184 @@
       <dgm:prSet presAssocID="{A5A2A164-1D03-4849-81DA-645D7E9C73BB}" presName="hierChild4" presStyleCnt="0"/>
       <dgm:spPr/>
     </dgm:pt>
+    <dgm:pt modelId="{635C45F7-9D20-4BF1-9ADE-B9F2FCFF12DD}" type="pres">
+      <dgm:prSet presAssocID="{A15A05FF-19E5-420F-9859-6DDA9FBCB74D}" presName="Name28" presStyleLbl="parChTrans1D3" presStyleIdx="0" presStyleCnt="4"/>
+      <dgm:spPr/>
+    </dgm:pt>
+    <dgm:pt modelId="{1373F743-A3F6-4050-BA32-31340E1001D2}" type="pres">
+      <dgm:prSet presAssocID="{DB809A6C-33C2-4F9F-B816-AB49FEDB098C}" presName="hierRoot2" presStyleCnt="0">
+        <dgm:presLayoutVars>
+          <dgm:hierBranch val="init"/>
+        </dgm:presLayoutVars>
+      </dgm:prSet>
+      <dgm:spPr/>
+    </dgm:pt>
+    <dgm:pt modelId="{AEA3EC65-EE1C-4361-A30A-3B3EC468DEAB}" type="pres">
+      <dgm:prSet presAssocID="{DB809A6C-33C2-4F9F-B816-AB49FEDB098C}" presName="rootComposite2" presStyleCnt="0"/>
+      <dgm:spPr/>
+    </dgm:pt>
+    <dgm:pt modelId="{41C04241-E1C4-496A-9413-27990C6D03EB}" type="pres">
+      <dgm:prSet presAssocID="{DB809A6C-33C2-4F9F-B816-AB49FEDB098C}" presName="rootText2" presStyleLbl="alignAcc1" presStyleIdx="0" presStyleCnt="0" custScaleX="192878" custLinFactNeighborX="-51975">
+        <dgm:presLayoutVars>
+          <dgm:chPref val="3"/>
+        </dgm:presLayoutVars>
+      </dgm:prSet>
+      <dgm:spPr/>
+      <dgm:t>
+        <a:bodyPr/>
+        <a:lstStyle/>
+        <a:p>
+          <a:endParaRPr lang="es-MX"/>
+        </a:p>
+      </dgm:t>
+    </dgm:pt>
+    <dgm:pt modelId="{104F4092-C904-4371-98B2-784F9FDCCFEA}" type="pres">
+      <dgm:prSet presAssocID="{DB809A6C-33C2-4F9F-B816-AB49FEDB098C}" presName="topArc2" presStyleLbl="parChTrans1D1" presStyleIdx="4" presStyleCnt="14"/>
+      <dgm:spPr>
+        <a:prstGeom prst="ellipse">
+          <a:avLst/>
+        </a:prstGeom>
+        <a:blipFill rotWithShape="0">
+          <a:blip xmlns:r="http://schemas.openxmlformats.org/officeDocument/2006/relationships" r:embed="rId3"/>
+          <a:stretch>
+            <a:fillRect/>
+          </a:stretch>
+        </a:blipFill>
+        <a:ln>
+          <a:noFill/>
+        </a:ln>
+      </dgm:spPr>
+      <dgm:t>
+        <a:bodyPr/>
+        <a:lstStyle/>
+        <a:p>
+          <a:endParaRPr lang="es-MX"/>
+        </a:p>
+      </dgm:t>
+    </dgm:pt>
+    <dgm:pt modelId="{A839F472-2273-4531-8971-F8E8677979EF}" type="pres">
+      <dgm:prSet presAssocID="{DB809A6C-33C2-4F9F-B816-AB49FEDB098C}" presName="bottomArc2" presStyleLbl="parChTrans1D1" presStyleIdx="5" presStyleCnt="14"/>
+      <dgm:spPr>
+        <a:ln>
+          <a:noFill/>
+        </a:ln>
+      </dgm:spPr>
+      <dgm:t>
+        <a:bodyPr/>
+        <a:lstStyle/>
+        <a:p>
+          <a:endParaRPr lang="es-MX"/>
+        </a:p>
+      </dgm:t>
+    </dgm:pt>
+    <dgm:pt modelId="{8E071B41-B56A-4792-AA1F-12DB703B0E05}" type="pres">
+      <dgm:prSet presAssocID="{DB809A6C-33C2-4F9F-B816-AB49FEDB098C}" presName="topConnNode2" presStyleLbl="node3" presStyleIdx="0" presStyleCnt="0"/>
+      <dgm:spPr/>
+      <dgm:t>
+        <a:bodyPr/>
+        <a:lstStyle/>
+        <a:p>
+          <a:endParaRPr lang="es-MX"/>
+        </a:p>
+      </dgm:t>
+    </dgm:pt>
+    <dgm:pt modelId="{570FF0F6-D9B5-4079-A188-C2F256462E0F}" type="pres">
+      <dgm:prSet presAssocID="{DB809A6C-33C2-4F9F-B816-AB49FEDB098C}" presName="hierChild4" presStyleCnt="0"/>
+      <dgm:spPr/>
+    </dgm:pt>
+    <dgm:pt modelId="{C59325DD-E767-4897-B373-0C06705F3879}" type="pres">
+      <dgm:prSet presAssocID="{DB809A6C-33C2-4F9F-B816-AB49FEDB098C}" presName="hierChild5" presStyleCnt="0"/>
+      <dgm:spPr/>
+    </dgm:pt>
+    <dgm:pt modelId="{C4803DAF-F644-400A-9421-D7755DE8DDD1}" type="pres">
+      <dgm:prSet presAssocID="{73D61BF0-73BC-4A67-94EF-A3B06D8B0AF2}" presName="Name28" presStyleLbl="parChTrans1D3" presStyleIdx="1" presStyleCnt="4"/>
+      <dgm:spPr/>
+    </dgm:pt>
+    <dgm:pt modelId="{C31EBE44-8F9B-4A9B-BB6A-7E8D03963866}" type="pres">
+      <dgm:prSet presAssocID="{95E12591-5A2F-4985-B4F6-93142B6EA584}" presName="hierRoot2" presStyleCnt="0">
+        <dgm:presLayoutVars>
+          <dgm:hierBranch val="init"/>
+        </dgm:presLayoutVars>
+      </dgm:prSet>
+      <dgm:spPr/>
+    </dgm:pt>
+    <dgm:pt modelId="{DD47287D-A949-4D69-A2F1-CB7CCA3063D6}" type="pres">
+      <dgm:prSet presAssocID="{95E12591-5A2F-4985-B4F6-93142B6EA584}" presName="rootComposite2" presStyleCnt="0"/>
+      <dgm:spPr/>
+    </dgm:pt>
+    <dgm:pt modelId="{5E8A5A73-ECA5-4287-BD41-D1FFACDF42F2}" type="pres">
+      <dgm:prSet presAssocID="{95E12591-5A2F-4985-B4F6-93142B6EA584}" presName="rootText2" presStyleLbl="alignAcc1" presStyleIdx="0" presStyleCnt="0" custScaleX="192878" custLinFactNeighborX="-51975">
+        <dgm:presLayoutVars>
+          <dgm:chPref val="3"/>
+        </dgm:presLayoutVars>
+      </dgm:prSet>
+      <dgm:spPr/>
+      <dgm:t>
+        <a:bodyPr/>
+        <a:lstStyle/>
+        <a:p>
+          <a:endParaRPr lang="es-MX"/>
+        </a:p>
+      </dgm:t>
+    </dgm:pt>
+    <dgm:pt modelId="{04BA73DC-A0FA-48FA-AF47-9B77035B3B54}" type="pres">
+      <dgm:prSet presAssocID="{95E12591-5A2F-4985-B4F6-93142B6EA584}" presName="topArc2" presStyleLbl="parChTrans1D1" presStyleIdx="6" presStyleCnt="14"/>
+      <dgm:spPr>
+        <a:prstGeom prst="ellipse">
+          <a:avLst/>
+        </a:prstGeom>
+        <a:blipFill rotWithShape="0">
+          <a:blip xmlns:r="http://schemas.openxmlformats.org/officeDocument/2006/relationships" r:embed="rId3"/>
+          <a:stretch>
+            <a:fillRect/>
+          </a:stretch>
+        </a:blipFill>
+        <a:ln>
+          <a:noFill/>
+        </a:ln>
+      </dgm:spPr>
+      <dgm:t>
+        <a:bodyPr/>
+        <a:lstStyle/>
+        <a:p>
+          <a:endParaRPr lang="es-MX"/>
+        </a:p>
+      </dgm:t>
+    </dgm:pt>
+    <dgm:pt modelId="{9032D0A8-3DDB-4195-A100-C73F8949711D}" type="pres">
+      <dgm:prSet presAssocID="{95E12591-5A2F-4985-B4F6-93142B6EA584}" presName="bottomArc2" presStyleLbl="parChTrans1D1" presStyleIdx="7" presStyleCnt="14"/>
+      <dgm:spPr>
+        <a:ln>
+          <a:noFill/>
+        </a:ln>
+      </dgm:spPr>
+      <dgm:t>
+        <a:bodyPr/>
+        <a:lstStyle/>
+        <a:p>
+          <a:endParaRPr lang="es-MX"/>
+        </a:p>
+      </dgm:t>
+    </dgm:pt>
+    <dgm:pt modelId="{B0D5BF25-BAE5-4071-9C13-EF6A0FBEFA54}" type="pres">
+      <dgm:prSet presAssocID="{95E12591-5A2F-4985-B4F6-93142B6EA584}" presName="topConnNode2" presStyleLbl="node3" presStyleIdx="0" presStyleCnt="0"/>
+      <dgm:spPr/>
+      <dgm:t>
+        <a:bodyPr/>
+        <a:lstStyle/>
+        <a:p>
+          <a:endParaRPr lang="es-MX"/>
+        </a:p>
+      </dgm:t>
+    </dgm:pt>
+    <dgm:pt modelId="{2DA5F886-4E43-4BCA-A85D-39A96E8FF2DA}" type="pres">
+      <dgm:prSet presAssocID="{95E12591-5A2F-4985-B4F6-93142B6EA584}" presName="hierChild4" presStyleCnt="0"/>
+      <dgm:spPr/>
+    </dgm:pt>
+    <dgm:pt modelId="{C05278E9-4BF6-42A1-A54F-55DE38B25C78}" type="pres">
+      <dgm:prSet presAssocID="{95E12591-5A2F-4985-B4F6-93142B6EA584}" presName="hierChild5" presStyleCnt="0"/>
+      <dgm:spPr/>
+    </dgm:pt>
     <dgm:pt modelId="{A9C88BD1-E6EA-46BE-B68A-24AF3FBA5CF2}" type="pres">
       <dgm:prSet presAssocID="{A5A2A164-1D03-4849-81DA-645D7E9C73BB}" presName="hierChild5" presStyleCnt="0"/>
       <dgm:spPr/>
@@ -7958,7 +8234,7 @@
       <dgm:spPr/>
     </dgm:pt>
     <dgm:pt modelId="{DAAA7DA0-4EE9-40B5-8E8D-01E0CC6A143B}" type="pres">
-      <dgm:prSet presAssocID="{3DA45704-25A8-417D-833B-82FEA6A0FA54}" presName="rootText2" presStyleLbl="alignAcc1" presStyleIdx="0" presStyleCnt="0" custScaleX="195463">
+      <dgm:prSet presAssocID="{3DA45704-25A8-417D-833B-82FEA6A0FA54}" presName="rootText2" presStyleLbl="alignAcc1" presStyleIdx="0" presStyleCnt="0" custScaleX="195463" custLinFactNeighborX="41580">
         <dgm:presLayoutVars>
           <dgm:chPref val="3"/>
         </dgm:presLayoutVars>
@@ -7973,11 +8249,11 @@
       </dgm:t>
     </dgm:pt>
     <dgm:pt modelId="{9E2D48B7-E7E4-4949-A446-5FD1391FF12E}" type="pres">
-      <dgm:prSet presAssocID="{3DA45704-25A8-417D-833B-82FEA6A0FA54}" presName="topArc2" presStyleLbl="parChTrans1D1" presStyleIdx="4" presStyleCnt="10"/>
+      <dgm:prSet presAssocID="{3DA45704-25A8-417D-833B-82FEA6A0FA54}" presName="topArc2" presStyleLbl="parChTrans1D1" presStyleIdx="8" presStyleCnt="14"/>
       <dgm:spPr/>
     </dgm:pt>
     <dgm:pt modelId="{36CFDF6B-9689-47CA-A7F0-1FF96CD7418D}" type="pres">
-      <dgm:prSet presAssocID="{3DA45704-25A8-417D-833B-82FEA6A0FA54}" presName="bottomArc2" presStyleLbl="parChTrans1D1" presStyleIdx="5" presStyleCnt="10"/>
+      <dgm:prSet presAssocID="{3DA45704-25A8-417D-833B-82FEA6A0FA54}" presName="bottomArc2" presStyleLbl="parChTrans1D1" presStyleIdx="9" presStyleCnt="14"/>
       <dgm:spPr>
         <a:prstGeom prst="ellipse">
           <a:avLst/>
@@ -8016,7 +8292,7 @@
       <dgm:spPr/>
     </dgm:pt>
     <dgm:pt modelId="{963B7407-4A23-4647-A7C9-204FE1A8EA72}" type="pres">
-      <dgm:prSet presAssocID="{08FDF6C0-DF71-470E-B92D-7BE223D7FA12}" presName="Name28" presStyleLbl="parChTrans1D3" presStyleIdx="0" presStyleCnt="2"/>
+      <dgm:prSet presAssocID="{08FDF6C0-DF71-470E-B92D-7BE223D7FA12}" presName="Name28" presStyleLbl="parChTrans1D3" presStyleIdx="2" presStyleCnt="4"/>
       <dgm:spPr/>
       <dgm:t>
         <a:bodyPr/>
@@ -8039,7 +8315,7 @@
       <dgm:spPr/>
     </dgm:pt>
     <dgm:pt modelId="{08594E79-FB05-4B39-926C-7BE318D9BE26}" type="pres">
-      <dgm:prSet presAssocID="{C98F8F38-7120-48EB-BC3D-36B0CE3280A2}" presName="rootText2" presStyleLbl="alignAcc1" presStyleIdx="0" presStyleCnt="0" custScaleX="195463">
+      <dgm:prSet presAssocID="{C98F8F38-7120-48EB-BC3D-36B0CE3280A2}" presName="rootText2" presStyleLbl="alignAcc1" presStyleIdx="0" presStyleCnt="0" custScaleX="195463" custLinFactNeighborX="-6930">
         <dgm:presLayoutVars>
           <dgm:chPref val="3"/>
         </dgm:presLayoutVars>
@@ -8054,13 +8330,13 @@
       </dgm:t>
     </dgm:pt>
     <dgm:pt modelId="{322690D9-F936-43AF-8486-577374D130CC}" type="pres">
-      <dgm:prSet presAssocID="{C98F8F38-7120-48EB-BC3D-36B0CE3280A2}" presName="topArc2" presStyleLbl="parChTrans1D1" presStyleIdx="6" presStyleCnt="10"/>
+      <dgm:prSet presAssocID="{C98F8F38-7120-48EB-BC3D-36B0CE3280A2}" presName="topArc2" presStyleLbl="parChTrans1D1" presStyleIdx="10" presStyleCnt="14"/>
       <dgm:spPr>
         <a:prstGeom prst="ellipse">
           <a:avLst/>
         </a:prstGeom>
         <a:blipFill rotWithShape="0">
-          <a:blip xmlns:r="http://schemas.openxmlformats.org/officeDocument/2006/relationships" r:embed="rId3"/>
+          <a:blip xmlns:r="http://schemas.openxmlformats.org/officeDocument/2006/relationships" r:embed="rId4"/>
           <a:stretch>
             <a:fillRect/>
           </a:stretch>
@@ -8078,7 +8354,7 @@
       </dgm:t>
     </dgm:pt>
     <dgm:pt modelId="{D7129BB8-2F82-4252-965B-696790B3EEB4}" type="pres">
-      <dgm:prSet presAssocID="{C98F8F38-7120-48EB-BC3D-36B0CE3280A2}" presName="bottomArc2" presStyleLbl="parChTrans1D1" presStyleIdx="7" presStyleCnt="10"/>
+      <dgm:prSet presAssocID="{C98F8F38-7120-48EB-BC3D-36B0CE3280A2}" presName="bottomArc2" presStyleLbl="parChTrans1D1" presStyleIdx="11" presStyleCnt="14"/>
       <dgm:spPr/>
     </dgm:pt>
     <dgm:pt modelId="{4EC1AB16-687F-4AD9-BAF9-9FC0C5C0FEDE}" type="pres">
@@ -8101,7 +8377,7 @@
       <dgm:spPr/>
     </dgm:pt>
     <dgm:pt modelId="{C2C0AA63-D61A-4C00-B023-ECB36E305BD7}" type="pres">
-      <dgm:prSet presAssocID="{3FFEFA0F-9DC0-49D0-A072-1462E1A85F98}" presName="Name28" presStyleLbl="parChTrans1D3" presStyleIdx="1" presStyleCnt="2"/>
+      <dgm:prSet presAssocID="{3FFEFA0F-9DC0-49D0-A072-1462E1A85F98}" presName="Name28" presStyleLbl="parChTrans1D3" presStyleIdx="3" presStyleCnt="4"/>
       <dgm:spPr/>
       <dgm:t>
         <a:bodyPr/>
@@ -8124,7 +8400,7 @@
       <dgm:spPr/>
     </dgm:pt>
     <dgm:pt modelId="{54F93D7A-A9D7-493C-90F1-D6D0BA1647AA}" type="pres">
-      <dgm:prSet presAssocID="{E2AF5BDD-8214-4E47-9481-03AC7C322952}" presName="rootText2" presStyleLbl="alignAcc1" presStyleIdx="0" presStyleCnt="0" custScaleX="195463">
+      <dgm:prSet presAssocID="{E2AF5BDD-8214-4E47-9481-03AC7C322952}" presName="rootText2" presStyleLbl="alignAcc1" presStyleIdx="0" presStyleCnt="0" custScaleX="195463" custLinFactNeighborX="-6930">
         <dgm:presLayoutVars>
           <dgm:chPref val="3"/>
         </dgm:presLayoutVars>
@@ -8139,13 +8415,13 @@
       </dgm:t>
     </dgm:pt>
     <dgm:pt modelId="{36F2DC07-5756-4AF0-8B14-A92A6D735073}" type="pres">
-      <dgm:prSet presAssocID="{E2AF5BDD-8214-4E47-9481-03AC7C322952}" presName="topArc2" presStyleLbl="parChTrans1D1" presStyleIdx="8" presStyleCnt="10"/>
+      <dgm:prSet presAssocID="{E2AF5BDD-8214-4E47-9481-03AC7C322952}" presName="topArc2" presStyleLbl="parChTrans1D1" presStyleIdx="12" presStyleCnt="14"/>
       <dgm:spPr>
         <a:prstGeom prst="ellipse">
           <a:avLst/>
         </a:prstGeom>
         <a:blipFill rotWithShape="0">
-          <a:blip xmlns:r="http://schemas.openxmlformats.org/officeDocument/2006/relationships" r:embed="rId3"/>
+          <a:blip xmlns:r="http://schemas.openxmlformats.org/officeDocument/2006/relationships" r:embed="rId4"/>
           <a:stretch>
             <a:fillRect/>
           </a:stretch>
@@ -8163,7 +8439,7 @@
       </dgm:t>
     </dgm:pt>
     <dgm:pt modelId="{3C6470B8-1A21-41A2-9DAF-1AE628037500}" type="pres">
-      <dgm:prSet presAssocID="{E2AF5BDD-8214-4E47-9481-03AC7C322952}" presName="bottomArc2" presStyleLbl="parChTrans1D1" presStyleIdx="9" presStyleCnt="10"/>
+      <dgm:prSet presAssocID="{E2AF5BDD-8214-4E47-9481-03AC7C322952}" presName="bottomArc2" presStyleLbl="parChTrans1D1" presStyleIdx="13" presStyleCnt="14"/>
       <dgm:spPr/>
     </dgm:pt>
     <dgm:pt modelId="{F18DD9C6-38D0-4687-A863-8A40374A7952}" type="pres">
@@ -8195,70 +8471,96 @@
     </dgm:pt>
   </dgm:ptLst>
   <dgm:cxnLst>
-    <dgm:cxn modelId="{B7E6E880-4420-4746-8175-DBE8ECE800D9}" type="presOf" srcId="{A5A2A164-1D03-4849-81DA-645D7E9C73BB}" destId="{60B3BAFC-FB42-4834-A6EF-1666F0255D42}" srcOrd="1" destOrd="0" presId="urn:microsoft.com/office/officeart/2008/layout/HalfCircleOrganizationChart"/>
-    <dgm:cxn modelId="{81853DC3-5DC3-45DD-9407-8FB7A6399E77}" type="presOf" srcId="{C98F8F38-7120-48EB-BC3D-36B0CE3280A2}" destId="{4EC1AB16-687F-4AD9-BAF9-9FC0C5C0FEDE}" srcOrd="1" destOrd="0" presId="urn:microsoft.com/office/officeart/2008/layout/HalfCircleOrganizationChart"/>
-    <dgm:cxn modelId="{D39BAEB8-DDC2-4F13-AF33-2656CB5AA78E}" type="presOf" srcId="{C671AE93-317A-441C-8712-13640DECADD5}" destId="{662A5333-9609-4839-8143-24EC32A1F994}" srcOrd="0" destOrd="0" presId="urn:microsoft.com/office/officeart/2008/layout/HalfCircleOrganizationChart"/>
-    <dgm:cxn modelId="{61D97DD0-3215-4661-BA1D-E2BD2846D4C3}" type="presOf" srcId="{E2AF5BDD-8214-4E47-9481-03AC7C322952}" destId="{54F93D7A-A9D7-493C-90F1-D6D0BA1647AA}" srcOrd="0" destOrd="0" presId="urn:microsoft.com/office/officeart/2008/layout/HalfCircleOrganizationChart"/>
+    <dgm:cxn modelId="{2E7E861D-EE7E-4CA3-888F-AACB132A9E4C}" type="presOf" srcId="{E2AF5BDD-8214-4E47-9481-03AC7C322952}" destId="{F18DD9C6-38D0-4687-A863-8A40374A7952}" srcOrd="1" destOrd="0" presId="urn:microsoft.com/office/officeart/2008/layout/HalfCircleOrganizationChart"/>
+    <dgm:cxn modelId="{86642EF5-EC5A-45B5-B10F-1E36F9F345C1}" type="presOf" srcId="{C671AE93-317A-441C-8712-13640DECADD5}" destId="{662A5333-9609-4839-8143-24EC32A1F994}" srcOrd="0" destOrd="0" presId="urn:microsoft.com/office/officeart/2008/layout/HalfCircleOrganizationChart"/>
+    <dgm:cxn modelId="{059885D4-4FF7-4A05-850F-BE4D4A4FC3F8}" type="presOf" srcId="{DB809A6C-33C2-4F9F-B816-AB49FEDB098C}" destId="{8E071B41-B56A-4792-AA1F-12DB703B0E05}" srcOrd="1" destOrd="0" presId="urn:microsoft.com/office/officeart/2008/layout/HalfCircleOrganizationChart"/>
     <dgm:cxn modelId="{F31DD4D5-D2CE-4A15-9F5C-39B8A4AC16B9}" srcId="{C671AE93-317A-441C-8712-13640DECADD5}" destId="{3DA45704-25A8-417D-833B-82FEA6A0FA54}" srcOrd="1" destOrd="0" parTransId="{26A9EBC8-734C-40C2-8DB7-6B6C580B2E5C}" sibTransId="{F9042FEF-BA06-46BC-ACF2-ABDB27137811}"/>
-    <dgm:cxn modelId="{9361402C-FCBA-4756-B14D-487725846F52}" type="presOf" srcId="{E53FF907-E884-4A24-84E8-76CCD217BAC3}" destId="{8F80425A-69F0-45B1-9ADD-02ADC52A8165}" srcOrd="0" destOrd="0" presId="urn:microsoft.com/office/officeart/2008/layout/HalfCircleOrganizationChart"/>
-    <dgm:cxn modelId="{D21136D5-4BFA-4236-8FD1-B4CC108C2E19}" type="presOf" srcId="{C98F8F38-7120-48EB-BC3D-36B0CE3280A2}" destId="{08594E79-FB05-4B39-926C-7BE318D9BE26}" srcOrd="0" destOrd="0" presId="urn:microsoft.com/office/officeart/2008/layout/HalfCircleOrganizationChart"/>
+    <dgm:cxn modelId="{F06C3AF4-FAE1-4012-AE25-FFF997437CB5}" type="presOf" srcId="{C671AE93-317A-441C-8712-13640DECADD5}" destId="{7EEBDBC6-E61E-4CD8-8BF2-D3AFDD3B9C37}" srcOrd="1" destOrd="0" presId="urn:microsoft.com/office/officeart/2008/layout/HalfCircleOrganizationChart"/>
+    <dgm:cxn modelId="{FE4AFFB9-5DA2-4C6D-AF14-8E9EE77E4AFE}" srcId="{A5A2A164-1D03-4849-81DA-645D7E9C73BB}" destId="{DB809A6C-33C2-4F9F-B816-AB49FEDB098C}" srcOrd="0" destOrd="0" parTransId="{A15A05FF-19E5-420F-9859-6DDA9FBCB74D}" sibTransId="{FA5F29BC-47F9-47A2-96E4-8786E18CF179}"/>
+    <dgm:cxn modelId="{CAFBCCE6-1AC7-45C2-A62A-280DD1601EC8}" type="presOf" srcId="{A5A2A164-1D03-4849-81DA-645D7E9C73BB}" destId="{60B3BAFC-FB42-4834-A6EF-1666F0255D42}" srcOrd="1" destOrd="0" presId="urn:microsoft.com/office/officeart/2008/layout/HalfCircleOrganizationChart"/>
+    <dgm:cxn modelId="{197600B6-7814-48C0-BDB5-B6F8F1B3EFBA}" type="presOf" srcId="{DF2C4DCE-B161-46E4-99A8-95FBCAF95941}" destId="{9BF9BEAE-6C16-4842-96B7-7423E1775C68}" srcOrd="0" destOrd="0" presId="urn:microsoft.com/office/officeart/2008/layout/HalfCircleOrganizationChart"/>
+    <dgm:cxn modelId="{B03078A3-0093-4582-BB1E-2B3952958E60}" type="presOf" srcId="{C98F8F38-7120-48EB-BC3D-36B0CE3280A2}" destId="{4EC1AB16-687F-4AD9-BAF9-9FC0C5C0FEDE}" srcOrd="1" destOrd="0" presId="urn:microsoft.com/office/officeart/2008/layout/HalfCircleOrganizationChart"/>
+    <dgm:cxn modelId="{F9810F91-EC58-41EC-9520-82325E7BE1A5}" type="presOf" srcId="{A5A2A164-1D03-4849-81DA-645D7E9C73BB}" destId="{94DC607C-0DED-4505-A5F4-3BACD417CD14}" srcOrd="0" destOrd="0" presId="urn:microsoft.com/office/officeart/2008/layout/HalfCircleOrganizationChart"/>
+    <dgm:cxn modelId="{F1B993AE-DA4B-49FE-BA76-035F148E43E8}" type="presOf" srcId="{08FDF6C0-DF71-470E-B92D-7BE223D7FA12}" destId="{963B7407-4A23-4647-A7C9-204FE1A8EA72}" srcOrd="0" destOrd="0" presId="urn:microsoft.com/office/officeart/2008/layout/HalfCircleOrganizationChart"/>
+    <dgm:cxn modelId="{8FF9B31C-A7C4-4DF2-AC0C-AE6A2D1CD149}" type="presOf" srcId="{E2AF5BDD-8214-4E47-9481-03AC7C322952}" destId="{54F93D7A-A9D7-493C-90F1-D6D0BA1647AA}" srcOrd="0" destOrd="0" presId="urn:microsoft.com/office/officeart/2008/layout/HalfCircleOrganizationChart"/>
+    <dgm:cxn modelId="{37E86A31-C0C4-4A2C-994E-F9C5EF94FB36}" srcId="{3DA45704-25A8-417D-833B-82FEA6A0FA54}" destId="{E2AF5BDD-8214-4E47-9481-03AC7C322952}" srcOrd="1" destOrd="0" parTransId="{3FFEFA0F-9DC0-49D0-A072-1462E1A85F98}" sibTransId="{6F6E87C5-21BA-4050-8C45-7005CF1DE8CA}"/>
+    <dgm:cxn modelId="{9059307D-5753-4A18-B61F-EC25A12B70B6}" type="presOf" srcId="{DB809A6C-33C2-4F9F-B816-AB49FEDB098C}" destId="{41C04241-E1C4-496A-9413-27990C6D03EB}" srcOrd="0" destOrd="0" presId="urn:microsoft.com/office/officeart/2008/layout/HalfCircleOrganizationChart"/>
+    <dgm:cxn modelId="{1BF04AB6-A0F4-41D9-A12B-B4855C62BB59}" type="presOf" srcId="{3FFEFA0F-9DC0-49D0-A072-1462E1A85F98}" destId="{C2C0AA63-D61A-4C00-B023-ECB36E305BD7}" srcOrd="0" destOrd="0" presId="urn:microsoft.com/office/officeart/2008/layout/HalfCircleOrganizationChart"/>
+    <dgm:cxn modelId="{FA9EC468-7A7D-4D91-BE57-DB7CD2FC9181}" type="presOf" srcId="{95E12591-5A2F-4985-B4F6-93142B6EA584}" destId="{5E8A5A73-ECA5-4287-BD41-D1FFACDF42F2}" srcOrd="0" destOrd="0" presId="urn:microsoft.com/office/officeart/2008/layout/HalfCircleOrganizationChart"/>
+    <dgm:cxn modelId="{2E2B8387-6045-47C5-9572-43EFF05FB0D7}" type="presOf" srcId="{E53FF907-E884-4A24-84E8-76CCD217BAC3}" destId="{8F80425A-69F0-45B1-9ADD-02ADC52A8165}" srcOrd="0" destOrd="0" presId="urn:microsoft.com/office/officeart/2008/layout/HalfCircleOrganizationChart"/>
+    <dgm:cxn modelId="{F866EB4B-D3AE-4F12-AF4B-BEE727959348}" type="presOf" srcId="{3DA45704-25A8-417D-833B-82FEA6A0FA54}" destId="{DAAA7DA0-4EE9-40B5-8E8D-01E0CC6A143B}" srcOrd="0" destOrd="0" presId="urn:microsoft.com/office/officeart/2008/layout/HalfCircleOrganizationChart"/>
+    <dgm:cxn modelId="{4F6FEE47-2CB4-4349-85CD-11FA562E010A}" srcId="{C671AE93-317A-441C-8712-13640DECADD5}" destId="{A5A2A164-1D03-4849-81DA-645D7E9C73BB}" srcOrd="0" destOrd="0" parTransId="{DF2C4DCE-B161-46E4-99A8-95FBCAF95941}" sibTransId="{7D3E37F1-5B55-459A-813D-CFB7AB707698}"/>
+    <dgm:cxn modelId="{A31F4DEB-4C0F-47A8-8602-5CEEE2BD0A0E}" type="presOf" srcId="{26A9EBC8-734C-40C2-8DB7-6B6C580B2E5C}" destId="{278BE0F3-4C98-45F7-943B-57FB7C5889BF}" srcOrd="0" destOrd="0" presId="urn:microsoft.com/office/officeart/2008/layout/HalfCircleOrganizationChart"/>
+    <dgm:cxn modelId="{1F86A351-2B60-41BC-9CB7-E59A70EA5E18}" type="presOf" srcId="{C98F8F38-7120-48EB-BC3D-36B0CE3280A2}" destId="{08594E79-FB05-4B39-926C-7BE318D9BE26}" srcOrd="0" destOrd="0" presId="urn:microsoft.com/office/officeart/2008/layout/HalfCircleOrganizationChart"/>
+    <dgm:cxn modelId="{ED132B7F-1508-4535-B8C1-46985073CEF8}" type="presOf" srcId="{95E12591-5A2F-4985-B4F6-93142B6EA584}" destId="{B0D5BF25-BAE5-4071-9C13-EF6A0FBEFA54}" srcOrd="1" destOrd="0" presId="urn:microsoft.com/office/officeart/2008/layout/HalfCircleOrganizationChart"/>
+    <dgm:cxn modelId="{549FE3C5-D47E-488F-8F9C-911783CA59EE}" type="presOf" srcId="{73D61BF0-73BC-4A67-94EF-A3B06D8B0AF2}" destId="{C4803DAF-F644-400A-9421-D7755DE8DDD1}" srcOrd="0" destOrd="0" presId="urn:microsoft.com/office/officeart/2008/layout/HalfCircleOrganizationChart"/>
+    <dgm:cxn modelId="{C0E21338-F5E1-4468-B741-DD9D55539373}" type="presOf" srcId="{A15A05FF-19E5-420F-9859-6DDA9FBCB74D}" destId="{635C45F7-9D20-4BF1-9ADE-B9F2FCFF12DD}" srcOrd="0" destOrd="0" presId="urn:microsoft.com/office/officeart/2008/layout/HalfCircleOrganizationChart"/>
+    <dgm:cxn modelId="{AE64FCBC-3E9F-4A53-A417-778A8B7618F5}" type="presOf" srcId="{3DA45704-25A8-417D-833B-82FEA6A0FA54}" destId="{FD2B551B-83F7-4018-B903-6EAAEBFB1DAA}" srcOrd="1" destOrd="0" presId="urn:microsoft.com/office/officeart/2008/layout/HalfCircleOrganizationChart"/>
+    <dgm:cxn modelId="{EA9B4EB7-E2E5-4C46-AD8E-3D78721792B9}" srcId="{3DA45704-25A8-417D-833B-82FEA6A0FA54}" destId="{C98F8F38-7120-48EB-BC3D-36B0CE3280A2}" srcOrd="0" destOrd="0" parTransId="{08FDF6C0-DF71-470E-B92D-7BE223D7FA12}" sibTransId="{A2D6A58D-651D-4EA8-A0F1-576538B736EA}"/>
+    <dgm:cxn modelId="{D7B7906E-1D20-4C19-B6F8-350B2F7ACAE7}" srcId="{A5A2A164-1D03-4849-81DA-645D7E9C73BB}" destId="{95E12591-5A2F-4985-B4F6-93142B6EA584}" srcOrd="1" destOrd="0" parTransId="{73D61BF0-73BC-4A67-94EF-A3B06D8B0AF2}" sibTransId="{94D21CC7-3599-427C-99BA-9973E6CC93A5}"/>
     <dgm:cxn modelId="{19B63AA0-7225-4D53-9405-42152EC0A767}" srcId="{E53FF907-E884-4A24-84E8-76CCD217BAC3}" destId="{C671AE93-317A-441C-8712-13640DECADD5}" srcOrd="0" destOrd="0" parTransId="{FC04CFCD-DA19-47A4-836D-06A71352E0B2}" sibTransId="{C62FE318-15BB-4A58-8535-C0C6936F98DD}"/>
-    <dgm:cxn modelId="{84612A14-8CB9-4A21-855D-BBE6D9BC5DF4}" type="presOf" srcId="{3DA45704-25A8-417D-833B-82FEA6A0FA54}" destId="{DAAA7DA0-4EE9-40B5-8E8D-01E0CC6A143B}" srcOrd="0" destOrd="0" presId="urn:microsoft.com/office/officeart/2008/layout/HalfCircleOrganizationChart"/>
-    <dgm:cxn modelId="{2E278EF7-7245-4A1F-B6E5-43378128568B}" type="presOf" srcId="{26A9EBC8-734C-40C2-8DB7-6B6C580B2E5C}" destId="{278BE0F3-4C98-45F7-943B-57FB7C5889BF}" srcOrd="0" destOrd="0" presId="urn:microsoft.com/office/officeart/2008/layout/HalfCircleOrganizationChart"/>
-    <dgm:cxn modelId="{CCF1A3A0-894B-4DC1-B969-C75F05893AAB}" type="presOf" srcId="{3DA45704-25A8-417D-833B-82FEA6A0FA54}" destId="{FD2B551B-83F7-4018-B903-6EAAEBFB1DAA}" srcOrd="1" destOrd="0" presId="urn:microsoft.com/office/officeart/2008/layout/HalfCircleOrganizationChart"/>
-    <dgm:cxn modelId="{4F6FEE47-2CB4-4349-85CD-11FA562E010A}" srcId="{C671AE93-317A-441C-8712-13640DECADD5}" destId="{A5A2A164-1D03-4849-81DA-645D7E9C73BB}" srcOrd="0" destOrd="0" parTransId="{DF2C4DCE-B161-46E4-99A8-95FBCAF95941}" sibTransId="{7D3E37F1-5B55-459A-813D-CFB7AB707698}"/>
-    <dgm:cxn modelId="{2E0D1787-0C9E-4441-8A3B-67E3B0518F51}" type="presOf" srcId="{A5A2A164-1D03-4849-81DA-645D7E9C73BB}" destId="{94DC607C-0DED-4505-A5F4-3BACD417CD14}" srcOrd="0" destOrd="0" presId="urn:microsoft.com/office/officeart/2008/layout/HalfCircleOrganizationChart"/>
-    <dgm:cxn modelId="{37E86A31-C0C4-4A2C-994E-F9C5EF94FB36}" srcId="{3DA45704-25A8-417D-833B-82FEA6A0FA54}" destId="{E2AF5BDD-8214-4E47-9481-03AC7C322952}" srcOrd="1" destOrd="0" parTransId="{3FFEFA0F-9DC0-49D0-A072-1462E1A85F98}" sibTransId="{6F6E87C5-21BA-4050-8C45-7005CF1DE8CA}"/>
-    <dgm:cxn modelId="{27B45F54-0940-41D0-818C-5579D4F39B3F}" type="presOf" srcId="{3FFEFA0F-9DC0-49D0-A072-1462E1A85F98}" destId="{C2C0AA63-D61A-4C00-B023-ECB36E305BD7}" srcOrd="0" destOrd="0" presId="urn:microsoft.com/office/officeart/2008/layout/HalfCircleOrganizationChart"/>
-    <dgm:cxn modelId="{5D6F8546-7C06-4B69-8B49-3C98FB1EFBB5}" type="presOf" srcId="{DF2C4DCE-B161-46E4-99A8-95FBCAF95941}" destId="{9BF9BEAE-6C16-4842-96B7-7423E1775C68}" srcOrd="0" destOrd="0" presId="urn:microsoft.com/office/officeart/2008/layout/HalfCircleOrganizationChart"/>
-    <dgm:cxn modelId="{3FB187C5-B61D-4DE5-8219-40AC0D1C56A9}" type="presOf" srcId="{E2AF5BDD-8214-4E47-9481-03AC7C322952}" destId="{F18DD9C6-38D0-4687-A863-8A40374A7952}" srcOrd="1" destOrd="0" presId="urn:microsoft.com/office/officeart/2008/layout/HalfCircleOrganizationChart"/>
-    <dgm:cxn modelId="{5A41BDF9-F3B1-420D-80FE-BB12522AC8EA}" type="presOf" srcId="{C671AE93-317A-441C-8712-13640DECADD5}" destId="{7EEBDBC6-E61E-4CD8-8BF2-D3AFDD3B9C37}" srcOrd="1" destOrd="0" presId="urn:microsoft.com/office/officeart/2008/layout/HalfCircleOrganizationChart"/>
-    <dgm:cxn modelId="{117DF495-8CDD-4284-B23A-8CB78EF60348}" type="presOf" srcId="{08FDF6C0-DF71-470E-B92D-7BE223D7FA12}" destId="{963B7407-4A23-4647-A7C9-204FE1A8EA72}" srcOrd="0" destOrd="0" presId="urn:microsoft.com/office/officeart/2008/layout/HalfCircleOrganizationChart"/>
-    <dgm:cxn modelId="{EA9B4EB7-E2E5-4C46-AD8E-3D78721792B9}" srcId="{3DA45704-25A8-417D-833B-82FEA6A0FA54}" destId="{C98F8F38-7120-48EB-BC3D-36B0CE3280A2}" srcOrd="0" destOrd="0" parTransId="{08FDF6C0-DF71-470E-B92D-7BE223D7FA12}" sibTransId="{A2D6A58D-651D-4EA8-A0F1-576538B736EA}"/>
-    <dgm:cxn modelId="{9A1C6FEA-8E36-476B-91B4-F9BA72B6AD1C}" type="presParOf" srcId="{8F80425A-69F0-45B1-9ADD-02ADC52A8165}" destId="{86F7CA9B-579F-480A-A630-57C9EBC2B21D}" srcOrd="0" destOrd="0" presId="urn:microsoft.com/office/officeart/2008/layout/HalfCircleOrganizationChart"/>
-    <dgm:cxn modelId="{A669C379-D171-40C9-AE86-D38D010F7822}" type="presParOf" srcId="{86F7CA9B-579F-480A-A630-57C9EBC2B21D}" destId="{85C1B50B-ED3F-46A6-A415-81B910F12FFC}" srcOrd="0" destOrd="0" presId="urn:microsoft.com/office/officeart/2008/layout/HalfCircleOrganizationChart"/>
-    <dgm:cxn modelId="{AAA2EC8A-0245-40C4-94F9-C57F3191F8FC}" type="presParOf" srcId="{85C1B50B-ED3F-46A6-A415-81B910F12FFC}" destId="{662A5333-9609-4839-8143-24EC32A1F994}" srcOrd="0" destOrd="0" presId="urn:microsoft.com/office/officeart/2008/layout/HalfCircleOrganizationChart"/>
-    <dgm:cxn modelId="{ED7B1746-6409-49DC-816D-97E4F2483D43}" type="presParOf" srcId="{85C1B50B-ED3F-46A6-A415-81B910F12FFC}" destId="{BF3B9F51-8117-4AE2-9FCD-071E298A970D}" srcOrd="1" destOrd="0" presId="urn:microsoft.com/office/officeart/2008/layout/HalfCircleOrganizationChart"/>
-    <dgm:cxn modelId="{D43B94C2-85A0-4637-83DD-04FCD09E4CFD}" type="presParOf" srcId="{85C1B50B-ED3F-46A6-A415-81B910F12FFC}" destId="{D446C46B-5DD1-4D3F-886A-704B7640FB96}" srcOrd="2" destOrd="0" presId="urn:microsoft.com/office/officeart/2008/layout/HalfCircleOrganizationChart"/>
-    <dgm:cxn modelId="{3B60FF77-E5A8-43A4-A0D1-74D738534EB5}" type="presParOf" srcId="{85C1B50B-ED3F-46A6-A415-81B910F12FFC}" destId="{7EEBDBC6-E61E-4CD8-8BF2-D3AFDD3B9C37}" srcOrd="3" destOrd="0" presId="urn:microsoft.com/office/officeart/2008/layout/HalfCircleOrganizationChart"/>
-    <dgm:cxn modelId="{76FDDA4C-C944-44BD-95FB-2AA21588B256}" type="presParOf" srcId="{86F7CA9B-579F-480A-A630-57C9EBC2B21D}" destId="{E2CC026C-D11D-4B70-B246-18AD60956C92}" srcOrd="1" destOrd="0" presId="urn:microsoft.com/office/officeart/2008/layout/HalfCircleOrganizationChart"/>
-    <dgm:cxn modelId="{D079A2A5-3E50-424D-A89E-21A44D07921C}" type="presParOf" srcId="{E2CC026C-D11D-4B70-B246-18AD60956C92}" destId="{9BF9BEAE-6C16-4842-96B7-7423E1775C68}" srcOrd="0" destOrd="0" presId="urn:microsoft.com/office/officeart/2008/layout/HalfCircleOrganizationChart"/>
-    <dgm:cxn modelId="{7502BDE5-8D3C-47E6-B4C6-53279B1E635D}" type="presParOf" srcId="{E2CC026C-D11D-4B70-B246-18AD60956C92}" destId="{81EA5E3E-9D67-4CE2-9269-653D2874707C}" srcOrd="1" destOrd="0" presId="urn:microsoft.com/office/officeart/2008/layout/HalfCircleOrganizationChart"/>
-    <dgm:cxn modelId="{218983C4-48AB-46E4-9AA6-FDE66AAF03F8}" type="presParOf" srcId="{81EA5E3E-9D67-4CE2-9269-653D2874707C}" destId="{F6D1FC57-572B-4212-9CBC-5EEAE6EF8469}" srcOrd="0" destOrd="0" presId="urn:microsoft.com/office/officeart/2008/layout/HalfCircleOrganizationChart"/>
-    <dgm:cxn modelId="{0EB998BD-2753-4DFB-AE5C-57771DA16EDF}" type="presParOf" srcId="{F6D1FC57-572B-4212-9CBC-5EEAE6EF8469}" destId="{94DC607C-0DED-4505-A5F4-3BACD417CD14}" srcOrd="0" destOrd="0" presId="urn:microsoft.com/office/officeart/2008/layout/HalfCircleOrganizationChart"/>
-    <dgm:cxn modelId="{C41D67E2-F154-4552-B19F-5332C87F2E5E}" type="presParOf" srcId="{F6D1FC57-572B-4212-9CBC-5EEAE6EF8469}" destId="{3C89EF08-53F0-4132-B4D2-2E5A7C28A346}" srcOrd="1" destOrd="0" presId="urn:microsoft.com/office/officeart/2008/layout/HalfCircleOrganizationChart"/>
-    <dgm:cxn modelId="{19E2EC73-9842-46B0-AFCF-56C7783FDC8F}" type="presParOf" srcId="{F6D1FC57-572B-4212-9CBC-5EEAE6EF8469}" destId="{026FB1E5-18B0-4433-8803-255211FE493F}" srcOrd="2" destOrd="0" presId="urn:microsoft.com/office/officeart/2008/layout/HalfCircleOrganizationChart"/>
-    <dgm:cxn modelId="{B7017869-9E22-4695-BE39-0310B7C85077}" type="presParOf" srcId="{F6D1FC57-572B-4212-9CBC-5EEAE6EF8469}" destId="{60B3BAFC-FB42-4834-A6EF-1666F0255D42}" srcOrd="3" destOrd="0" presId="urn:microsoft.com/office/officeart/2008/layout/HalfCircleOrganizationChart"/>
-    <dgm:cxn modelId="{9F6DE888-609C-4977-9722-92E97DDFFB8A}" type="presParOf" srcId="{81EA5E3E-9D67-4CE2-9269-653D2874707C}" destId="{529A4DE5-73E9-453D-9402-928FA62368EB}" srcOrd="1" destOrd="0" presId="urn:microsoft.com/office/officeart/2008/layout/HalfCircleOrganizationChart"/>
-    <dgm:cxn modelId="{9214F7A2-BFE8-414B-8F97-87D27445CFCA}" type="presParOf" srcId="{81EA5E3E-9D67-4CE2-9269-653D2874707C}" destId="{A9C88BD1-E6EA-46BE-B68A-24AF3FBA5CF2}" srcOrd="2" destOrd="0" presId="urn:microsoft.com/office/officeart/2008/layout/HalfCircleOrganizationChart"/>
-    <dgm:cxn modelId="{4E0D10E8-0180-4F4F-81E9-980F99A78C24}" type="presParOf" srcId="{E2CC026C-D11D-4B70-B246-18AD60956C92}" destId="{278BE0F3-4C98-45F7-943B-57FB7C5889BF}" srcOrd="2" destOrd="0" presId="urn:microsoft.com/office/officeart/2008/layout/HalfCircleOrganizationChart"/>
-    <dgm:cxn modelId="{D46D5D34-7F8E-4C42-8C8A-17E6F74198A7}" type="presParOf" srcId="{E2CC026C-D11D-4B70-B246-18AD60956C92}" destId="{906B2EE4-C9F9-4F53-8FA4-F8463CD921BA}" srcOrd="3" destOrd="0" presId="urn:microsoft.com/office/officeart/2008/layout/HalfCircleOrganizationChart"/>
-    <dgm:cxn modelId="{4788B943-F15A-4AA2-A35D-88038130F0B3}" type="presParOf" srcId="{906B2EE4-C9F9-4F53-8FA4-F8463CD921BA}" destId="{7D12B66B-1D94-434A-9285-C56646B2EEF8}" srcOrd="0" destOrd="0" presId="urn:microsoft.com/office/officeart/2008/layout/HalfCircleOrganizationChart"/>
-    <dgm:cxn modelId="{52790E12-944F-4C83-A1EF-3FFC9F0B09BE}" type="presParOf" srcId="{7D12B66B-1D94-434A-9285-C56646B2EEF8}" destId="{DAAA7DA0-4EE9-40B5-8E8D-01E0CC6A143B}" srcOrd="0" destOrd="0" presId="urn:microsoft.com/office/officeart/2008/layout/HalfCircleOrganizationChart"/>
-    <dgm:cxn modelId="{4143D19F-5C26-4ED5-8A24-2924DC171226}" type="presParOf" srcId="{7D12B66B-1D94-434A-9285-C56646B2EEF8}" destId="{9E2D48B7-E7E4-4949-A446-5FD1391FF12E}" srcOrd="1" destOrd="0" presId="urn:microsoft.com/office/officeart/2008/layout/HalfCircleOrganizationChart"/>
-    <dgm:cxn modelId="{D0EE0CAB-145A-412F-92B5-E427C8EA1B0A}" type="presParOf" srcId="{7D12B66B-1D94-434A-9285-C56646B2EEF8}" destId="{36CFDF6B-9689-47CA-A7F0-1FF96CD7418D}" srcOrd="2" destOrd="0" presId="urn:microsoft.com/office/officeart/2008/layout/HalfCircleOrganizationChart"/>
-    <dgm:cxn modelId="{0902B7EC-E853-465A-83C0-23918790040F}" type="presParOf" srcId="{7D12B66B-1D94-434A-9285-C56646B2EEF8}" destId="{FD2B551B-83F7-4018-B903-6EAAEBFB1DAA}" srcOrd="3" destOrd="0" presId="urn:microsoft.com/office/officeart/2008/layout/HalfCircleOrganizationChart"/>
-    <dgm:cxn modelId="{122A7B4F-8414-400D-9731-1612CCDD0909}" type="presParOf" srcId="{906B2EE4-C9F9-4F53-8FA4-F8463CD921BA}" destId="{DA9F578A-C6A5-48A7-B452-0C3F718CC209}" srcOrd="1" destOrd="0" presId="urn:microsoft.com/office/officeart/2008/layout/HalfCircleOrganizationChart"/>
-    <dgm:cxn modelId="{F7676D3D-699B-4184-BA1B-B6B401E5E4E6}" type="presParOf" srcId="{DA9F578A-C6A5-48A7-B452-0C3F718CC209}" destId="{963B7407-4A23-4647-A7C9-204FE1A8EA72}" srcOrd="0" destOrd="0" presId="urn:microsoft.com/office/officeart/2008/layout/HalfCircleOrganizationChart"/>
-    <dgm:cxn modelId="{23BAA2FD-D83C-49EC-AB70-764547087583}" type="presParOf" srcId="{DA9F578A-C6A5-48A7-B452-0C3F718CC209}" destId="{95C580D5-AC4B-41CC-B923-12F810262963}" srcOrd="1" destOrd="0" presId="urn:microsoft.com/office/officeart/2008/layout/HalfCircleOrganizationChart"/>
-    <dgm:cxn modelId="{7B7E0CF6-E38D-42B6-846A-34CF489D5770}" type="presParOf" srcId="{95C580D5-AC4B-41CC-B923-12F810262963}" destId="{59257D43-7A2F-471A-B7C9-7BB35DB26031}" srcOrd="0" destOrd="0" presId="urn:microsoft.com/office/officeart/2008/layout/HalfCircleOrganizationChart"/>
-    <dgm:cxn modelId="{8DC6E836-B4E9-434F-B9A7-49AB7E7E641C}" type="presParOf" srcId="{59257D43-7A2F-471A-B7C9-7BB35DB26031}" destId="{08594E79-FB05-4B39-926C-7BE318D9BE26}" srcOrd="0" destOrd="0" presId="urn:microsoft.com/office/officeart/2008/layout/HalfCircleOrganizationChart"/>
-    <dgm:cxn modelId="{8FB05710-F430-4EC9-95C4-1E0B3C66D25B}" type="presParOf" srcId="{59257D43-7A2F-471A-B7C9-7BB35DB26031}" destId="{322690D9-F936-43AF-8486-577374D130CC}" srcOrd="1" destOrd="0" presId="urn:microsoft.com/office/officeart/2008/layout/HalfCircleOrganizationChart"/>
-    <dgm:cxn modelId="{D89517DA-CCDE-4CE9-9F29-71F57F736C61}" type="presParOf" srcId="{59257D43-7A2F-471A-B7C9-7BB35DB26031}" destId="{D7129BB8-2F82-4252-965B-696790B3EEB4}" srcOrd="2" destOrd="0" presId="urn:microsoft.com/office/officeart/2008/layout/HalfCircleOrganizationChart"/>
-    <dgm:cxn modelId="{2A14C91D-8095-4B61-858F-A70A9B3015AC}" type="presParOf" srcId="{59257D43-7A2F-471A-B7C9-7BB35DB26031}" destId="{4EC1AB16-687F-4AD9-BAF9-9FC0C5C0FEDE}" srcOrd="3" destOrd="0" presId="urn:microsoft.com/office/officeart/2008/layout/HalfCircleOrganizationChart"/>
-    <dgm:cxn modelId="{3C44FACC-858C-4F0B-85E3-B3071E0E44F3}" type="presParOf" srcId="{95C580D5-AC4B-41CC-B923-12F810262963}" destId="{0319A976-85C1-40B5-99B3-52859D708A8A}" srcOrd="1" destOrd="0" presId="urn:microsoft.com/office/officeart/2008/layout/HalfCircleOrganizationChart"/>
-    <dgm:cxn modelId="{0ABC20AC-8ADA-4C27-BA16-4E5861062C41}" type="presParOf" srcId="{95C580D5-AC4B-41CC-B923-12F810262963}" destId="{227CCBB9-8966-490D-8149-4FDEF1990405}" srcOrd="2" destOrd="0" presId="urn:microsoft.com/office/officeart/2008/layout/HalfCircleOrganizationChart"/>
-    <dgm:cxn modelId="{026154E0-FF4C-4179-91CD-C6BE8DD8D785}" type="presParOf" srcId="{DA9F578A-C6A5-48A7-B452-0C3F718CC209}" destId="{C2C0AA63-D61A-4C00-B023-ECB36E305BD7}" srcOrd="2" destOrd="0" presId="urn:microsoft.com/office/officeart/2008/layout/HalfCircleOrganizationChart"/>
-    <dgm:cxn modelId="{27CD2A0B-F301-4F4A-B48E-B635D26DDF29}" type="presParOf" srcId="{DA9F578A-C6A5-48A7-B452-0C3F718CC209}" destId="{640FA1AB-D771-4E7C-A801-D235122D346B}" srcOrd="3" destOrd="0" presId="urn:microsoft.com/office/officeart/2008/layout/HalfCircleOrganizationChart"/>
-    <dgm:cxn modelId="{9B7FD222-3149-4A7E-A41B-22DB0473FAEA}" type="presParOf" srcId="{640FA1AB-D771-4E7C-A801-D235122D346B}" destId="{06DF26BC-1C9E-4555-88F2-04957557FF10}" srcOrd="0" destOrd="0" presId="urn:microsoft.com/office/officeart/2008/layout/HalfCircleOrganizationChart"/>
-    <dgm:cxn modelId="{9922F5C3-D4BF-4B8B-90F4-3E319C5E6A19}" type="presParOf" srcId="{06DF26BC-1C9E-4555-88F2-04957557FF10}" destId="{54F93D7A-A9D7-493C-90F1-D6D0BA1647AA}" srcOrd="0" destOrd="0" presId="urn:microsoft.com/office/officeart/2008/layout/HalfCircleOrganizationChart"/>
-    <dgm:cxn modelId="{6F4EB98F-A577-4497-B837-58741895A60D}" type="presParOf" srcId="{06DF26BC-1C9E-4555-88F2-04957557FF10}" destId="{36F2DC07-5756-4AF0-8B14-A92A6D735073}" srcOrd="1" destOrd="0" presId="urn:microsoft.com/office/officeart/2008/layout/HalfCircleOrganizationChart"/>
-    <dgm:cxn modelId="{CFE66822-6ABC-4293-8F95-D367F42F4181}" type="presParOf" srcId="{06DF26BC-1C9E-4555-88F2-04957557FF10}" destId="{3C6470B8-1A21-41A2-9DAF-1AE628037500}" srcOrd="2" destOrd="0" presId="urn:microsoft.com/office/officeart/2008/layout/HalfCircleOrganizationChart"/>
-    <dgm:cxn modelId="{31C2C02F-2E80-464B-9EE1-02D0C94D21F6}" type="presParOf" srcId="{06DF26BC-1C9E-4555-88F2-04957557FF10}" destId="{F18DD9C6-38D0-4687-A863-8A40374A7952}" srcOrd="3" destOrd="0" presId="urn:microsoft.com/office/officeart/2008/layout/HalfCircleOrganizationChart"/>
-    <dgm:cxn modelId="{2815EEF5-4B20-458A-8B5D-6940FCA570E4}" type="presParOf" srcId="{640FA1AB-D771-4E7C-A801-D235122D346B}" destId="{28B699BD-8266-4053-9687-84D5821A4026}" srcOrd="1" destOrd="0" presId="urn:microsoft.com/office/officeart/2008/layout/HalfCircleOrganizationChart"/>
-    <dgm:cxn modelId="{40620CA9-F16B-4E51-8334-6F2EE69993E9}" type="presParOf" srcId="{640FA1AB-D771-4E7C-A801-D235122D346B}" destId="{225FFFB2-E723-4601-AE63-9264A6A29554}" srcOrd="2" destOrd="0" presId="urn:microsoft.com/office/officeart/2008/layout/HalfCircleOrganizationChart"/>
-    <dgm:cxn modelId="{6823335B-8586-4CAE-A329-D684954D66E7}" type="presParOf" srcId="{906B2EE4-C9F9-4F53-8FA4-F8463CD921BA}" destId="{E87C23D6-68DA-4795-83D0-393B64D2B6A0}" srcOrd="2" destOrd="0" presId="urn:microsoft.com/office/officeart/2008/layout/HalfCircleOrganizationChart"/>
-    <dgm:cxn modelId="{DA7E9F36-BE9D-4C30-A858-F34A751DC7CB}" type="presParOf" srcId="{86F7CA9B-579F-480A-A630-57C9EBC2B21D}" destId="{EBCF3470-31E1-4466-9FA0-EB24E0C2E4BB}" srcOrd="2" destOrd="0" presId="urn:microsoft.com/office/officeart/2008/layout/HalfCircleOrganizationChart"/>
+    <dgm:cxn modelId="{227CE87F-A25A-439E-8015-6A2BF9AC80D4}" type="presParOf" srcId="{8F80425A-69F0-45B1-9ADD-02ADC52A8165}" destId="{86F7CA9B-579F-480A-A630-57C9EBC2B21D}" srcOrd="0" destOrd="0" presId="urn:microsoft.com/office/officeart/2008/layout/HalfCircleOrganizationChart"/>
+    <dgm:cxn modelId="{E1CBD5EA-1A15-4D05-8B65-18ECB9C2B334}" type="presParOf" srcId="{86F7CA9B-579F-480A-A630-57C9EBC2B21D}" destId="{85C1B50B-ED3F-46A6-A415-81B910F12FFC}" srcOrd="0" destOrd="0" presId="urn:microsoft.com/office/officeart/2008/layout/HalfCircleOrganizationChart"/>
+    <dgm:cxn modelId="{7EF7B2A7-7B9F-48EA-8FA5-69AE27E95697}" type="presParOf" srcId="{85C1B50B-ED3F-46A6-A415-81B910F12FFC}" destId="{662A5333-9609-4839-8143-24EC32A1F994}" srcOrd="0" destOrd="0" presId="urn:microsoft.com/office/officeart/2008/layout/HalfCircleOrganizationChart"/>
+    <dgm:cxn modelId="{34F94AB5-8868-46C9-94A6-2548E7E38DC9}" type="presParOf" srcId="{85C1B50B-ED3F-46A6-A415-81B910F12FFC}" destId="{BF3B9F51-8117-4AE2-9FCD-071E298A970D}" srcOrd="1" destOrd="0" presId="urn:microsoft.com/office/officeart/2008/layout/HalfCircleOrganizationChart"/>
+    <dgm:cxn modelId="{F7D316B4-AEE4-484A-B72B-E09B77865769}" type="presParOf" srcId="{85C1B50B-ED3F-46A6-A415-81B910F12FFC}" destId="{D446C46B-5DD1-4D3F-886A-704B7640FB96}" srcOrd="2" destOrd="0" presId="urn:microsoft.com/office/officeart/2008/layout/HalfCircleOrganizationChart"/>
+    <dgm:cxn modelId="{0A6F3AFB-BC73-41DE-839B-DE7B252CBB17}" type="presParOf" srcId="{85C1B50B-ED3F-46A6-A415-81B910F12FFC}" destId="{7EEBDBC6-E61E-4CD8-8BF2-D3AFDD3B9C37}" srcOrd="3" destOrd="0" presId="urn:microsoft.com/office/officeart/2008/layout/HalfCircleOrganizationChart"/>
+    <dgm:cxn modelId="{8945522C-A071-412F-AC26-06717D985ED5}" type="presParOf" srcId="{86F7CA9B-579F-480A-A630-57C9EBC2B21D}" destId="{E2CC026C-D11D-4B70-B246-18AD60956C92}" srcOrd="1" destOrd="0" presId="urn:microsoft.com/office/officeart/2008/layout/HalfCircleOrganizationChart"/>
+    <dgm:cxn modelId="{5DC1C5A6-4934-4002-9C59-EB77E824E2D9}" type="presParOf" srcId="{E2CC026C-D11D-4B70-B246-18AD60956C92}" destId="{9BF9BEAE-6C16-4842-96B7-7423E1775C68}" srcOrd="0" destOrd="0" presId="urn:microsoft.com/office/officeart/2008/layout/HalfCircleOrganizationChart"/>
+    <dgm:cxn modelId="{9B17CC87-7490-45FB-A6E1-3DB5A317DF6E}" type="presParOf" srcId="{E2CC026C-D11D-4B70-B246-18AD60956C92}" destId="{81EA5E3E-9D67-4CE2-9269-653D2874707C}" srcOrd="1" destOrd="0" presId="urn:microsoft.com/office/officeart/2008/layout/HalfCircleOrganizationChart"/>
+    <dgm:cxn modelId="{658835F0-2354-4008-A357-0626CAD140E5}" type="presParOf" srcId="{81EA5E3E-9D67-4CE2-9269-653D2874707C}" destId="{F6D1FC57-572B-4212-9CBC-5EEAE6EF8469}" srcOrd="0" destOrd="0" presId="urn:microsoft.com/office/officeart/2008/layout/HalfCircleOrganizationChart"/>
+    <dgm:cxn modelId="{22EA4484-BE73-4D4D-8D49-A38C6401A589}" type="presParOf" srcId="{F6D1FC57-572B-4212-9CBC-5EEAE6EF8469}" destId="{94DC607C-0DED-4505-A5F4-3BACD417CD14}" srcOrd="0" destOrd="0" presId="urn:microsoft.com/office/officeart/2008/layout/HalfCircleOrganizationChart"/>
+    <dgm:cxn modelId="{CDD9D90F-AE6B-4AC0-BFC5-307FCD369837}" type="presParOf" srcId="{F6D1FC57-572B-4212-9CBC-5EEAE6EF8469}" destId="{3C89EF08-53F0-4132-B4D2-2E5A7C28A346}" srcOrd="1" destOrd="0" presId="urn:microsoft.com/office/officeart/2008/layout/HalfCircleOrganizationChart"/>
+    <dgm:cxn modelId="{FED47B1E-DD73-4A7E-A1D7-AB6D10BB8D18}" type="presParOf" srcId="{F6D1FC57-572B-4212-9CBC-5EEAE6EF8469}" destId="{026FB1E5-18B0-4433-8803-255211FE493F}" srcOrd="2" destOrd="0" presId="urn:microsoft.com/office/officeart/2008/layout/HalfCircleOrganizationChart"/>
+    <dgm:cxn modelId="{6C956579-A6D0-4193-9907-8A66E528BD86}" type="presParOf" srcId="{F6D1FC57-572B-4212-9CBC-5EEAE6EF8469}" destId="{60B3BAFC-FB42-4834-A6EF-1666F0255D42}" srcOrd="3" destOrd="0" presId="urn:microsoft.com/office/officeart/2008/layout/HalfCircleOrganizationChart"/>
+    <dgm:cxn modelId="{BDA53F3D-7394-4D7E-BD89-A8F3689277DD}" type="presParOf" srcId="{81EA5E3E-9D67-4CE2-9269-653D2874707C}" destId="{529A4DE5-73E9-453D-9402-928FA62368EB}" srcOrd="1" destOrd="0" presId="urn:microsoft.com/office/officeart/2008/layout/HalfCircleOrganizationChart"/>
+    <dgm:cxn modelId="{CEB08AFB-7D63-4E38-9AEB-7557FA1F15C4}" type="presParOf" srcId="{529A4DE5-73E9-453D-9402-928FA62368EB}" destId="{635C45F7-9D20-4BF1-9ADE-B9F2FCFF12DD}" srcOrd="0" destOrd="0" presId="urn:microsoft.com/office/officeart/2008/layout/HalfCircleOrganizationChart"/>
+    <dgm:cxn modelId="{2AB9465C-A234-4242-ABC5-953F99DDA3D7}" type="presParOf" srcId="{529A4DE5-73E9-453D-9402-928FA62368EB}" destId="{1373F743-A3F6-4050-BA32-31340E1001D2}" srcOrd="1" destOrd="0" presId="urn:microsoft.com/office/officeart/2008/layout/HalfCircleOrganizationChart"/>
+    <dgm:cxn modelId="{FFE5D66E-18A2-4A8D-AFEE-799466B19F65}" type="presParOf" srcId="{1373F743-A3F6-4050-BA32-31340E1001D2}" destId="{AEA3EC65-EE1C-4361-A30A-3B3EC468DEAB}" srcOrd="0" destOrd="0" presId="urn:microsoft.com/office/officeart/2008/layout/HalfCircleOrganizationChart"/>
+    <dgm:cxn modelId="{1CB30FDA-C0B4-4492-848F-41724273C941}" type="presParOf" srcId="{AEA3EC65-EE1C-4361-A30A-3B3EC468DEAB}" destId="{41C04241-E1C4-496A-9413-27990C6D03EB}" srcOrd="0" destOrd="0" presId="urn:microsoft.com/office/officeart/2008/layout/HalfCircleOrganizationChart"/>
+    <dgm:cxn modelId="{2F72F54C-3F2F-407A-ABE7-2F113B21F998}" type="presParOf" srcId="{AEA3EC65-EE1C-4361-A30A-3B3EC468DEAB}" destId="{104F4092-C904-4371-98B2-784F9FDCCFEA}" srcOrd="1" destOrd="0" presId="urn:microsoft.com/office/officeart/2008/layout/HalfCircleOrganizationChart"/>
+    <dgm:cxn modelId="{E29A448A-5CD1-4770-BDF0-BFDAE1B33192}" type="presParOf" srcId="{AEA3EC65-EE1C-4361-A30A-3B3EC468DEAB}" destId="{A839F472-2273-4531-8971-F8E8677979EF}" srcOrd="2" destOrd="0" presId="urn:microsoft.com/office/officeart/2008/layout/HalfCircleOrganizationChart"/>
+    <dgm:cxn modelId="{66A7BA69-FE94-44C4-BA80-7BA85829B370}" type="presParOf" srcId="{AEA3EC65-EE1C-4361-A30A-3B3EC468DEAB}" destId="{8E071B41-B56A-4792-AA1F-12DB703B0E05}" srcOrd="3" destOrd="0" presId="urn:microsoft.com/office/officeart/2008/layout/HalfCircleOrganizationChart"/>
+    <dgm:cxn modelId="{34A3523B-BF57-4772-8489-BC5BDD0C0325}" type="presParOf" srcId="{1373F743-A3F6-4050-BA32-31340E1001D2}" destId="{570FF0F6-D9B5-4079-A188-C2F256462E0F}" srcOrd="1" destOrd="0" presId="urn:microsoft.com/office/officeart/2008/layout/HalfCircleOrganizationChart"/>
+    <dgm:cxn modelId="{8F0107AE-46E4-4F1D-AAB3-AE52AB13B591}" type="presParOf" srcId="{1373F743-A3F6-4050-BA32-31340E1001D2}" destId="{C59325DD-E767-4897-B373-0C06705F3879}" srcOrd="2" destOrd="0" presId="urn:microsoft.com/office/officeart/2008/layout/HalfCircleOrganizationChart"/>
+    <dgm:cxn modelId="{3533FA8A-07C0-4052-9999-AFBCF657A038}" type="presParOf" srcId="{529A4DE5-73E9-453D-9402-928FA62368EB}" destId="{C4803DAF-F644-400A-9421-D7755DE8DDD1}" srcOrd="2" destOrd="0" presId="urn:microsoft.com/office/officeart/2008/layout/HalfCircleOrganizationChart"/>
+    <dgm:cxn modelId="{DA6C08D6-C55D-44AC-9168-395726424527}" type="presParOf" srcId="{529A4DE5-73E9-453D-9402-928FA62368EB}" destId="{C31EBE44-8F9B-4A9B-BB6A-7E8D03963866}" srcOrd="3" destOrd="0" presId="urn:microsoft.com/office/officeart/2008/layout/HalfCircleOrganizationChart"/>
+    <dgm:cxn modelId="{69C88A0E-C38F-496A-9A8A-05C15885138F}" type="presParOf" srcId="{C31EBE44-8F9B-4A9B-BB6A-7E8D03963866}" destId="{DD47287D-A949-4D69-A2F1-CB7CCA3063D6}" srcOrd="0" destOrd="0" presId="urn:microsoft.com/office/officeart/2008/layout/HalfCircleOrganizationChart"/>
+    <dgm:cxn modelId="{3AF88F8C-A5FB-4697-8455-9AB7DB514947}" type="presParOf" srcId="{DD47287D-A949-4D69-A2F1-CB7CCA3063D6}" destId="{5E8A5A73-ECA5-4287-BD41-D1FFACDF42F2}" srcOrd="0" destOrd="0" presId="urn:microsoft.com/office/officeart/2008/layout/HalfCircleOrganizationChart"/>
+    <dgm:cxn modelId="{02A480FA-20D0-4B1E-B1BB-A01A958684DC}" type="presParOf" srcId="{DD47287D-A949-4D69-A2F1-CB7CCA3063D6}" destId="{04BA73DC-A0FA-48FA-AF47-9B77035B3B54}" srcOrd="1" destOrd="0" presId="urn:microsoft.com/office/officeart/2008/layout/HalfCircleOrganizationChart"/>
+    <dgm:cxn modelId="{4C874AB9-E995-48F2-9AFC-A70520C67616}" type="presParOf" srcId="{DD47287D-A949-4D69-A2F1-CB7CCA3063D6}" destId="{9032D0A8-3DDB-4195-A100-C73F8949711D}" srcOrd="2" destOrd="0" presId="urn:microsoft.com/office/officeart/2008/layout/HalfCircleOrganizationChart"/>
+    <dgm:cxn modelId="{E0B297AE-B6BD-4D9B-8241-32555682C0E4}" type="presParOf" srcId="{DD47287D-A949-4D69-A2F1-CB7CCA3063D6}" destId="{B0D5BF25-BAE5-4071-9C13-EF6A0FBEFA54}" srcOrd="3" destOrd="0" presId="urn:microsoft.com/office/officeart/2008/layout/HalfCircleOrganizationChart"/>
+    <dgm:cxn modelId="{38BD43E9-A676-4B00-908B-FDDB74F7E726}" type="presParOf" srcId="{C31EBE44-8F9B-4A9B-BB6A-7E8D03963866}" destId="{2DA5F886-4E43-4BCA-A85D-39A96E8FF2DA}" srcOrd="1" destOrd="0" presId="urn:microsoft.com/office/officeart/2008/layout/HalfCircleOrganizationChart"/>
+    <dgm:cxn modelId="{1004E05C-3B8D-489F-BC37-7A8ECFB5FAD6}" type="presParOf" srcId="{C31EBE44-8F9B-4A9B-BB6A-7E8D03963866}" destId="{C05278E9-4BF6-42A1-A54F-55DE38B25C78}" srcOrd="2" destOrd="0" presId="urn:microsoft.com/office/officeart/2008/layout/HalfCircleOrganizationChart"/>
+    <dgm:cxn modelId="{1A30C506-3BB0-436C-BB50-2EC96A402205}" type="presParOf" srcId="{81EA5E3E-9D67-4CE2-9269-653D2874707C}" destId="{A9C88BD1-E6EA-46BE-B68A-24AF3FBA5CF2}" srcOrd="2" destOrd="0" presId="urn:microsoft.com/office/officeart/2008/layout/HalfCircleOrganizationChart"/>
+    <dgm:cxn modelId="{98207F9F-3BE4-4EDA-B53B-15EFC2F82044}" type="presParOf" srcId="{E2CC026C-D11D-4B70-B246-18AD60956C92}" destId="{278BE0F3-4C98-45F7-943B-57FB7C5889BF}" srcOrd="2" destOrd="0" presId="urn:microsoft.com/office/officeart/2008/layout/HalfCircleOrganizationChart"/>
+    <dgm:cxn modelId="{1496EA2C-CFC9-4C23-AEEC-E646258147CA}" type="presParOf" srcId="{E2CC026C-D11D-4B70-B246-18AD60956C92}" destId="{906B2EE4-C9F9-4F53-8FA4-F8463CD921BA}" srcOrd="3" destOrd="0" presId="urn:microsoft.com/office/officeart/2008/layout/HalfCircleOrganizationChart"/>
+    <dgm:cxn modelId="{94090481-63FD-41DC-B658-49D49BF1E449}" type="presParOf" srcId="{906B2EE4-C9F9-4F53-8FA4-F8463CD921BA}" destId="{7D12B66B-1D94-434A-9285-C56646B2EEF8}" srcOrd="0" destOrd="0" presId="urn:microsoft.com/office/officeart/2008/layout/HalfCircleOrganizationChart"/>
+    <dgm:cxn modelId="{822E2AED-86EE-4F88-B36D-43EC0CD82866}" type="presParOf" srcId="{7D12B66B-1D94-434A-9285-C56646B2EEF8}" destId="{DAAA7DA0-4EE9-40B5-8E8D-01E0CC6A143B}" srcOrd="0" destOrd="0" presId="urn:microsoft.com/office/officeart/2008/layout/HalfCircleOrganizationChart"/>
+    <dgm:cxn modelId="{41B007EF-A8AA-4961-A185-DCB69443E7A2}" type="presParOf" srcId="{7D12B66B-1D94-434A-9285-C56646B2EEF8}" destId="{9E2D48B7-E7E4-4949-A446-5FD1391FF12E}" srcOrd="1" destOrd="0" presId="urn:microsoft.com/office/officeart/2008/layout/HalfCircleOrganizationChart"/>
+    <dgm:cxn modelId="{F2CD3679-2E19-4E03-A2B7-D0C3BBC7916D}" type="presParOf" srcId="{7D12B66B-1D94-434A-9285-C56646B2EEF8}" destId="{36CFDF6B-9689-47CA-A7F0-1FF96CD7418D}" srcOrd="2" destOrd="0" presId="urn:microsoft.com/office/officeart/2008/layout/HalfCircleOrganizationChart"/>
+    <dgm:cxn modelId="{327528E2-E5F0-4CEA-B3D2-39DCC000BA28}" type="presParOf" srcId="{7D12B66B-1D94-434A-9285-C56646B2EEF8}" destId="{FD2B551B-83F7-4018-B903-6EAAEBFB1DAA}" srcOrd="3" destOrd="0" presId="urn:microsoft.com/office/officeart/2008/layout/HalfCircleOrganizationChart"/>
+    <dgm:cxn modelId="{BAF100C2-3924-4237-8CC1-2E96C254EE22}" type="presParOf" srcId="{906B2EE4-C9F9-4F53-8FA4-F8463CD921BA}" destId="{DA9F578A-C6A5-48A7-B452-0C3F718CC209}" srcOrd="1" destOrd="0" presId="urn:microsoft.com/office/officeart/2008/layout/HalfCircleOrganizationChart"/>
+    <dgm:cxn modelId="{03037A27-C3BC-4399-8BE4-9718963C0580}" type="presParOf" srcId="{DA9F578A-C6A5-48A7-B452-0C3F718CC209}" destId="{963B7407-4A23-4647-A7C9-204FE1A8EA72}" srcOrd="0" destOrd="0" presId="urn:microsoft.com/office/officeart/2008/layout/HalfCircleOrganizationChart"/>
+    <dgm:cxn modelId="{714E70A8-8680-4152-B5DF-05789F7FA0DE}" type="presParOf" srcId="{DA9F578A-C6A5-48A7-B452-0C3F718CC209}" destId="{95C580D5-AC4B-41CC-B923-12F810262963}" srcOrd="1" destOrd="0" presId="urn:microsoft.com/office/officeart/2008/layout/HalfCircleOrganizationChart"/>
+    <dgm:cxn modelId="{63CAE4F4-FDDF-4F31-9856-2F65C3D8B29B}" type="presParOf" srcId="{95C580D5-AC4B-41CC-B923-12F810262963}" destId="{59257D43-7A2F-471A-B7C9-7BB35DB26031}" srcOrd="0" destOrd="0" presId="urn:microsoft.com/office/officeart/2008/layout/HalfCircleOrganizationChart"/>
+    <dgm:cxn modelId="{AB608616-2AA4-41C1-97F6-B0429B460712}" type="presParOf" srcId="{59257D43-7A2F-471A-B7C9-7BB35DB26031}" destId="{08594E79-FB05-4B39-926C-7BE318D9BE26}" srcOrd="0" destOrd="0" presId="urn:microsoft.com/office/officeart/2008/layout/HalfCircleOrganizationChart"/>
+    <dgm:cxn modelId="{7B70192C-934A-4E10-82F4-2B373743467F}" type="presParOf" srcId="{59257D43-7A2F-471A-B7C9-7BB35DB26031}" destId="{322690D9-F936-43AF-8486-577374D130CC}" srcOrd="1" destOrd="0" presId="urn:microsoft.com/office/officeart/2008/layout/HalfCircleOrganizationChart"/>
+    <dgm:cxn modelId="{9680EA69-82D5-4071-A235-B39157436950}" type="presParOf" srcId="{59257D43-7A2F-471A-B7C9-7BB35DB26031}" destId="{D7129BB8-2F82-4252-965B-696790B3EEB4}" srcOrd="2" destOrd="0" presId="urn:microsoft.com/office/officeart/2008/layout/HalfCircleOrganizationChart"/>
+    <dgm:cxn modelId="{DB248478-C41E-433C-B44E-013EECEB68D1}" type="presParOf" srcId="{59257D43-7A2F-471A-B7C9-7BB35DB26031}" destId="{4EC1AB16-687F-4AD9-BAF9-9FC0C5C0FEDE}" srcOrd="3" destOrd="0" presId="urn:microsoft.com/office/officeart/2008/layout/HalfCircleOrganizationChart"/>
+    <dgm:cxn modelId="{C6FC3AE5-35C8-4E24-BFB5-2CD7A507B822}" type="presParOf" srcId="{95C580D5-AC4B-41CC-B923-12F810262963}" destId="{0319A976-85C1-40B5-99B3-52859D708A8A}" srcOrd="1" destOrd="0" presId="urn:microsoft.com/office/officeart/2008/layout/HalfCircleOrganizationChart"/>
+    <dgm:cxn modelId="{933528CA-833A-42FB-A549-89F0F034E520}" type="presParOf" srcId="{95C580D5-AC4B-41CC-B923-12F810262963}" destId="{227CCBB9-8966-490D-8149-4FDEF1990405}" srcOrd="2" destOrd="0" presId="urn:microsoft.com/office/officeart/2008/layout/HalfCircleOrganizationChart"/>
+    <dgm:cxn modelId="{158337FC-E2AE-4978-B340-6F26514A0799}" type="presParOf" srcId="{DA9F578A-C6A5-48A7-B452-0C3F718CC209}" destId="{C2C0AA63-D61A-4C00-B023-ECB36E305BD7}" srcOrd="2" destOrd="0" presId="urn:microsoft.com/office/officeart/2008/layout/HalfCircleOrganizationChart"/>
+    <dgm:cxn modelId="{69F62E5D-6080-489B-832B-A445AE71AFDA}" type="presParOf" srcId="{DA9F578A-C6A5-48A7-B452-0C3F718CC209}" destId="{640FA1AB-D771-4E7C-A801-D235122D346B}" srcOrd="3" destOrd="0" presId="urn:microsoft.com/office/officeart/2008/layout/HalfCircleOrganizationChart"/>
+    <dgm:cxn modelId="{27646327-89F1-4124-A730-5B3EA8CFCE89}" type="presParOf" srcId="{640FA1AB-D771-4E7C-A801-D235122D346B}" destId="{06DF26BC-1C9E-4555-88F2-04957557FF10}" srcOrd="0" destOrd="0" presId="urn:microsoft.com/office/officeart/2008/layout/HalfCircleOrganizationChart"/>
+    <dgm:cxn modelId="{E33CB171-E3CE-4640-BE67-D96115041857}" type="presParOf" srcId="{06DF26BC-1C9E-4555-88F2-04957557FF10}" destId="{54F93D7A-A9D7-493C-90F1-D6D0BA1647AA}" srcOrd="0" destOrd="0" presId="urn:microsoft.com/office/officeart/2008/layout/HalfCircleOrganizationChart"/>
+    <dgm:cxn modelId="{8AE6EAEB-0964-4EDB-8A17-C028AF28639D}" type="presParOf" srcId="{06DF26BC-1C9E-4555-88F2-04957557FF10}" destId="{36F2DC07-5756-4AF0-8B14-A92A6D735073}" srcOrd="1" destOrd="0" presId="urn:microsoft.com/office/officeart/2008/layout/HalfCircleOrganizationChart"/>
+    <dgm:cxn modelId="{3920EC25-4364-45DF-8911-4F565E0A4148}" type="presParOf" srcId="{06DF26BC-1C9E-4555-88F2-04957557FF10}" destId="{3C6470B8-1A21-41A2-9DAF-1AE628037500}" srcOrd="2" destOrd="0" presId="urn:microsoft.com/office/officeart/2008/layout/HalfCircleOrganizationChart"/>
+    <dgm:cxn modelId="{D6B3E3F5-8701-4B26-BCEC-B73DDAEA0840}" type="presParOf" srcId="{06DF26BC-1C9E-4555-88F2-04957557FF10}" destId="{F18DD9C6-38D0-4687-A863-8A40374A7952}" srcOrd="3" destOrd="0" presId="urn:microsoft.com/office/officeart/2008/layout/HalfCircleOrganizationChart"/>
+    <dgm:cxn modelId="{E3598F0E-9C4C-4B09-8E5F-076016F91047}" type="presParOf" srcId="{640FA1AB-D771-4E7C-A801-D235122D346B}" destId="{28B699BD-8266-4053-9687-84D5821A4026}" srcOrd="1" destOrd="0" presId="urn:microsoft.com/office/officeart/2008/layout/HalfCircleOrganizationChart"/>
+    <dgm:cxn modelId="{E0D64C5F-A140-4CF6-AC13-59FBDA1CDE23}" type="presParOf" srcId="{640FA1AB-D771-4E7C-A801-D235122D346B}" destId="{225FFFB2-E723-4601-AE63-9264A6A29554}" srcOrd="2" destOrd="0" presId="urn:microsoft.com/office/officeart/2008/layout/HalfCircleOrganizationChart"/>
+    <dgm:cxn modelId="{4108C6D5-A820-4B4C-BDED-EBD748C5D8C0}" type="presParOf" srcId="{906B2EE4-C9F9-4F53-8FA4-F8463CD921BA}" destId="{E87C23D6-68DA-4795-83D0-393B64D2B6A0}" srcOrd="2" destOrd="0" presId="urn:microsoft.com/office/officeart/2008/layout/HalfCircleOrganizationChart"/>
+    <dgm:cxn modelId="{3E323ADD-7665-4144-99C1-F0F79C976DC2}" type="presParOf" srcId="{86F7CA9B-579F-480A-A630-57C9EBC2B21D}" destId="{EBCF3470-31E1-4466-9FA0-EB24E0C2E4BB}" srcOrd="2" destOrd="0" presId="urn:microsoft.com/office/officeart/2008/layout/HalfCircleOrganizationChart"/>
   </dgm:cxnLst>
   <dgm:bg/>
   <dgm:whole/>
@@ -9662,15 +9964,15 @@
     </dgm:pt>
   </dgm:ptLst>
   <dgm:cxnLst>
+    <dgm:cxn modelId="{E145059A-0608-4322-A1A8-FD82D53C2CD0}" type="presOf" srcId="{F22FBBE9-EC77-463A-ADD8-30A6E912EEB6}" destId="{F2DDDC1B-AA8D-4D10-80A9-8548E74C60F9}" srcOrd="0" destOrd="0" presId="urn:microsoft.com/office/officeart/2005/8/layout/hChevron3"/>
+    <dgm:cxn modelId="{FCE0A3B9-EA8E-41C7-9C09-BCCE85C77DA9}" type="presOf" srcId="{58ABCDFC-26BF-436B-B85A-15FF82C74A40}" destId="{9396B684-6805-4E5D-AEE3-7088781907E9}" srcOrd="0" destOrd="0" presId="urn:microsoft.com/office/officeart/2005/8/layout/hChevron3"/>
+    <dgm:cxn modelId="{B9DFE226-8465-405D-A0E3-3D8B6A5AFD3B}" type="presOf" srcId="{DFE5A8E8-70ED-49BC-AD75-E7E0C309F759}" destId="{7CA12966-C8B6-4740-A56F-010F3FDC0B88}" srcOrd="0" destOrd="0" presId="urn:microsoft.com/office/officeart/2005/8/layout/hChevron3"/>
+    <dgm:cxn modelId="{C6197647-55DC-4D93-9366-5D4BD2D95F17}" type="presOf" srcId="{0A4A7D10-A237-47BF-B4B4-CECD5670904D}" destId="{CECDC9E7-8B5D-449E-AE26-19CCA38B1529}" srcOrd="0" destOrd="0" presId="urn:microsoft.com/office/officeart/2005/8/layout/hChevron3"/>
     <dgm:cxn modelId="{0371AB5D-6FFC-4673-A4DD-D224EBFA6E1F}" type="presOf" srcId="{142FAFB1-4B22-45B6-816D-5C38ADA4E698}" destId="{C182706D-2445-4EDE-8DBA-A96335C8340B}" srcOrd="0" destOrd="0" presId="urn:microsoft.com/office/officeart/2005/8/layout/hChevron3"/>
     <dgm:cxn modelId="{D86B11EE-1013-4D04-AA97-6C1D5532DD25}" srcId="{58ABCDFC-26BF-436B-B85A-15FF82C74A40}" destId="{DFE5A8E8-70ED-49BC-AD75-E7E0C309F759}" srcOrd="1" destOrd="0" parTransId="{1A748797-6E04-4894-B7A4-74DDDFB9233D}" sibTransId="{570CEE56-0E94-46F5-8442-ED77FF32786A}"/>
-    <dgm:cxn modelId="{C6197647-55DC-4D93-9366-5D4BD2D95F17}" type="presOf" srcId="{0A4A7D10-A237-47BF-B4B4-CECD5670904D}" destId="{CECDC9E7-8B5D-449E-AE26-19CCA38B1529}" srcOrd="0" destOrd="0" presId="urn:microsoft.com/office/officeart/2005/8/layout/hChevron3"/>
-    <dgm:cxn modelId="{FCE0A3B9-EA8E-41C7-9C09-BCCE85C77DA9}" type="presOf" srcId="{58ABCDFC-26BF-436B-B85A-15FF82C74A40}" destId="{9396B684-6805-4E5D-AEE3-7088781907E9}" srcOrd="0" destOrd="0" presId="urn:microsoft.com/office/officeart/2005/8/layout/hChevron3"/>
+    <dgm:cxn modelId="{F64359BE-6438-4826-9EB8-09FCFDEB5C5D}" srcId="{58ABCDFC-26BF-436B-B85A-15FF82C74A40}" destId="{0A4A7D10-A237-47BF-B4B4-CECD5670904D}" srcOrd="2" destOrd="0" parTransId="{84C8BCD8-2B9A-4A85-9D20-B9762DD7CADD}" sibTransId="{6A519CB6-7609-468B-A73D-AD8846B8CADC}"/>
     <dgm:cxn modelId="{4D9D905B-5152-45AD-A9F4-A22CC8E422F0}" srcId="{58ABCDFC-26BF-436B-B85A-15FF82C74A40}" destId="{F22FBBE9-EC77-463A-ADD8-30A6E912EEB6}" srcOrd="0" destOrd="0" parTransId="{FC677E8F-1F6E-439C-8260-49A610B9DD65}" sibTransId="{F6EFC581-BF79-4D5B-91E8-5C16656F7B70}"/>
-    <dgm:cxn modelId="{B9DFE226-8465-405D-A0E3-3D8B6A5AFD3B}" type="presOf" srcId="{DFE5A8E8-70ED-49BC-AD75-E7E0C309F759}" destId="{7CA12966-C8B6-4740-A56F-010F3FDC0B88}" srcOrd="0" destOrd="0" presId="urn:microsoft.com/office/officeart/2005/8/layout/hChevron3"/>
-    <dgm:cxn modelId="{F64359BE-6438-4826-9EB8-09FCFDEB5C5D}" srcId="{58ABCDFC-26BF-436B-B85A-15FF82C74A40}" destId="{0A4A7D10-A237-47BF-B4B4-CECD5670904D}" srcOrd="2" destOrd="0" parTransId="{84C8BCD8-2B9A-4A85-9D20-B9762DD7CADD}" sibTransId="{6A519CB6-7609-468B-A73D-AD8846B8CADC}"/>
     <dgm:cxn modelId="{BE563B51-405A-49A2-B43C-B0FBBC645930}" srcId="{58ABCDFC-26BF-436B-B85A-15FF82C74A40}" destId="{142FAFB1-4B22-45B6-816D-5C38ADA4E698}" srcOrd="3" destOrd="0" parTransId="{E74C478C-9639-42D4-8B7B-31ED264E8948}" sibTransId="{7FB64FFF-D0FB-44C1-BC83-5DE0B8073A08}"/>
-    <dgm:cxn modelId="{E145059A-0608-4322-A1A8-FD82D53C2CD0}" type="presOf" srcId="{F22FBBE9-EC77-463A-ADD8-30A6E912EEB6}" destId="{F2DDDC1B-AA8D-4D10-80A9-8548E74C60F9}" srcOrd="0" destOrd="0" presId="urn:microsoft.com/office/officeart/2005/8/layout/hChevron3"/>
     <dgm:cxn modelId="{36AA7D9F-312B-46F9-B58B-482DA5BA14AD}" type="presParOf" srcId="{9396B684-6805-4E5D-AEE3-7088781907E9}" destId="{F2DDDC1B-AA8D-4D10-80A9-8548E74C60F9}" srcOrd="0" destOrd="0" presId="urn:microsoft.com/office/officeart/2005/8/layout/hChevron3"/>
     <dgm:cxn modelId="{4BD9BEC4-CFBA-44BA-9161-3DB66B1D87AA}" type="presParOf" srcId="{9396B684-6805-4E5D-AEE3-7088781907E9}" destId="{E3806715-1FAE-45AB-86EB-ADADDC6C2857}" srcOrd="1" destOrd="0" presId="urn:microsoft.com/office/officeart/2005/8/layout/hChevron3"/>
     <dgm:cxn modelId="{D5DAFCFC-181E-4B84-AF7C-3973858DA387}" type="presParOf" srcId="{9396B684-6805-4E5D-AEE3-7088781907E9}" destId="{7CA12966-C8B6-4740-A56F-010F3FDC0B88}" srcOrd="2" destOrd="0" presId="urn:microsoft.com/office/officeart/2005/8/layout/hChevron3"/>
@@ -9704,8 +10006,8 @@
       </dsp:nvSpPr>
       <dsp:spPr>
         <a:xfrm>
-          <a:off x="5896905" y="2215391"/>
-          <a:ext cx="1644562" cy="1847350"/>
+          <a:off x="6657428" y="2215391"/>
+          <a:ext cx="757285" cy="1847350"/>
         </a:xfrm>
         <a:custGeom>
           <a:avLst/>
@@ -9722,7 +10024,7 @@
                 <a:pt x="0" y="1847350"/>
               </a:lnTo>
               <a:lnTo>
-                <a:pt x="1644562" y="1847350"/>
+                <a:pt x="757285" y="1847350"/>
               </a:lnTo>
             </a:path>
           </a:pathLst>
@@ -9768,8 +10070,8 @@
       </dsp:nvSpPr>
       <dsp:spPr>
         <a:xfrm>
-          <a:off x="5896905" y="2215391"/>
-          <a:ext cx="1644562" cy="548717"/>
+          <a:off x="6657428" y="2215391"/>
+          <a:ext cx="757285" cy="548717"/>
         </a:xfrm>
         <a:custGeom>
           <a:avLst/>
@@ -9786,7 +10088,7 @@
                 <a:pt x="0" y="548717"/>
               </a:lnTo>
               <a:lnTo>
-                <a:pt x="1644562" y="548717"/>
+                <a:pt x="757285" y="548717"/>
               </a:lnTo>
             </a:path>
           </a:pathLst>
@@ -9833,7 +10135,7 @@
       <dsp:spPr>
         <a:xfrm>
           <a:off x="3917287" y="916759"/>
-          <a:ext cx="1979618" cy="384102"/>
+          <a:ext cx="2740141" cy="384102"/>
         </a:xfrm>
         <a:custGeom>
           <a:avLst/>
@@ -9850,10 +10152,10 @@
                 <a:pt x="0" y="192051"/>
               </a:lnTo>
               <a:lnTo>
-                <a:pt x="1979618" y="192051"/>
+                <a:pt x="2740141" y="192051"/>
               </a:lnTo>
               <a:lnTo>
-                <a:pt x="1979618" y="384102"/>
+                <a:pt x="2740141" y="384102"/>
               </a:lnTo>
             </a:path>
           </a:pathLst>
@@ -9873,6 +10175,134 @@
           <a:miter lim="800000"/>
         </a:ln>
         <a:effectLst/>
+        <a:sp3d z="-40000" prstMaterial="matte"/>
+      </dsp:spPr>
+      <dsp:style>
+        <a:lnRef idx="2">
+          <a:scrgbClr r="0" g="0" b="0"/>
+        </a:lnRef>
+        <a:fillRef idx="0">
+          <a:scrgbClr r="0" g="0" b="0"/>
+        </a:fillRef>
+        <a:effectRef idx="0">
+          <a:scrgbClr r="0" g="0" b="0"/>
+        </a:effectRef>
+        <a:fontRef idx="minor"/>
+      </dsp:style>
+    </dsp:sp>
+    <dsp:sp modelId="{C4803DAF-F644-400A-9421-D7755DE8DDD1}">
+      <dsp:nvSpPr>
+        <dsp:cNvPr id="0" name=""/>
+        <dsp:cNvSpPr/>
+      </dsp:nvSpPr>
+      <dsp:spPr>
+        <a:xfrm>
+          <a:off x="1937668" y="2215391"/>
+          <a:ext cx="679251" cy="1847350"/>
+        </a:xfrm>
+        <a:custGeom>
+          <a:avLst/>
+          <a:gdLst/>
+          <a:ahLst/>
+          <a:cxnLst/>
+          <a:rect l="0" t="0" r="0" b="0"/>
+          <a:pathLst>
+            <a:path>
+              <a:moveTo>
+                <a:pt x="0" y="0"/>
+              </a:moveTo>
+              <a:lnTo>
+                <a:pt x="0" y="1847350"/>
+              </a:lnTo>
+              <a:lnTo>
+                <a:pt x="679251" y="1847350"/>
+              </a:lnTo>
+            </a:path>
+          </a:pathLst>
+        </a:custGeom>
+        <a:noFill/>
+        <a:ln w="12700" cap="flat" cmpd="sng" algn="ctr">
+          <a:solidFill>
+            <a:schemeClr val="accent1">
+              <a:shade val="80000"/>
+              <a:hueOff val="0"/>
+              <a:satOff val="0"/>
+              <a:lumOff val="0"/>
+              <a:alphaOff val="0"/>
+            </a:schemeClr>
+          </a:solidFill>
+          <a:prstDash val="solid"/>
+          <a:miter lim="800000"/>
+        </a:ln>
+        <a:effectLst/>
+        <a:scene3d>
+          <a:camera prst="orthographicFront"/>
+          <a:lightRig rig="chilly" dir="t"/>
+        </a:scene3d>
+        <a:sp3d z="-40000" prstMaterial="matte"/>
+      </dsp:spPr>
+      <dsp:style>
+        <a:lnRef idx="2">
+          <a:scrgbClr r="0" g="0" b="0"/>
+        </a:lnRef>
+        <a:fillRef idx="0">
+          <a:scrgbClr r="0" g="0" b="0"/>
+        </a:fillRef>
+        <a:effectRef idx="0">
+          <a:scrgbClr r="0" g="0" b="0"/>
+        </a:effectRef>
+        <a:fontRef idx="minor"/>
+      </dsp:style>
+    </dsp:sp>
+    <dsp:sp modelId="{635C45F7-9D20-4BF1-9ADE-B9F2FCFF12DD}">
+      <dsp:nvSpPr>
+        <dsp:cNvPr id="0" name=""/>
+        <dsp:cNvSpPr/>
+      </dsp:nvSpPr>
+      <dsp:spPr>
+        <a:xfrm>
+          <a:off x="1937668" y="2215391"/>
+          <a:ext cx="679251" cy="548717"/>
+        </a:xfrm>
+        <a:custGeom>
+          <a:avLst/>
+          <a:gdLst/>
+          <a:ahLst/>
+          <a:cxnLst/>
+          <a:rect l="0" t="0" r="0" b="0"/>
+          <a:pathLst>
+            <a:path>
+              <a:moveTo>
+                <a:pt x="0" y="0"/>
+              </a:moveTo>
+              <a:lnTo>
+                <a:pt x="0" y="548717"/>
+              </a:lnTo>
+              <a:lnTo>
+                <a:pt x="679251" y="548717"/>
+              </a:lnTo>
+            </a:path>
+          </a:pathLst>
+        </a:custGeom>
+        <a:noFill/>
+        <a:ln w="12700" cap="flat" cmpd="sng" algn="ctr">
+          <a:solidFill>
+            <a:schemeClr val="accent1">
+              <a:shade val="80000"/>
+              <a:hueOff val="0"/>
+              <a:satOff val="0"/>
+              <a:lumOff val="0"/>
+              <a:alphaOff val="0"/>
+            </a:schemeClr>
+          </a:solidFill>
+          <a:prstDash val="solid"/>
+          <a:miter lim="800000"/>
+        </a:ln>
+        <a:effectLst/>
+        <a:scene3d>
+          <a:camera prst="orthographicFront"/>
+          <a:lightRig rig="chilly" dir="t"/>
+        </a:scene3d>
         <a:sp3d z="-40000" prstMaterial="matte"/>
       </dsp:spPr>
       <dsp:style>
@@ -10297,6 +10727,336 @@
         <a:ext cx="3575135" cy="585299"/>
       </dsp:txXfrm>
     </dsp:sp>
+    <dsp:sp modelId="{104F4092-C904-4371-98B2-784F9FDCCFEA}">
+      <dsp:nvSpPr>
+        <dsp:cNvPr id="0" name=""/>
+        <dsp:cNvSpPr/>
+      </dsp:nvSpPr>
+      <dsp:spPr>
+        <a:xfrm>
+          <a:off x="2405248" y="2599494"/>
+          <a:ext cx="1763926" cy="914529"/>
+        </a:xfrm>
+        <a:prstGeom prst="ellipse">
+          <a:avLst/>
+        </a:prstGeom>
+        <a:blipFill rotWithShape="0">
+          <a:blip xmlns:r="http://schemas.openxmlformats.org/officeDocument/2006/relationships" r:embed="rId3"/>
+          <a:stretch>
+            <a:fillRect/>
+          </a:stretch>
+        </a:blipFill>
+        <a:ln w="12700" cap="flat" cmpd="sng" algn="ctr">
+          <a:noFill/>
+          <a:prstDash val="solid"/>
+          <a:miter lim="800000"/>
+        </a:ln>
+        <a:effectLst/>
+        <a:scene3d>
+          <a:camera prst="orthographicFront"/>
+          <a:lightRig rig="chilly" dir="t"/>
+        </a:scene3d>
+        <a:sp3d z="-40000" prstMaterial="matte"/>
+      </dsp:spPr>
+      <dsp:style>
+        <a:lnRef idx="2">
+          <a:scrgbClr r="0" g="0" b="0"/>
+        </a:lnRef>
+        <a:fillRef idx="0">
+          <a:scrgbClr r="0" g="0" b="0"/>
+        </a:fillRef>
+        <a:effectRef idx="0">
+          <a:scrgbClr r="0" g="0" b="0"/>
+        </a:effectRef>
+        <a:fontRef idx="minor"/>
+      </dsp:style>
+    </dsp:sp>
+    <dsp:sp modelId="{A839F472-2273-4531-8971-F8E8677979EF}">
+      <dsp:nvSpPr>
+        <dsp:cNvPr id="0" name=""/>
+        <dsp:cNvSpPr/>
+      </dsp:nvSpPr>
+      <dsp:spPr>
+        <a:xfrm>
+          <a:off x="2405248" y="2599494"/>
+          <a:ext cx="1763926" cy="914529"/>
+        </a:xfrm>
+        <a:prstGeom prst="arc">
+          <a:avLst>
+            <a:gd name="adj1" fmla="val 2400000"/>
+            <a:gd name="adj2" fmla="val 8400000"/>
+          </a:avLst>
+        </a:prstGeom>
+        <a:noFill/>
+        <a:ln w="12700" cap="flat" cmpd="sng" algn="ctr">
+          <a:noFill/>
+          <a:prstDash val="solid"/>
+          <a:miter lim="800000"/>
+        </a:ln>
+        <a:effectLst/>
+        <a:scene3d>
+          <a:camera prst="orthographicFront"/>
+          <a:lightRig rig="chilly" dir="t"/>
+        </a:scene3d>
+        <a:sp3d z="-40000" prstMaterial="matte"/>
+      </dsp:spPr>
+      <dsp:style>
+        <a:lnRef idx="2">
+          <a:scrgbClr r="0" g="0" b="0"/>
+        </a:lnRef>
+        <a:fillRef idx="0">
+          <a:scrgbClr r="0" g="0" b="0"/>
+        </a:fillRef>
+        <a:effectRef idx="0">
+          <a:scrgbClr r="0" g="0" b="0"/>
+        </a:effectRef>
+        <a:fontRef idx="minor"/>
+      </dsp:style>
+    </dsp:sp>
+    <dsp:sp modelId="{41C04241-E1C4-496A-9413-27990C6D03EB}">
+      <dsp:nvSpPr>
+        <dsp:cNvPr id="0" name=""/>
+        <dsp:cNvSpPr/>
+      </dsp:nvSpPr>
+      <dsp:spPr>
+        <a:xfrm>
+          <a:off x="1523284" y="2764109"/>
+          <a:ext cx="3527853" cy="585299"/>
+        </a:xfrm>
+        <a:prstGeom prst="rect">
+          <a:avLst/>
+        </a:prstGeom>
+        <a:noFill/>
+        <a:ln w="6350" cap="flat" cmpd="sng" algn="ctr">
+          <a:noFill/>
+          <a:prstDash val="solid"/>
+          <a:miter lim="800000"/>
+        </a:ln>
+        <a:effectLst/>
+        <a:scene3d>
+          <a:camera prst="orthographicFront"/>
+          <a:lightRig rig="chilly" dir="t"/>
+        </a:scene3d>
+        <a:sp3d/>
+      </dsp:spPr>
+      <dsp:style>
+        <a:lnRef idx="1">
+          <a:scrgbClr r="0" g="0" b="0"/>
+        </a:lnRef>
+        <a:fillRef idx="1">
+          <a:scrgbClr r="0" g="0" b="0"/>
+        </a:fillRef>
+        <a:effectRef idx="0">
+          <a:scrgbClr r="0" g="0" b="0"/>
+        </a:effectRef>
+        <a:fontRef idx="minor"/>
+      </dsp:style>
+      <dsp:txBody>
+        <a:bodyPr spcFirstLastPara="0" vert="horz" wrap="square" lIns="8890" tIns="8890" rIns="8890" bIns="8890" numCol="1" spcCol="1270" anchor="ctr" anchorCtr="0">
+          <a:noAutofit/>
+        </a:bodyPr>
+        <a:lstStyle/>
+        <a:p>
+          <a:pPr lvl="0" algn="ctr" defTabSz="622300">
+            <a:lnSpc>
+              <a:spcPct val="90000"/>
+            </a:lnSpc>
+            <a:spcBef>
+              <a:spcPct val="0"/>
+            </a:spcBef>
+            <a:spcAft>
+              <a:spcPct val="35000"/>
+            </a:spcAft>
+          </a:pPr>
+          <a:r>
+            <a:rPr lang="es-MX" sz="1400" kern="1200" smtClean="0">
+              <a:solidFill>
+                <a:schemeClr val="bg1"/>
+              </a:solidFill>
+              <a:latin typeface="Verdana" panose="020B0604030504040204" pitchFamily="34" charset="0"/>
+              <a:ea typeface="Verdana" panose="020B0604030504040204" pitchFamily="34" charset="0"/>
+            </a:rPr>
+            <a:t>Nominales</a:t>
+          </a:r>
+          <a:endParaRPr lang="es-MX" sz="1400" kern="1200">
+            <a:solidFill>
+              <a:schemeClr val="bg1"/>
+            </a:solidFill>
+            <a:latin typeface="Verdana" panose="020B0604030504040204" pitchFamily="34" charset="0"/>
+            <a:ea typeface="Verdana" panose="020B0604030504040204" pitchFamily="34" charset="0"/>
+          </a:endParaRPr>
+        </a:p>
+      </dsp:txBody>
+      <dsp:txXfrm>
+        <a:off x="1523284" y="2764109"/>
+        <a:ext cx="3527853" cy="585299"/>
+      </dsp:txXfrm>
+    </dsp:sp>
+    <dsp:sp modelId="{04BA73DC-A0FA-48FA-AF47-9B77035B3B54}">
+      <dsp:nvSpPr>
+        <dsp:cNvPr id="0" name=""/>
+        <dsp:cNvSpPr/>
+      </dsp:nvSpPr>
+      <dsp:spPr>
+        <a:xfrm>
+          <a:off x="2405248" y="3898126"/>
+          <a:ext cx="1763926" cy="914529"/>
+        </a:xfrm>
+        <a:prstGeom prst="ellipse">
+          <a:avLst/>
+        </a:prstGeom>
+        <a:blipFill rotWithShape="0">
+          <a:blip xmlns:r="http://schemas.openxmlformats.org/officeDocument/2006/relationships" r:embed="rId3"/>
+          <a:stretch>
+            <a:fillRect/>
+          </a:stretch>
+        </a:blipFill>
+        <a:ln w="12700" cap="flat" cmpd="sng" algn="ctr">
+          <a:noFill/>
+          <a:prstDash val="solid"/>
+          <a:miter lim="800000"/>
+        </a:ln>
+        <a:effectLst/>
+        <a:scene3d>
+          <a:camera prst="orthographicFront"/>
+          <a:lightRig rig="chilly" dir="t"/>
+        </a:scene3d>
+        <a:sp3d z="-40000" prstMaterial="matte"/>
+      </dsp:spPr>
+      <dsp:style>
+        <a:lnRef idx="2">
+          <a:scrgbClr r="0" g="0" b="0"/>
+        </a:lnRef>
+        <a:fillRef idx="0">
+          <a:scrgbClr r="0" g="0" b="0"/>
+        </a:fillRef>
+        <a:effectRef idx="0">
+          <a:scrgbClr r="0" g="0" b="0"/>
+        </a:effectRef>
+        <a:fontRef idx="minor"/>
+      </dsp:style>
+    </dsp:sp>
+    <dsp:sp modelId="{9032D0A8-3DDB-4195-A100-C73F8949711D}">
+      <dsp:nvSpPr>
+        <dsp:cNvPr id="0" name=""/>
+        <dsp:cNvSpPr/>
+      </dsp:nvSpPr>
+      <dsp:spPr>
+        <a:xfrm>
+          <a:off x="2405248" y="3898126"/>
+          <a:ext cx="1763926" cy="914529"/>
+        </a:xfrm>
+        <a:prstGeom prst="arc">
+          <a:avLst>
+            <a:gd name="adj1" fmla="val 2400000"/>
+            <a:gd name="adj2" fmla="val 8400000"/>
+          </a:avLst>
+        </a:prstGeom>
+        <a:noFill/>
+        <a:ln w="12700" cap="flat" cmpd="sng" algn="ctr">
+          <a:noFill/>
+          <a:prstDash val="solid"/>
+          <a:miter lim="800000"/>
+        </a:ln>
+        <a:effectLst/>
+        <a:scene3d>
+          <a:camera prst="orthographicFront"/>
+          <a:lightRig rig="chilly" dir="t"/>
+        </a:scene3d>
+        <a:sp3d z="-40000" prstMaterial="matte"/>
+      </dsp:spPr>
+      <dsp:style>
+        <a:lnRef idx="2">
+          <a:scrgbClr r="0" g="0" b="0"/>
+        </a:lnRef>
+        <a:fillRef idx="0">
+          <a:scrgbClr r="0" g="0" b="0"/>
+        </a:fillRef>
+        <a:effectRef idx="0">
+          <a:scrgbClr r="0" g="0" b="0"/>
+        </a:effectRef>
+        <a:fontRef idx="minor"/>
+      </dsp:style>
+    </dsp:sp>
+    <dsp:sp modelId="{5E8A5A73-ECA5-4287-BD41-D1FFACDF42F2}">
+      <dsp:nvSpPr>
+        <dsp:cNvPr id="0" name=""/>
+        <dsp:cNvSpPr/>
+      </dsp:nvSpPr>
+      <dsp:spPr>
+        <a:xfrm>
+          <a:off x="1523284" y="4062742"/>
+          <a:ext cx="3527853" cy="585299"/>
+        </a:xfrm>
+        <a:prstGeom prst="rect">
+          <a:avLst/>
+        </a:prstGeom>
+        <a:noFill/>
+        <a:ln w="6350" cap="flat" cmpd="sng" algn="ctr">
+          <a:noFill/>
+          <a:prstDash val="solid"/>
+          <a:miter lim="800000"/>
+        </a:ln>
+        <a:effectLst/>
+        <a:scene3d>
+          <a:camera prst="orthographicFront"/>
+          <a:lightRig rig="chilly" dir="t"/>
+        </a:scene3d>
+        <a:sp3d/>
+      </dsp:spPr>
+      <dsp:style>
+        <a:lnRef idx="1">
+          <a:scrgbClr r="0" g="0" b="0"/>
+        </a:lnRef>
+        <a:fillRef idx="1">
+          <a:scrgbClr r="0" g="0" b="0"/>
+        </a:fillRef>
+        <a:effectRef idx="0">
+          <a:scrgbClr r="0" g="0" b="0"/>
+        </a:effectRef>
+        <a:fontRef idx="minor"/>
+      </dsp:style>
+      <dsp:txBody>
+        <a:bodyPr spcFirstLastPara="0" vert="horz" wrap="square" lIns="8890" tIns="8890" rIns="8890" bIns="8890" numCol="1" spcCol="1270" anchor="ctr" anchorCtr="0">
+          <a:noAutofit/>
+        </a:bodyPr>
+        <a:lstStyle/>
+        <a:p>
+          <a:pPr lvl="0" algn="ctr" defTabSz="622300">
+            <a:lnSpc>
+              <a:spcPct val="90000"/>
+            </a:lnSpc>
+            <a:spcBef>
+              <a:spcPct val="0"/>
+            </a:spcBef>
+            <a:spcAft>
+              <a:spcPct val="35000"/>
+            </a:spcAft>
+          </a:pPr>
+          <a:r>
+            <a:rPr lang="es-MX" sz="1400" kern="1200" smtClean="0">
+              <a:solidFill>
+                <a:schemeClr val="bg1"/>
+              </a:solidFill>
+              <a:latin typeface="Verdana" panose="020B0604030504040204" pitchFamily="34" charset="0"/>
+              <a:ea typeface="Verdana" panose="020B0604030504040204" pitchFamily="34" charset="0"/>
+            </a:rPr>
+            <a:t>Ordinales</a:t>
+          </a:r>
+          <a:endParaRPr lang="es-MX" sz="1400" kern="1200">
+            <a:solidFill>
+              <a:schemeClr val="bg1"/>
+            </a:solidFill>
+            <a:latin typeface="Verdana" panose="020B0604030504040204" pitchFamily="34" charset="0"/>
+            <a:ea typeface="Verdana" panose="020B0604030504040204" pitchFamily="34" charset="0"/>
+          </a:endParaRPr>
+        </a:p>
+      </dsp:txBody>
+      <dsp:txXfrm>
+        <a:off x="1523284" y="4062742"/>
+        <a:ext cx="3527853" cy="585299"/>
+      </dsp:txXfrm>
+    </dsp:sp>
     <dsp:sp modelId="{9E2D48B7-E7E4-4949-A446-5FD1391FF12E}">
       <dsp:nvSpPr>
         <dsp:cNvPr id="0" name=""/>
@@ -10304,7 +11064,7 @@
       </dsp:nvSpPr>
       <dsp:spPr>
         <a:xfrm>
-          <a:off x="5003122" y="1300861"/>
+          <a:off x="5763645" y="1300861"/>
           <a:ext cx="1787567" cy="914529"/>
         </a:xfrm>
         <a:prstGeom prst="arc">
@@ -10354,7 +11114,7 @@
       </dsp:nvSpPr>
       <dsp:spPr>
         <a:xfrm>
-          <a:off x="5003122" y="1300861"/>
+          <a:off x="5763645" y="1300861"/>
           <a:ext cx="1787567" cy="914529"/>
         </a:xfrm>
         <a:prstGeom prst="ellipse">
@@ -10398,7 +11158,7 @@
       </dsp:nvSpPr>
       <dsp:spPr>
         <a:xfrm>
-          <a:off x="4109338" y="1465477"/>
+          <a:off x="4869861" y="1465477"/>
           <a:ext cx="3575135" cy="585299"/>
         </a:xfrm>
         <a:prstGeom prst="rect">
@@ -10466,7 +11226,7 @@
         </a:p>
       </dsp:txBody>
       <dsp:txXfrm>
-        <a:off x="4109338" y="1465477"/>
+        <a:off x="4869861" y="1465477"/>
         <a:ext cx="3575135" cy="585299"/>
       </dsp:txXfrm>
     </dsp:sp>
@@ -10477,14 +11237,14 @@
       </dsp:nvSpPr>
       <dsp:spPr>
         <a:xfrm>
-          <a:off x="7326959" y="2599494"/>
+          <a:off x="7200206" y="2599494"/>
           <a:ext cx="1787567" cy="914529"/>
         </a:xfrm>
         <a:prstGeom prst="ellipse">
           <a:avLst/>
         </a:prstGeom>
         <a:blipFill rotWithShape="0">
-          <a:blip xmlns:r="http://schemas.openxmlformats.org/officeDocument/2006/relationships" r:embed="rId3"/>
+          <a:blip xmlns:r="http://schemas.openxmlformats.org/officeDocument/2006/relationships" r:embed="rId4"/>
           <a:stretch>
             <a:fillRect/>
           </a:stretch>
@@ -10521,7 +11281,7 @@
       </dsp:nvSpPr>
       <dsp:spPr>
         <a:xfrm>
-          <a:off x="7326959" y="2599494"/>
+          <a:off x="7200206" y="2599494"/>
           <a:ext cx="1787567" cy="914529"/>
         </a:xfrm>
         <a:prstGeom prst="arc">
@@ -10571,7 +11331,7 @@
       </dsp:nvSpPr>
       <dsp:spPr>
         <a:xfrm>
-          <a:off x="6433176" y="2764109"/>
+          <a:off x="6306422" y="2764109"/>
           <a:ext cx="3575135" cy="585299"/>
         </a:xfrm>
         <a:prstGeom prst="rect">
@@ -10639,7 +11399,7 @@
         </a:p>
       </dsp:txBody>
       <dsp:txXfrm>
-        <a:off x="6433176" y="2764109"/>
+        <a:off x="6306422" y="2764109"/>
         <a:ext cx="3575135" cy="585299"/>
       </dsp:txXfrm>
     </dsp:sp>
@@ -10650,14 +11410,14 @@
       </dsp:nvSpPr>
       <dsp:spPr>
         <a:xfrm>
-          <a:off x="7326959" y="3898126"/>
+          <a:off x="7200206" y="3898126"/>
           <a:ext cx="1787567" cy="914529"/>
         </a:xfrm>
         <a:prstGeom prst="ellipse">
           <a:avLst/>
         </a:prstGeom>
         <a:blipFill rotWithShape="0">
-          <a:blip xmlns:r="http://schemas.openxmlformats.org/officeDocument/2006/relationships" r:embed="rId3"/>
+          <a:blip xmlns:r="http://schemas.openxmlformats.org/officeDocument/2006/relationships" r:embed="rId4"/>
           <a:stretch>
             <a:fillRect/>
           </a:stretch>
@@ -10694,7 +11454,7 @@
       </dsp:nvSpPr>
       <dsp:spPr>
         <a:xfrm>
-          <a:off x="7326959" y="3898126"/>
+          <a:off x="7200206" y="3898126"/>
           <a:ext cx="1787567" cy="914529"/>
         </a:xfrm>
         <a:prstGeom prst="arc">
@@ -10744,7 +11504,7 @@
       </dsp:nvSpPr>
       <dsp:spPr>
         <a:xfrm>
-          <a:off x="6433176" y="4062742"/>
+          <a:off x="6306422" y="4062742"/>
           <a:ext cx="3575135" cy="585299"/>
         </a:xfrm>
         <a:prstGeom prst="rect">
@@ -10812,7 +11572,7 @@
         </a:p>
       </dsp:txBody>
       <dsp:txXfrm>
-        <a:off x="6433176" y="4062742"/>
+        <a:off x="6306422" y="4062742"/>
         <a:ext cx="3575135" cy="585299"/>
       </dsp:txXfrm>
     </dsp:sp>
@@ -10828,6 +11588,1615 @@
       <dsp:cNvGrpSpPr/>
     </dsp:nvGrpSpPr>
     <dsp:grpSpPr/>
+    <dsp:sp modelId="{C2C0AA63-D61A-4C00-B023-ECB36E305BD7}">
+      <dsp:nvSpPr>
+        <dsp:cNvPr id="0" name=""/>
+        <dsp:cNvSpPr/>
+      </dsp:nvSpPr>
+      <dsp:spPr>
+        <a:xfrm>
+          <a:off x="7164826" y="2265396"/>
+          <a:ext cx="668703" cy="1889878"/>
+        </a:xfrm>
+        <a:custGeom>
+          <a:avLst/>
+          <a:gdLst/>
+          <a:ahLst/>
+          <a:cxnLst/>
+          <a:rect l="0" t="0" r="0" b="0"/>
+          <a:pathLst>
+            <a:path>
+              <a:moveTo>
+                <a:pt x="0" y="0"/>
+              </a:moveTo>
+              <a:lnTo>
+                <a:pt x="0" y="1889878"/>
+              </a:lnTo>
+              <a:lnTo>
+                <a:pt x="668703" y="1889878"/>
+              </a:lnTo>
+            </a:path>
+          </a:pathLst>
+        </a:custGeom>
+        <a:noFill/>
+        <a:ln w="12700" cap="flat" cmpd="sng" algn="ctr">
+          <a:solidFill>
+            <a:schemeClr val="accent1">
+              <a:shade val="80000"/>
+              <a:hueOff val="0"/>
+              <a:satOff val="0"/>
+              <a:lumOff val="0"/>
+              <a:alphaOff val="0"/>
+            </a:schemeClr>
+          </a:solidFill>
+          <a:prstDash val="solid"/>
+          <a:miter lim="800000"/>
+        </a:ln>
+        <a:effectLst/>
+        <a:scene3d>
+          <a:camera prst="orthographicFront"/>
+          <a:lightRig rig="chilly" dir="t"/>
+        </a:scene3d>
+        <a:sp3d z="-40000" prstMaterial="matte"/>
+      </dsp:spPr>
+      <dsp:style>
+        <a:lnRef idx="2">
+          <a:scrgbClr r="0" g="0" b="0"/>
+        </a:lnRef>
+        <a:fillRef idx="0">
+          <a:scrgbClr r="0" g="0" b="0"/>
+        </a:fillRef>
+        <a:effectRef idx="0">
+          <a:scrgbClr r="0" g="0" b="0"/>
+        </a:effectRef>
+        <a:fontRef idx="minor"/>
+      </dsp:style>
+    </dsp:sp>
+    <dsp:sp modelId="{963B7407-4A23-4647-A7C9-204FE1A8EA72}">
+      <dsp:nvSpPr>
+        <dsp:cNvPr id="0" name=""/>
+        <dsp:cNvSpPr/>
+      </dsp:nvSpPr>
+      <dsp:spPr>
+        <a:xfrm>
+          <a:off x="7164826" y="2265396"/>
+          <a:ext cx="668703" cy="561350"/>
+        </a:xfrm>
+        <a:custGeom>
+          <a:avLst/>
+          <a:gdLst/>
+          <a:ahLst/>
+          <a:cxnLst/>
+          <a:rect l="0" t="0" r="0" b="0"/>
+          <a:pathLst>
+            <a:path>
+              <a:moveTo>
+                <a:pt x="0" y="0"/>
+              </a:moveTo>
+              <a:lnTo>
+                <a:pt x="0" y="561350"/>
+              </a:lnTo>
+              <a:lnTo>
+                <a:pt x="668703" y="561350"/>
+              </a:lnTo>
+            </a:path>
+          </a:pathLst>
+        </a:custGeom>
+        <a:noFill/>
+        <a:ln w="12700" cap="flat" cmpd="sng" algn="ctr">
+          <a:solidFill>
+            <a:schemeClr val="accent1">
+              <a:shade val="80000"/>
+              <a:hueOff val="0"/>
+              <a:satOff val="0"/>
+              <a:lumOff val="0"/>
+              <a:alphaOff val="0"/>
+            </a:schemeClr>
+          </a:solidFill>
+          <a:prstDash val="solid"/>
+          <a:miter lim="800000"/>
+        </a:ln>
+        <a:effectLst/>
+        <a:scene3d>
+          <a:camera prst="orthographicFront"/>
+          <a:lightRig rig="chilly" dir="t"/>
+        </a:scene3d>
+        <a:sp3d z="-40000" prstMaterial="matte"/>
+      </dsp:spPr>
+      <dsp:style>
+        <a:lnRef idx="2">
+          <a:scrgbClr r="0" g="0" b="0"/>
+        </a:lnRef>
+        <a:fillRef idx="0">
+          <a:scrgbClr r="0" g="0" b="0"/>
+        </a:fillRef>
+        <a:effectRef idx="0">
+          <a:scrgbClr r="0" g="0" b="0"/>
+        </a:effectRef>
+        <a:fontRef idx="minor"/>
+      </dsp:style>
+    </dsp:sp>
+    <dsp:sp modelId="{278BE0F3-4C98-45F7-943B-57FB7C5889BF}">
+      <dsp:nvSpPr>
+        <dsp:cNvPr id="0" name=""/>
+        <dsp:cNvSpPr/>
+      </dsp:nvSpPr>
+      <dsp:spPr>
+        <a:xfrm>
+          <a:off x="5182296" y="936867"/>
+          <a:ext cx="1982529" cy="392945"/>
+        </a:xfrm>
+        <a:custGeom>
+          <a:avLst/>
+          <a:gdLst/>
+          <a:ahLst/>
+          <a:cxnLst/>
+          <a:rect l="0" t="0" r="0" b="0"/>
+          <a:pathLst>
+            <a:path>
+              <a:moveTo>
+                <a:pt x="0" y="0"/>
+              </a:moveTo>
+              <a:lnTo>
+                <a:pt x="0" y="196472"/>
+              </a:lnTo>
+              <a:lnTo>
+                <a:pt x="1982529" y="196472"/>
+              </a:lnTo>
+              <a:lnTo>
+                <a:pt x="1982529" y="392945"/>
+              </a:lnTo>
+            </a:path>
+          </a:pathLst>
+        </a:custGeom>
+        <a:noFill/>
+        <a:ln w="12700" cap="flat" cmpd="sng" algn="ctr">
+          <a:solidFill>
+            <a:schemeClr val="accent1">
+              <a:shade val="60000"/>
+              <a:hueOff val="0"/>
+              <a:satOff val="0"/>
+              <a:lumOff val="0"/>
+              <a:alphaOff val="0"/>
+            </a:schemeClr>
+          </a:solidFill>
+          <a:prstDash val="solid"/>
+          <a:miter lim="800000"/>
+        </a:ln>
+        <a:effectLst/>
+        <a:sp3d z="-40000" prstMaterial="matte"/>
+      </dsp:spPr>
+      <dsp:style>
+        <a:lnRef idx="2">
+          <a:scrgbClr r="0" g="0" b="0"/>
+        </a:lnRef>
+        <a:fillRef idx="0">
+          <a:scrgbClr r="0" g="0" b="0"/>
+        </a:fillRef>
+        <a:effectRef idx="0">
+          <a:scrgbClr r="0" g="0" b="0"/>
+        </a:effectRef>
+        <a:fontRef idx="minor"/>
+      </dsp:style>
+    </dsp:sp>
+    <dsp:sp modelId="{FD49FE22-F9DB-474C-B152-F03A9A9C8263}">
+      <dsp:nvSpPr>
+        <dsp:cNvPr id="0" name=""/>
+        <dsp:cNvSpPr/>
+      </dsp:nvSpPr>
+      <dsp:spPr>
+        <a:xfrm>
+          <a:off x="2082137" y="2265396"/>
+          <a:ext cx="655058" cy="1889878"/>
+        </a:xfrm>
+        <a:custGeom>
+          <a:avLst/>
+          <a:gdLst/>
+          <a:ahLst/>
+          <a:cxnLst/>
+          <a:rect l="0" t="0" r="0" b="0"/>
+          <a:pathLst>
+            <a:path>
+              <a:moveTo>
+                <a:pt x="0" y="0"/>
+              </a:moveTo>
+              <a:lnTo>
+                <a:pt x="0" y="1889878"/>
+              </a:lnTo>
+              <a:lnTo>
+                <a:pt x="655058" y="1889878"/>
+              </a:lnTo>
+            </a:path>
+          </a:pathLst>
+        </a:custGeom>
+        <a:noFill/>
+        <a:ln w="12700" cap="flat" cmpd="sng" algn="ctr">
+          <a:solidFill>
+            <a:schemeClr val="accent1">
+              <a:shade val="80000"/>
+              <a:hueOff val="0"/>
+              <a:satOff val="0"/>
+              <a:lumOff val="0"/>
+              <a:alphaOff val="0"/>
+            </a:schemeClr>
+          </a:solidFill>
+          <a:prstDash val="solid"/>
+          <a:miter lim="800000"/>
+        </a:ln>
+        <a:effectLst/>
+        <a:scene3d>
+          <a:camera prst="orthographicFront"/>
+          <a:lightRig rig="chilly" dir="t"/>
+        </a:scene3d>
+        <a:sp3d z="-40000" prstMaterial="matte"/>
+      </dsp:spPr>
+      <dsp:style>
+        <a:lnRef idx="2">
+          <a:scrgbClr r="0" g="0" b="0"/>
+        </a:lnRef>
+        <a:fillRef idx="0">
+          <a:scrgbClr r="0" g="0" b="0"/>
+        </a:fillRef>
+        <a:effectRef idx="0">
+          <a:scrgbClr r="0" g="0" b="0"/>
+        </a:effectRef>
+        <a:fontRef idx="minor"/>
+      </dsp:style>
+    </dsp:sp>
+    <dsp:sp modelId="{F254A30C-26B6-41B7-AA3A-AF1F3C9FD5B1}">
+      <dsp:nvSpPr>
+        <dsp:cNvPr id="0" name=""/>
+        <dsp:cNvSpPr/>
+      </dsp:nvSpPr>
+      <dsp:spPr>
+        <a:xfrm>
+          <a:off x="2082137" y="2265396"/>
+          <a:ext cx="655058" cy="561350"/>
+        </a:xfrm>
+        <a:custGeom>
+          <a:avLst/>
+          <a:gdLst/>
+          <a:ahLst/>
+          <a:cxnLst/>
+          <a:rect l="0" t="0" r="0" b="0"/>
+          <a:pathLst>
+            <a:path>
+              <a:moveTo>
+                <a:pt x="0" y="0"/>
+              </a:moveTo>
+              <a:lnTo>
+                <a:pt x="0" y="561350"/>
+              </a:lnTo>
+              <a:lnTo>
+                <a:pt x="655058" y="561350"/>
+              </a:lnTo>
+            </a:path>
+          </a:pathLst>
+        </a:custGeom>
+        <a:noFill/>
+        <a:ln w="12700" cap="flat" cmpd="sng" algn="ctr">
+          <a:solidFill>
+            <a:schemeClr val="accent1">
+              <a:shade val="80000"/>
+              <a:hueOff val="0"/>
+              <a:satOff val="0"/>
+              <a:lumOff val="0"/>
+              <a:alphaOff val="0"/>
+            </a:schemeClr>
+          </a:solidFill>
+          <a:prstDash val="solid"/>
+          <a:miter lim="800000"/>
+        </a:ln>
+        <a:effectLst/>
+        <a:scene3d>
+          <a:camera prst="orthographicFront"/>
+          <a:lightRig rig="chilly" dir="t"/>
+        </a:scene3d>
+        <a:sp3d z="-40000" prstMaterial="matte"/>
+      </dsp:spPr>
+      <dsp:style>
+        <a:lnRef idx="2">
+          <a:scrgbClr r="0" g="0" b="0"/>
+        </a:lnRef>
+        <a:fillRef idx="0">
+          <a:scrgbClr r="0" g="0" b="0"/>
+        </a:fillRef>
+        <a:effectRef idx="0">
+          <a:scrgbClr r="0" g="0" b="0"/>
+        </a:effectRef>
+        <a:fontRef idx="minor"/>
+      </dsp:style>
+    </dsp:sp>
+    <dsp:sp modelId="{9BF9BEAE-6C16-4842-96B7-7423E1775C68}">
+      <dsp:nvSpPr>
+        <dsp:cNvPr id="0" name=""/>
+        <dsp:cNvSpPr/>
+      </dsp:nvSpPr>
+      <dsp:spPr>
+        <a:xfrm>
+          <a:off x="2082137" y="936867"/>
+          <a:ext cx="3100159" cy="392945"/>
+        </a:xfrm>
+        <a:custGeom>
+          <a:avLst/>
+          <a:gdLst/>
+          <a:ahLst/>
+          <a:cxnLst/>
+          <a:rect l="0" t="0" r="0" b="0"/>
+          <a:pathLst>
+            <a:path>
+              <a:moveTo>
+                <a:pt x="3100159" y="0"/>
+              </a:moveTo>
+              <a:lnTo>
+                <a:pt x="3100159" y="196472"/>
+              </a:lnTo>
+              <a:lnTo>
+                <a:pt x="0" y="196472"/>
+              </a:lnTo>
+              <a:lnTo>
+                <a:pt x="0" y="392945"/>
+              </a:lnTo>
+            </a:path>
+          </a:pathLst>
+        </a:custGeom>
+        <a:noFill/>
+        <a:ln w="12700" cap="flat" cmpd="sng" algn="ctr">
+          <a:solidFill>
+            <a:schemeClr val="accent1">
+              <a:shade val="60000"/>
+              <a:hueOff val="0"/>
+              <a:satOff val="0"/>
+              <a:lumOff val="0"/>
+              <a:alphaOff val="0"/>
+            </a:schemeClr>
+          </a:solidFill>
+          <a:prstDash val="solid"/>
+          <a:miter lim="800000"/>
+        </a:ln>
+        <a:effectLst/>
+        <a:sp3d z="-40000" prstMaterial="matte"/>
+      </dsp:spPr>
+      <dsp:style>
+        <a:lnRef idx="2">
+          <a:scrgbClr r="0" g="0" b="0"/>
+        </a:lnRef>
+        <a:fillRef idx="0">
+          <a:scrgbClr r="0" g="0" b="0"/>
+        </a:fillRef>
+        <a:effectRef idx="0">
+          <a:scrgbClr r="0" g="0" b="0"/>
+        </a:effectRef>
+        <a:fontRef idx="minor"/>
+      </dsp:style>
+    </dsp:sp>
+    <dsp:sp modelId="{BF3B9F51-8117-4AE2-9FCD-071E298A970D}">
+      <dsp:nvSpPr>
+        <dsp:cNvPr id="0" name=""/>
+        <dsp:cNvSpPr/>
+      </dsp:nvSpPr>
+      <dsp:spPr>
+        <a:xfrm>
+          <a:off x="4216063" y="1283"/>
+          <a:ext cx="1932466" cy="935583"/>
+        </a:xfrm>
+        <a:prstGeom prst="arc">
+          <a:avLst>
+            <a:gd name="adj1" fmla="val 13200000"/>
+            <a:gd name="adj2" fmla="val 19200000"/>
+          </a:avLst>
+        </a:prstGeom>
+        <a:noFill/>
+        <a:ln w="12700" cap="flat" cmpd="sng" algn="ctr">
+          <a:solidFill>
+            <a:schemeClr val="accent1">
+              <a:shade val="60000"/>
+              <a:hueOff val="0"/>
+              <a:satOff val="0"/>
+              <a:lumOff val="0"/>
+              <a:alphaOff val="0"/>
+            </a:schemeClr>
+          </a:solidFill>
+          <a:prstDash val="solid"/>
+          <a:miter lim="800000"/>
+        </a:ln>
+        <a:effectLst/>
+        <a:scene3d>
+          <a:camera prst="orthographicFront"/>
+          <a:lightRig rig="chilly" dir="t"/>
+        </a:scene3d>
+        <a:sp3d z="-40000" prstMaterial="matte"/>
+      </dsp:spPr>
+      <dsp:style>
+        <a:lnRef idx="2">
+          <a:scrgbClr r="0" g="0" b="0"/>
+        </a:lnRef>
+        <a:fillRef idx="0">
+          <a:scrgbClr r="0" g="0" b="0"/>
+        </a:fillRef>
+        <a:effectRef idx="0">
+          <a:scrgbClr r="0" g="0" b="0"/>
+        </a:effectRef>
+        <a:fontRef idx="minor"/>
+      </dsp:style>
+    </dsp:sp>
+    <dsp:sp modelId="{D446C46B-5DD1-4D3F-886A-704B7640FB96}">
+      <dsp:nvSpPr>
+        <dsp:cNvPr id="0" name=""/>
+        <dsp:cNvSpPr/>
+      </dsp:nvSpPr>
+      <dsp:spPr>
+        <a:xfrm>
+          <a:off x="4216063" y="1283"/>
+          <a:ext cx="1932466" cy="935583"/>
+        </a:xfrm>
+        <a:prstGeom prst="ellipse">
+          <a:avLst/>
+        </a:prstGeom>
+        <a:blipFill rotWithShape="0">
+          <a:blip xmlns:r="http://schemas.openxmlformats.org/officeDocument/2006/relationships" r:embed="rId1"/>
+          <a:stretch>
+            <a:fillRect/>
+          </a:stretch>
+        </a:blipFill>
+        <a:ln w="12700" cap="flat" cmpd="sng" algn="ctr">
+          <a:noFill/>
+          <a:prstDash val="solid"/>
+          <a:miter lim="800000"/>
+        </a:ln>
+        <a:effectLst/>
+        <a:scene3d>
+          <a:camera prst="orthographicFront"/>
+          <a:lightRig rig="chilly" dir="t"/>
+        </a:scene3d>
+        <a:sp3d z="-40000" prstMaterial="matte"/>
+      </dsp:spPr>
+      <dsp:style>
+        <a:lnRef idx="2">
+          <a:scrgbClr r="0" g="0" b="0"/>
+        </a:lnRef>
+        <a:fillRef idx="0">
+          <a:scrgbClr r="0" g="0" b="0"/>
+        </a:fillRef>
+        <a:effectRef idx="0">
+          <a:scrgbClr r="0" g="0" b="0"/>
+        </a:effectRef>
+        <a:fontRef idx="minor"/>
+      </dsp:style>
+    </dsp:sp>
+    <dsp:sp modelId="{662A5333-9609-4839-8143-24EC32A1F994}">
+      <dsp:nvSpPr>
+        <dsp:cNvPr id="0" name=""/>
+        <dsp:cNvSpPr/>
+      </dsp:nvSpPr>
+      <dsp:spPr>
+        <a:xfrm>
+          <a:off x="3249829" y="169689"/>
+          <a:ext cx="3864933" cy="598773"/>
+        </a:xfrm>
+        <a:prstGeom prst="rect">
+          <a:avLst/>
+        </a:prstGeom>
+        <a:noFill/>
+        <a:ln w="6350" cap="flat" cmpd="sng" algn="ctr">
+          <a:noFill/>
+          <a:prstDash val="solid"/>
+          <a:miter lim="800000"/>
+        </a:ln>
+        <a:effectLst/>
+        <a:scene3d>
+          <a:camera prst="orthographicFront"/>
+          <a:lightRig rig="chilly" dir="t"/>
+        </a:scene3d>
+        <a:sp3d/>
+      </dsp:spPr>
+      <dsp:style>
+        <a:lnRef idx="1">
+          <a:scrgbClr r="0" g="0" b="0"/>
+        </a:lnRef>
+        <a:fillRef idx="1">
+          <a:scrgbClr r="0" g="0" b="0"/>
+        </a:fillRef>
+        <a:effectRef idx="0">
+          <a:scrgbClr r="0" g="0" b="0"/>
+        </a:effectRef>
+        <a:fontRef idx="minor"/>
+      </dsp:style>
+      <dsp:txBody>
+        <a:bodyPr spcFirstLastPara="0" vert="horz" wrap="square" lIns="8890" tIns="8890" rIns="8890" bIns="8890" numCol="1" spcCol="1270" anchor="ctr" anchorCtr="0">
+          <a:noAutofit/>
+        </a:bodyPr>
+        <a:lstStyle/>
+        <a:p>
+          <a:pPr lvl="0" algn="ctr" defTabSz="622300">
+            <a:lnSpc>
+              <a:spcPct val="90000"/>
+            </a:lnSpc>
+            <a:spcBef>
+              <a:spcPct val="0"/>
+            </a:spcBef>
+            <a:spcAft>
+              <a:spcPct val="35000"/>
+            </a:spcAft>
+          </a:pPr>
+          <a:r>
+            <a:rPr lang="es-MX" sz="1400" kern="1200" smtClean="0">
+              <a:solidFill>
+                <a:schemeClr val="bg1"/>
+              </a:solidFill>
+              <a:latin typeface="Verdana" panose="020B0604030504040204" pitchFamily="34" charset="0"/>
+              <a:ea typeface="Verdana" panose="020B0604030504040204" pitchFamily="34" charset="0"/>
+            </a:rPr>
+            <a:t>Niveles de Medición</a:t>
+          </a:r>
+          <a:endParaRPr lang="es-MX" sz="1400" kern="1200">
+            <a:solidFill>
+              <a:schemeClr val="bg1"/>
+            </a:solidFill>
+            <a:latin typeface="Verdana" panose="020B0604030504040204" pitchFamily="34" charset="0"/>
+            <a:ea typeface="Verdana" panose="020B0604030504040204" pitchFamily="34" charset="0"/>
+          </a:endParaRPr>
+        </a:p>
+      </dsp:txBody>
+      <dsp:txXfrm>
+        <a:off x="3249829" y="169689"/>
+        <a:ext cx="3864933" cy="598773"/>
+      </dsp:txXfrm>
+    </dsp:sp>
+    <dsp:sp modelId="{3C89EF08-53F0-4132-B4D2-2E5A7C28A346}">
+      <dsp:nvSpPr>
+        <dsp:cNvPr id="0" name=""/>
+        <dsp:cNvSpPr/>
+      </dsp:nvSpPr>
+      <dsp:spPr>
+        <a:xfrm>
+          <a:off x="1167777" y="1329812"/>
+          <a:ext cx="1828719" cy="935583"/>
+        </a:xfrm>
+        <a:prstGeom prst="arc">
+          <a:avLst>
+            <a:gd name="adj1" fmla="val 13200000"/>
+            <a:gd name="adj2" fmla="val 19200000"/>
+          </a:avLst>
+        </a:prstGeom>
+        <a:noFill/>
+        <a:ln w="12700" cap="flat" cmpd="sng" algn="ctr">
+          <a:solidFill>
+            <a:schemeClr val="accent1">
+              <a:shade val="60000"/>
+              <a:hueOff val="0"/>
+              <a:satOff val="0"/>
+              <a:lumOff val="0"/>
+              <a:alphaOff val="0"/>
+            </a:schemeClr>
+          </a:solidFill>
+          <a:prstDash val="solid"/>
+          <a:miter lim="800000"/>
+        </a:ln>
+        <a:effectLst/>
+        <a:scene3d>
+          <a:camera prst="orthographicFront"/>
+          <a:lightRig rig="chilly" dir="t"/>
+        </a:scene3d>
+        <a:sp3d z="-40000" prstMaterial="matte"/>
+      </dsp:spPr>
+      <dsp:style>
+        <a:lnRef idx="2">
+          <a:scrgbClr r="0" g="0" b="0"/>
+        </a:lnRef>
+        <a:fillRef idx="0">
+          <a:scrgbClr r="0" g="0" b="0"/>
+        </a:fillRef>
+        <a:effectRef idx="0">
+          <a:scrgbClr r="0" g="0" b="0"/>
+        </a:effectRef>
+        <a:fontRef idx="minor"/>
+      </dsp:style>
+    </dsp:sp>
+    <dsp:sp modelId="{026FB1E5-18B0-4433-8803-255211FE493F}">
+      <dsp:nvSpPr>
+        <dsp:cNvPr id="0" name=""/>
+        <dsp:cNvSpPr/>
+      </dsp:nvSpPr>
+      <dsp:spPr>
+        <a:xfrm>
+          <a:off x="1167777" y="1329812"/>
+          <a:ext cx="1828719" cy="935583"/>
+        </a:xfrm>
+        <a:prstGeom prst="ellipse">
+          <a:avLst/>
+        </a:prstGeom>
+        <a:blipFill rotWithShape="0">
+          <a:blip xmlns:r="http://schemas.openxmlformats.org/officeDocument/2006/relationships" r:embed="rId2"/>
+          <a:stretch>
+            <a:fillRect/>
+          </a:stretch>
+        </a:blipFill>
+        <a:ln w="12700" cap="flat" cmpd="sng" algn="ctr">
+          <a:noFill/>
+          <a:prstDash val="solid"/>
+          <a:miter lim="800000"/>
+        </a:ln>
+        <a:effectLst/>
+        <a:scene3d>
+          <a:camera prst="orthographicFront"/>
+          <a:lightRig rig="chilly" dir="t"/>
+        </a:scene3d>
+        <a:sp3d z="-40000" prstMaterial="matte"/>
+      </dsp:spPr>
+      <dsp:style>
+        <a:lnRef idx="2">
+          <a:scrgbClr r="0" g="0" b="0"/>
+        </a:lnRef>
+        <a:fillRef idx="0">
+          <a:scrgbClr r="0" g="0" b="0"/>
+        </a:fillRef>
+        <a:effectRef idx="0">
+          <a:scrgbClr r="0" g="0" b="0"/>
+        </a:effectRef>
+        <a:fontRef idx="minor"/>
+      </dsp:style>
+    </dsp:sp>
+    <dsp:sp modelId="{94DC607C-0DED-4505-A5F4-3BACD417CD14}">
+      <dsp:nvSpPr>
+        <dsp:cNvPr id="0" name=""/>
+        <dsp:cNvSpPr/>
+      </dsp:nvSpPr>
+      <dsp:spPr>
+        <a:xfrm>
+          <a:off x="253417" y="1498217"/>
+          <a:ext cx="3657439" cy="598773"/>
+        </a:xfrm>
+        <a:prstGeom prst="rect">
+          <a:avLst/>
+        </a:prstGeom>
+        <a:noFill/>
+        <a:ln w="6350" cap="flat" cmpd="sng" algn="ctr">
+          <a:noFill/>
+          <a:prstDash val="solid"/>
+          <a:miter lim="800000"/>
+        </a:ln>
+        <a:effectLst/>
+        <a:scene3d>
+          <a:camera prst="orthographicFront"/>
+          <a:lightRig rig="chilly" dir="t"/>
+        </a:scene3d>
+        <a:sp3d/>
+      </dsp:spPr>
+      <dsp:style>
+        <a:lnRef idx="1">
+          <a:scrgbClr r="0" g="0" b="0"/>
+        </a:lnRef>
+        <a:fillRef idx="1">
+          <a:scrgbClr r="0" g="0" b="0"/>
+        </a:fillRef>
+        <a:effectRef idx="0">
+          <a:scrgbClr r="0" g="0" b="0"/>
+        </a:effectRef>
+        <a:fontRef idx="minor"/>
+      </dsp:style>
+      <dsp:txBody>
+        <a:bodyPr spcFirstLastPara="0" vert="horz" wrap="square" lIns="8890" tIns="8890" rIns="8890" bIns="8890" numCol="1" spcCol="1270" anchor="ctr" anchorCtr="0">
+          <a:noAutofit/>
+        </a:bodyPr>
+        <a:lstStyle/>
+        <a:p>
+          <a:pPr lvl="0" algn="ctr" defTabSz="622300">
+            <a:lnSpc>
+              <a:spcPct val="90000"/>
+            </a:lnSpc>
+            <a:spcBef>
+              <a:spcPct val="0"/>
+            </a:spcBef>
+            <a:spcAft>
+              <a:spcPct val="35000"/>
+            </a:spcAft>
+          </a:pPr>
+          <a:r>
+            <a:rPr lang="es-MX" sz="1400" kern="1200" smtClean="0">
+              <a:solidFill>
+                <a:schemeClr val="bg1"/>
+              </a:solidFill>
+              <a:latin typeface="Verdana" panose="020B0604030504040204" pitchFamily="34" charset="0"/>
+              <a:ea typeface="Verdana" panose="020B0604030504040204" pitchFamily="34" charset="0"/>
+            </a:rPr>
+            <a:t>Cualitativos</a:t>
+          </a:r>
+          <a:endParaRPr lang="es-MX" sz="1400" kern="1200">
+            <a:solidFill>
+              <a:schemeClr val="bg1"/>
+            </a:solidFill>
+            <a:latin typeface="Verdana" panose="020B0604030504040204" pitchFamily="34" charset="0"/>
+            <a:ea typeface="Verdana" panose="020B0604030504040204" pitchFamily="34" charset="0"/>
+          </a:endParaRPr>
+        </a:p>
+      </dsp:txBody>
+      <dsp:txXfrm>
+        <a:off x="253417" y="1498217"/>
+        <a:ext cx="3657439" cy="598773"/>
+      </dsp:txXfrm>
+    </dsp:sp>
+    <dsp:sp modelId="{4F9477A4-E417-422C-9504-679D8A5AA066}">
+      <dsp:nvSpPr>
+        <dsp:cNvPr id="0" name=""/>
+        <dsp:cNvSpPr/>
+      </dsp:nvSpPr>
+      <dsp:spPr>
+        <a:xfrm>
+          <a:off x="2525097" y="2658341"/>
+          <a:ext cx="1767485" cy="935583"/>
+        </a:xfrm>
+        <a:prstGeom prst="arc">
+          <a:avLst>
+            <a:gd name="adj1" fmla="val 13200000"/>
+            <a:gd name="adj2" fmla="val 19200000"/>
+          </a:avLst>
+        </a:prstGeom>
+        <a:noFill/>
+        <a:ln w="12700" cap="flat" cmpd="sng" algn="ctr">
+          <a:solidFill>
+            <a:schemeClr val="accent1">
+              <a:shade val="60000"/>
+              <a:hueOff val="0"/>
+              <a:satOff val="0"/>
+              <a:lumOff val="0"/>
+              <a:alphaOff val="0"/>
+            </a:schemeClr>
+          </a:solidFill>
+          <a:prstDash val="solid"/>
+          <a:miter lim="800000"/>
+        </a:ln>
+        <a:effectLst/>
+        <a:scene3d>
+          <a:camera prst="orthographicFront"/>
+          <a:lightRig rig="chilly" dir="t"/>
+        </a:scene3d>
+        <a:sp3d z="-40000" prstMaterial="matte"/>
+      </dsp:spPr>
+      <dsp:style>
+        <a:lnRef idx="2">
+          <a:scrgbClr r="0" g="0" b="0"/>
+        </a:lnRef>
+        <a:fillRef idx="0">
+          <a:scrgbClr r="0" g="0" b="0"/>
+        </a:fillRef>
+        <a:effectRef idx="0">
+          <a:scrgbClr r="0" g="0" b="0"/>
+        </a:effectRef>
+        <a:fontRef idx="minor"/>
+      </dsp:style>
+    </dsp:sp>
+    <dsp:sp modelId="{1098C3C2-6A94-48EB-98D5-5968F0630F9C}">
+      <dsp:nvSpPr>
+        <dsp:cNvPr id="0" name=""/>
+        <dsp:cNvSpPr/>
+      </dsp:nvSpPr>
+      <dsp:spPr>
+        <a:xfrm>
+          <a:off x="2525097" y="2658341"/>
+          <a:ext cx="1767485" cy="935583"/>
+        </a:xfrm>
+        <a:prstGeom prst="ellipse">
+          <a:avLst/>
+        </a:prstGeom>
+        <a:blipFill rotWithShape="0">
+          <a:blip xmlns:r="http://schemas.openxmlformats.org/officeDocument/2006/relationships" r:embed="rId3"/>
+          <a:stretch>
+            <a:fillRect/>
+          </a:stretch>
+        </a:blipFill>
+        <a:ln w="12700" cap="flat" cmpd="sng" algn="ctr">
+          <a:solidFill>
+            <a:schemeClr val="accent1">
+              <a:shade val="60000"/>
+              <a:hueOff val="0"/>
+              <a:satOff val="0"/>
+              <a:lumOff val="0"/>
+              <a:alphaOff val="0"/>
+            </a:schemeClr>
+          </a:solidFill>
+          <a:prstDash val="solid"/>
+          <a:miter lim="800000"/>
+        </a:ln>
+        <a:effectLst/>
+        <a:scene3d>
+          <a:camera prst="orthographicFront"/>
+          <a:lightRig rig="chilly" dir="t"/>
+        </a:scene3d>
+        <a:sp3d z="-40000" prstMaterial="matte"/>
+      </dsp:spPr>
+      <dsp:style>
+        <a:lnRef idx="2">
+          <a:scrgbClr r="0" g="0" b="0"/>
+        </a:lnRef>
+        <a:fillRef idx="0">
+          <a:scrgbClr r="0" g="0" b="0"/>
+        </a:fillRef>
+        <a:effectRef idx="0">
+          <a:scrgbClr r="0" g="0" b="0"/>
+        </a:effectRef>
+        <a:fontRef idx="minor"/>
+      </dsp:style>
+    </dsp:sp>
+    <dsp:sp modelId="{566C6202-458B-4B6D-BA84-D49634B23FB1}">
+      <dsp:nvSpPr>
+        <dsp:cNvPr id="0" name=""/>
+        <dsp:cNvSpPr/>
+      </dsp:nvSpPr>
+      <dsp:spPr>
+        <a:xfrm>
+          <a:off x="1641354" y="2826746"/>
+          <a:ext cx="3534971" cy="598773"/>
+        </a:xfrm>
+        <a:prstGeom prst="rect">
+          <a:avLst/>
+        </a:prstGeom>
+        <a:noFill/>
+        <a:ln w="6350" cap="flat" cmpd="sng" algn="ctr">
+          <a:noFill/>
+          <a:prstDash val="solid"/>
+          <a:miter lim="800000"/>
+        </a:ln>
+        <a:effectLst/>
+        <a:scene3d>
+          <a:camera prst="orthographicFront"/>
+          <a:lightRig rig="chilly" dir="t"/>
+        </a:scene3d>
+        <a:sp3d/>
+      </dsp:spPr>
+      <dsp:style>
+        <a:lnRef idx="1">
+          <a:scrgbClr r="0" g="0" b="0"/>
+        </a:lnRef>
+        <a:fillRef idx="1">
+          <a:scrgbClr r="0" g="0" b="0"/>
+        </a:fillRef>
+        <a:effectRef idx="0">
+          <a:scrgbClr r="0" g="0" b="0"/>
+        </a:effectRef>
+        <a:fontRef idx="minor"/>
+      </dsp:style>
+      <dsp:txBody>
+        <a:bodyPr spcFirstLastPara="0" vert="horz" wrap="square" lIns="8890" tIns="8890" rIns="8890" bIns="8890" numCol="1" spcCol="1270" anchor="ctr" anchorCtr="0">
+          <a:noAutofit/>
+        </a:bodyPr>
+        <a:lstStyle/>
+        <a:p>
+          <a:pPr lvl="0" algn="ctr" defTabSz="622300">
+            <a:lnSpc>
+              <a:spcPct val="90000"/>
+            </a:lnSpc>
+            <a:spcBef>
+              <a:spcPct val="0"/>
+            </a:spcBef>
+            <a:spcAft>
+              <a:spcPct val="35000"/>
+            </a:spcAft>
+          </a:pPr>
+          <a:r>
+            <a:rPr lang="es-MX" sz="1400" kern="1200" smtClean="0">
+              <a:solidFill>
+                <a:schemeClr val="bg1"/>
+              </a:solidFill>
+              <a:latin typeface="Verdana" panose="020B0604030504040204" pitchFamily="34" charset="0"/>
+              <a:ea typeface="Verdana" panose="020B0604030504040204" pitchFamily="34" charset="0"/>
+            </a:rPr>
+            <a:t>Nominal</a:t>
+          </a:r>
+          <a:endParaRPr lang="es-MX" sz="1400" kern="1200">
+            <a:solidFill>
+              <a:schemeClr val="bg1"/>
+            </a:solidFill>
+            <a:latin typeface="Verdana" panose="020B0604030504040204" pitchFamily="34" charset="0"/>
+            <a:ea typeface="Verdana" panose="020B0604030504040204" pitchFamily="34" charset="0"/>
+          </a:endParaRPr>
+        </a:p>
+      </dsp:txBody>
+      <dsp:txXfrm>
+        <a:off x="1641354" y="2826746"/>
+        <a:ext cx="3534971" cy="598773"/>
+      </dsp:txXfrm>
+    </dsp:sp>
+    <dsp:sp modelId="{6CF752C2-8447-4A4B-B910-A9957C283559}">
+      <dsp:nvSpPr>
+        <dsp:cNvPr id="0" name=""/>
+        <dsp:cNvSpPr/>
+      </dsp:nvSpPr>
+      <dsp:spPr>
+        <a:xfrm>
+          <a:off x="2525097" y="3986870"/>
+          <a:ext cx="1767485" cy="935583"/>
+        </a:xfrm>
+        <a:prstGeom prst="ellipse">
+          <a:avLst/>
+        </a:prstGeom>
+        <a:blipFill rotWithShape="0">
+          <a:blip xmlns:r="http://schemas.openxmlformats.org/officeDocument/2006/relationships" r:embed="rId3"/>
+          <a:stretch>
+            <a:fillRect/>
+          </a:stretch>
+        </a:blipFill>
+        <a:ln w="12700" cap="flat" cmpd="sng" algn="ctr">
+          <a:solidFill>
+            <a:schemeClr val="accent1">
+              <a:shade val="60000"/>
+              <a:hueOff val="0"/>
+              <a:satOff val="0"/>
+              <a:lumOff val="0"/>
+              <a:alphaOff val="0"/>
+            </a:schemeClr>
+          </a:solidFill>
+          <a:prstDash val="solid"/>
+          <a:miter lim="800000"/>
+        </a:ln>
+        <a:effectLst/>
+        <a:scene3d>
+          <a:camera prst="orthographicFront"/>
+          <a:lightRig rig="chilly" dir="t"/>
+        </a:scene3d>
+        <a:sp3d z="-40000" prstMaterial="matte"/>
+      </dsp:spPr>
+      <dsp:style>
+        <a:lnRef idx="2">
+          <a:scrgbClr r="0" g="0" b="0"/>
+        </a:lnRef>
+        <a:fillRef idx="0">
+          <a:scrgbClr r="0" g="0" b="0"/>
+        </a:fillRef>
+        <a:effectRef idx="0">
+          <a:scrgbClr r="0" g="0" b="0"/>
+        </a:effectRef>
+        <a:fontRef idx="minor"/>
+      </dsp:style>
+    </dsp:sp>
+    <dsp:sp modelId="{E54D231A-1F52-43E9-8787-C905A4B02872}">
+      <dsp:nvSpPr>
+        <dsp:cNvPr id="0" name=""/>
+        <dsp:cNvSpPr/>
+      </dsp:nvSpPr>
+      <dsp:spPr>
+        <a:xfrm>
+          <a:off x="2525097" y="3986870"/>
+          <a:ext cx="1767485" cy="935583"/>
+        </a:xfrm>
+        <a:prstGeom prst="arc">
+          <a:avLst>
+            <a:gd name="adj1" fmla="val 2400000"/>
+            <a:gd name="adj2" fmla="val 8400000"/>
+          </a:avLst>
+        </a:prstGeom>
+        <a:noFill/>
+        <a:ln w="12700" cap="flat" cmpd="sng" algn="ctr">
+          <a:solidFill>
+            <a:schemeClr val="accent1">
+              <a:shade val="60000"/>
+              <a:hueOff val="0"/>
+              <a:satOff val="0"/>
+              <a:lumOff val="0"/>
+              <a:alphaOff val="0"/>
+            </a:schemeClr>
+          </a:solidFill>
+          <a:prstDash val="solid"/>
+          <a:miter lim="800000"/>
+        </a:ln>
+        <a:effectLst/>
+        <a:scene3d>
+          <a:camera prst="orthographicFront"/>
+          <a:lightRig rig="chilly" dir="t"/>
+        </a:scene3d>
+        <a:sp3d z="-40000" prstMaterial="matte"/>
+      </dsp:spPr>
+      <dsp:style>
+        <a:lnRef idx="2">
+          <a:scrgbClr r="0" g="0" b="0"/>
+        </a:lnRef>
+        <a:fillRef idx="0">
+          <a:scrgbClr r="0" g="0" b="0"/>
+        </a:fillRef>
+        <a:effectRef idx="0">
+          <a:scrgbClr r="0" g="0" b="0"/>
+        </a:effectRef>
+        <a:fontRef idx="minor"/>
+      </dsp:style>
+    </dsp:sp>
+    <dsp:sp modelId="{7B42FB12-024D-4E8E-AD86-B787198F4D09}">
+      <dsp:nvSpPr>
+        <dsp:cNvPr id="0" name=""/>
+        <dsp:cNvSpPr/>
+      </dsp:nvSpPr>
+      <dsp:spPr>
+        <a:xfrm>
+          <a:off x="1641354" y="4155275"/>
+          <a:ext cx="3534971" cy="598773"/>
+        </a:xfrm>
+        <a:prstGeom prst="rect">
+          <a:avLst/>
+        </a:prstGeom>
+        <a:noFill/>
+        <a:ln w="6350" cap="flat" cmpd="sng" algn="ctr">
+          <a:noFill/>
+          <a:prstDash val="solid"/>
+          <a:miter lim="800000"/>
+        </a:ln>
+        <a:effectLst/>
+        <a:scene3d>
+          <a:camera prst="orthographicFront"/>
+          <a:lightRig rig="chilly" dir="t"/>
+        </a:scene3d>
+        <a:sp3d/>
+      </dsp:spPr>
+      <dsp:style>
+        <a:lnRef idx="1">
+          <a:scrgbClr r="0" g="0" b="0"/>
+        </a:lnRef>
+        <a:fillRef idx="1">
+          <a:scrgbClr r="0" g="0" b="0"/>
+        </a:fillRef>
+        <a:effectRef idx="0">
+          <a:scrgbClr r="0" g="0" b="0"/>
+        </a:effectRef>
+        <a:fontRef idx="minor"/>
+      </dsp:style>
+      <dsp:txBody>
+        <a:bodyPr spcFirstLastPara="0" vert="horz" wrap="square" lIns="8890" tIns="8890" rIns="8890" bIns="8890" numCol="1" spcCol="1270" anchor="ctr" anchorCtr="0">
+          <a:noAutofit/>
+        </a:bodyPr>
+        <a:lstStyle/>
+        <a:p>
+          <a:pPr lvl="0" algn="ctr" defTabSz="622300">
+            <a:lnSpc>
+              <a:spcPct val="90000"/>
+            </a:lnSpc>
+            <a:spcBef>
+              <a:spcPct val="0"/>
+            </a:spcBef>
+            <a:spcAft>
+              <a:spcPct val="35000"/>
+            </a:spcAft>
+          </a:pPr>
+          <a:r>
+            <a:rPr lang="es-MX" sz="1400" kern="1200" smtClean="0">
+              <a:solidFill>
+                <a:schemeClr val="bg1"/>
+              </a:solidFill>
+              <a:latin typeface="Verdana" panose="020B0604030504040204" pitchFamily="34" charset="0"/>
+              <a:ea typeface="Verdana" panose="020B0604030504040204" pitchFamily="34" charset="0"/>
+            </a:rPr>
+            <a:t>Ordinal</a:t>
+          </a:r>
+          <a:endParaRPr lang="es-MX" sz="1400" kern="1200">
+            <a:solidFill>
+              <a:schemeClr val="bg1"/>
+            </a:solidFill>
+            <a:latin typeface="Verdana" panose="020B0604030504040204" pitchFamily="34" charset="0"/>
+            <a:ea typeface="Verdana" panose="020B0604030504040204" pitchFamily="34" charset="0"/>
+          </a:endParaRPr>
+        </a:p>
+      </dsp:txBody>
+      <dsp:txXfrm>
+        <a:off x="1641354" y="4155275"/>
+        <a:ext cx="3534971" cy="598773"/>
+      </dsp:txXfrm>
+    </dsp:sp>
+    <dsp:sp modelId="{9E2D48B7-E7E4-4949-A446-5FD1391FF12E}">
+      <dsp:nvSpPr>
+        <dsp:cNvPr id="0" name=""/>
+        <dsp:cNvSpPr/>
+      </dsp:nvSpPr>
+      <dsp:spPr>
+        <a:xfrm>
+          <a:off x="6250466" y="1329812"/>
+          <a:ext cx="1828719" cy="935583"/>
+        </a:xfrm>
+        <a:prstGeom prst="arc">
+          <a:avLst>
+            <a:gd name="adj1" fmla="val 13200000"/>
+            <a:gd name="adj2" fmla="val 19200000"/>
+          </a:avLst>
+        </a:prstGeom>
+        <a:noFill/>
+        <a:ln w="12700" cap="flat" cmpd="sng" algn="ctr">
+          <a:solidFill>
+            <a:schemeClr val="accent1">
+              <a:shade val="60000"/>
+              <a:hueOff val="0"/>
+              <a:satOff val="0"/>
+              <a:lumOff val="0"/>
+              <a:alphaOff val="0"/>
+            </a:schemeClr>
+          </a:solidFill>
+          <a:prstDash val="solid"/>
+          <a:miter lim="800000"/>
+        </a:ln>
+        <a:effectLst/>
+        <a:scene3d>
+          <a:camera prst="orthographicFront"/>
+          <a:lightRig rig="chilly" dir="t"/>
+        </a:scene3d>
+        <a:sp3d z="-40000" prstMaterial="matte"/>
+      </dsp:spPr>
+      <dsp:style>
+        <a:lnRef idx="2">
+          <a:scrgbClr r="0" g="0" b="0"/>
+        </a:lnRef>
+        <a:fillRef idx="0">
+          <a:scrgbClr r="0" g="0" b="0"/>
+        </a:fillRef>
+        <a:effectRef idx="0">
+          <a:scrgbClr r="0" g="0" b="0"/>
+        </a:effectRef>
+        <a:fontRef idx="minor"/>
+      </dsp:style>
+    </dsp:sp>
+    <dsp:sp modelId="{36CFDF6B-9689-47CA-A7F0-1FF96CD7418D}">
+      <dsp:nvSpPr>
+        <dsp:cNvPr id="0" name=""/>
+        <dsp:cNvSpPr/>
+      </dsp:nvSpPr>
+      <dsp:spPr>
+        <a:xfrm>
+          <a:off x="6250466" y="1329812"/>
+          <a:ext cx="1828719" cy="935583"/>
+        </a:xfrm>
+        <a:prstGeom prst="ellipse">
+          <a:avLst/>
+        </a:prstGeom>
+        <a:blipFill rotWithShape="0">
+          <a:blip xmlns:r="http://schemas.openxmlformats.org/officeDocument/2006/relationships" r:embed="rId2"/>
+          <a:stretch>
+            <a:fillRect/>
+          </a:stretch>
+        </a:blipFill>
+        <a:ln w="12700" cap="flat" cmpd="sng" algn="ctr">
+          <a:noFill/>
+          <a:prstDash val="solid"/>
+          <a:miter lim="800000"/>
+        </a:ln>
+        <a:effectLst/>
+        <a:scene3d>
+          <a:camera prst="orthographicFront"/>
+          <a:lightRig rig="chilly" dir="t"/>
+        </a:scene3d>
+        <a:sp3d z="-40000" prstMaterial="matte"/>
+      </dsp:spPr>
+      <dsp:style>
+        <a:lnRef idx="2">
+          <a:scrgbClr r="0" g="0" b="0"/>
+        </a:lnRef>
+        <a:fillRef idx="0">
+          <a:scrgbClr r="0" g="0" b="0"/>
+        </a:fillRef>
+        <a:effectRef idx="0">
+          <a:scrgbClr r="0" g="0" b="0"/>
+        </a:effectRef>
+        <a:fontRef idx="minor"/>
+      </dsp:style>
+    </dsp:sp>
+    <dsp:sp modelId="{DAAA7DA0-4EE9-40B5-8E8D-01E0CC6A143B}">
+      <dsp:nvSpPr>
+        <dsp:cNvPr id="0" name=""/>
+        <dsp:cNvSpPr/>
+      </dsp:nvSpPr>
+      <dsp:spPr>
+        <a:xfrm>
+          <a:off x="5336106" y="1498217"/>
+          <a:ext cx="3657439" cy="598773"/>
+        </a:xfrm>
+        <a:prstGeom prst="rect">
+          <a:avLst/>
+        </a:prstGeom>
+        <a:noFill/>
+        <a:ln w="6350" cap="flat" cmpd="sng" algn="ctr">
+          <a:noFill/>
+          <a:prstDash val="solid"/>
+          <a:miter lim="800000"/>
+        </a:ln>
+        <a:effectLst/>
+        <a:scene3d>
+          <a:camera prst="orthographicFront"/>
+          <a:lightRig rig="chilly" dir="t"/>
+        </a:scene3d>
+        <a:sp3d/>
+      </dsp:spPr>
+      <dsp:style>
+        <a:lnRef idx="1">
+          <a:scrgbClr r="0" g="0" b="0"/>
+        </a:lnRef>
+        <a:fillRef idx="1">
+          <a:scrgbClr r="0" g="0" b="0"/>
+        </a:fillRef>
+        <a:effectRef idx="0">
+          <a:scrgbClr r="0" g="0" b="0"/>
+        </a:effectRef>
+        <a:fontRef idx="minor"/>
+      </dsp:style>
+      <dsp:txBody>
+        <a:bodyPr spcFirstLastPara="0" vert="horz" wrap="square" lIns="8890" tIns="8890" rIns="8890" bIns="8890" numCol="1" spcCol="1270" anchor="ctr" anchorCtr="0">
+          <a:noAutofit/>
+        </a:bodyPr>
+        <a:lstStyle/>
+        <a:p>
+          <a:pPr lvl="0" algn="ctr" defTabSz="622300">
+            <a:lnSpc>
+              <a:spcPct val="90000"/>
+            </a:lnSpc>
+            <a:spcBef>
+              <a:spcPct val="0"/>
+            </a:spcBef>
+            <a:spcAft>
+              <a:spcPct val="35000"/>
+            </a:spcAft>
+          </a:pPr>
+          <a:r>
+            <a:rPr lang="es-MX" sz="1400" kern="1200" smtClean="0">
+              <a:solidFill>
+                <a:schemeClr val="bg1"/>
+              </a:solidFill>
+              <a:latin typeface="Verdana" panose="020B0604030504040204" pitchFamily="34" charset="0"/>
+              <a:ea typeface="Verdana" panose="020B0604030504040204" pitchFamily="34" charset="0"/>
+            </a:rPr>
+            <a:t>Cuantitativos</a:t>
+          </a:r>
+          <a:endParaRPr lang="es-MX" sz="1400" kern="1200">
+            <a:solidFill>
+              <a:schemeClr val="bg1"/>
+            </a:solidFill>
+            <a:latin typeface="Verdana" panose="020B0604030504040204" pitchFamily="34" charset="0"/>
+            <a:ea typeface="Verdana" panose="020B0604030504040204" pitchFamily="34" charset="0"/>
+          </a:endParaRPr>
+        </a:p>
+      </dsp:txBody>
+      <dsp:txXfrm>
+        <a:off x="5336106" y="1498217"/>
+        <a:ext cx="3657439" cy="598773"/>
+      </dsp:txXfrm>
+    </dsp:sp>
+    <dsp:sp modelId="{322690D9-F936-43AF-8486-577374D130CC}">
+      <dsp:nvSpPr>
+        <dsp:cNvPr id="0" name=""/>
+        <dsp:cNvSpPr/>
+      </dsp:nvSpPr>
+      <dsp:spPr>
+        <a:xfrm>
+          <a:off x="7614084" y="2658341"/>
+          <a:ext cx="1828719" cy="935583"/>
+        </a:xfrm>
+        <a:prstGeom prst="ellipse">
+          <a:avLst/>
+        </a:prstGeom>
+        <a:blipFill rotWithShape="0">
+          <a:blip xmlns:r="http://schemas.openxmlformats.org/officeDocument/2006/relationships" r:embed="rId3"/>
+          <a:stretch>
+            <a:fillRect/>
+          </a:stretch>
+        </a:blipFill>
+        <a:ln w="12700" cap="flat" cmpd="sng" algn="ctr">
+          <a:noFill/>
+          <a:prstDash val="solid"/>
+          <a:miter lim="800000"/>
+        </a:ln>
+        <a:effectLst/>
+        <a:scene3d>
+          <a:camera prst="orthographicFront"/>
+          <a:lightRig rig="chilly" dir="t"/>
+        </a:scene3d>
+        <a:sp3d z="-40000" prstMaterial="matte"/>
+      </dsp:spPr>
+      <dsp:style>
+        <a:lnRef idx="2">
+          <a:scrgbClr r="0" g="0" b="0"/>
+        </a:lnRef>
+        <a:fillRef idx="0">
+          <a:scrgbClr r="0" g="0" b="0"/>
+        </a:fillRef>
+        <a:effectRef idx="0">
+          <a:scrgbClr r="0" g="0" b="0"/>
+        </a:effectRef>
+        <a:fontRef idx="minor"/>
+      </dsp:style>
+    </dsp:sp>
+    <dsp:sp modelId="{D7129BB8-2F82-4252-965B-696790B3EEB4}">
+      <dsp:nvSpPr>
+        <dsp:cNvPr id="0" name=""/>
+        <dsp:cNvSpPr/>
+      </dsp:nvSpPr>
+      <dsp:spPr>
+        <a:xfrm>
+          <a:off x="7614084" y="2658341"/>
+          <a:ext cx="1828719" cy="935583"/>
+        </a:xfrm>
+        <a:prstGeom prst="arc">
+          <a:avLst>
+            <a:gd name="adj1" fmla="val 2400000"/>
+            <a:gd name="adj2" fmla="val 8400000"/>
+          </a:avLst>
+        </a:prstGeom>
+        <a:noFill/>
+        <a:ln w="12700" cap="flat" cmpd="sng" algn="ctr">
+          <a:solidFill>
+            <a:schemeClr val="accent1">
+              <a:shade val="60000"/>
+              <a:hueOff val="0"/>
+              <a:satOff val="0"/>
+              <a:lumOff val="0"/>
+              <a:alphaOff val="0"/>
+            </a:schemeClr>
+          </a:solidFill>
+          <a:prstDash val="solid"/>
+          <a:miter lim="800000"/>
+        </a:ln>
+        <a:effectLst/>
+        <a:scene3d>
+          <a:camera prst="orthographicFront"/>
+          <a:lightRig rig="chilly" dir="t"/>
+        </a:scene3d>
+        <a:sp3d z="-40000" prstMaterial="matte"/>
+      </dsp:spPr>
+      <dsp:style>
+        <a:lnRef idx="2">
+          <a:scrgbClr r="0" g="0" b="0"/>
+        </a:lnRef>
+        <a:fillRef idx="0">
+          <a:scrgbClr r="0" g="0" b="0"/>
+        </a:fillRef>
+        <a:effectRef idx="0">
+          <a:scrgbClr r="0" g="0" b="0"/>
+        </a:effectRef>
+        <a:fontRef idx="minor"/>
+      </dsp:style>
+    </dsp:sp>
+    <dsp:sp modelId="{08594E79-FB05-4B39-926C-7BE318D9BE26}">
+      <dsp:nvSpPr>
+        <dsp:cNvPr id="0" name=""/>
+        <dsp:cNvSpPr/>
+      </dsp:nvSpPr>
+      <dsp:spPr>
+        <a:xfrm>
+          <a:off x="6699724" y="2826746"/>
+          <a:ext cx="3657439" cy="598773"/>
+        </a:xfrm>
+        <a:prstGeom prst="rect">
+          <a:avLst/>
+        </a:prstGeom>
+        <a:noFill/>
+        <a:ln w="6350" cap="flat" cmpd="sng" algn="ctr">
+          <a:noFill/>
+          <a:prstDash val="solid"/>
+          <a:miter lim="800000"/>
+        </a:ln>
+        <a:effectLst/>
+        <a:scene3d>
+          <a:camera prst="orthographicFront"/>
+          <a:lightRig rig="chilly" dir="t"/>
+        </a:scene3d>
+        <a:sp3d/>
+      </dsp:spPr>
+      <dsp:style>
+        <a:lnRef idx="1">
+          <a:scrgbClr r="0" g="0" b="0"/>
+        </a:lnRef>
+        <a:fillRef idx="1">
+          <a:scrgbClr r="0" g="0" b="0"/>
+        </a:fillRef>
+        <a:effectRef idx="0">
+          <a:scrgbClr r="0" g="0" b="0"/>
+        </a:effectRef>
+        <a:fontRef idx="minor"/>
+      </dsp:style>
+      <dsp:txBody>
+        <a:bodyPr spcFirstLastPara="0" vert="horz" wrap="square" lIns="8890" tIns="8890" rIns="8890" bIns="8890" numCol="1" spcCol="1270" anchor="ctr" anchorCtr="0">
+          <a:noAutofit/>
+        </a:bodyPr>
+        <a:lstStyle/>
+        <a:p>
+          <a:pPr lvl="0" algn="ctr" defTabSz="622300">
+            <a:lnSpc>
+              <a:spcPct val="90000"/>
+            </a:lnSpc>
+            <a:spcBef>
+              <a:spcPct val="0"/>
+            </a:spcBef>
+            <a:spcAft>
+              <a:spcPct val="35000"/>
+            </a:spcAft>
+          </a:pPr>
+          <a:r>
+            <a:rPr lang="es-MX" sz="1400" kern="1200" smtClean="0">
+              <a:solidFill>
+                <a:schemeClr val="bg1"/>
+              </a:solidFill>
+              <a:latin typeface="Verdana" panose="020B0604030504040204" pitchFamily="34" charset="0"/>
+              <a:ea typeface="Verdana" panose="020B0604030504040204" pitchFamily="34" charset="0"/>
+            </a:rPr>
+            <a:t>Intervalo</a:t>
+          </a:r>
+          <a:endParaRPr lang="es-MX" sz="1400" kern="1200">
+            <a:solidFill>
+              <a:schemeClr val="bg1"/>
+            </a:solidFill>
+            <a:latin typeface="Verdana" panose="020B0604030504040204" pitchFamily="34" charset="0"/>
+            <a:ea typeface="Verdana" panose="020B0604030504040204" pitchFamily="34" charset="0"/>
+          </a:endParaRPr>
+        </a:p>
+      </dsp:txBody>
+      <dsp:txXfrm>
+        <a:off x="6699724" y="2826746"/>
+        <a:ext cx="3657439" cy="598773"/>
+      </dsp:txXfrm>
+    </dsp:sp>
+    <dsp:sp modelId="{36F2DC07-5756-4AF0-8B14-A92A6D735073}">
+      <dsp:nvSpPr>
+        <dsp:cNvPr id="0" name=""/>
+        <dsp:cNvSpPr/>
+      </dsp:nvSpPr>
+      <dsp:spPr>
+        <a:xfrm>
+          <a:off x="7614084" y="3986870"/>
+          <a:ext cx="1828719" cy="935583"/>
+        </a:xfrm>
+        <a:prstGeom prst="ellipse">
+          <a:avLst/>
+        </a:prstGeom>
+        <a:blipFill rotWithShape="0">
+          <a:blip xmlns:r="http://schemas.openxmlformats.org/officeDocument/2006/relationships" r:embed="rId3"/>
+          <a:stretch>
+            <a:fillRect/>
+          </a:stretch>
+        </a:blipFill>
+        <a:ln w="12700" cap="flat" cmpd="sng" algn="ctr">
+          <a:noFill/>
+          <a:prstDash val="solid"/>
+          <a:miter lim="800000"/>
+        </a:ln>
+        <a:effectLst/>
+        <a:scene3d>
+          <a:camera prst="orthographicFront"/>
+          <a:lightRig rig="chilly" dir="t"/>
+        </a:scene3d>
+        <a:sp3d z="-40000" prstMaterial="matte"/>
+      </dsp:spPr>
+      <dsp:style>
+        <a:lnRef idx="2">
+          <a:scrgbClr r="0" g="0" b="0"/>
+        </a:lnRef>
+        <a:fillRef idx="0">
+          <a:scrgbClr r="0" g="0" b="0"/>
+        </a:fillRef>
+        <a:effectRef idx="0">
+          <a:scrgbClr r="0" g="0" b="0"/>
+        </a:effectRef>
+        <a:fontRef idx="minor"/>
+      </dsp:style>
+    </dsp:sp>
+    <dsp:sp modelId="{3C6470B8-1A21-41A2-9DAF-1AE628037500}">
+      <dsp:nvSpPr>
+        <dsp:cNvPr id="0" name=""/>
+        <dsp:cNvSpPr/>
+      </dsp:nvSpPr>
+      <dsp:spPr>
+        <a:xfrm>
+          <a:off x="7614084" y="3986870"/>
+          <a:ext cx="1828719" cy="935583"/>
+        </a:xfrm>
+        <a:prstGeom prst="arc">
+          <a:avLst>
+            <a:gd name="adj1" fmla="val 2400000"/>
+            <a:gd name="adj2" fmla="val 8400000"/>
+          </a:avLst>
+        </a:prstGeom>
+        <a:noFill/>
+        <a:ln w="12700" cap="flat" cmpd="sng" algn="ctr">
+          <a:solidFill>
+            <a:schemeClr val="accent1">
+              <a:shade val="60000"/>
+              <a:hueOff val="0"/>
+              <a:satOff val="0"/>
+              <a:lumOff val="0"/>
+              <a:alphaOff val="0"/>
+            </a:schemeClr>
+          </a:solidFill>
+          <a:prstDash val="solid"/>
+          <a:miter lim="800000"/>
+        </a:ln>
+        <a:effectLst/>
+        <a:scene3d>
+          <a:camera prst="orthographicFront"/>
+          <a:lightRig rig="chilly" dir="t"/>
+        </a:scene3d>
+        <a:sp3d z="-40000" prstMaterial="matte"/>
+      </dsp:spPr>
+      <dsp:style>
+        <a:lnRef idx="2">
+          <a:scrgbClr r="0" g="0" b="0"/>
+        </a:lnRef>
+        <a:fillRef idx="0">
+          <a:scrgbClr r="0" g="0" b="0"/>
+        </a:fillRef>
+        <a:effectRef idx="0">
+          <a:scrgbClr r="0" g="0" b="0"/>
+        </a:effectRef>
+        <a:fontRef idx="minor"/>
+      </dsp:style>
+    </dsp:sp>
+    <dsp:sp modelId="{54F93D7A-A9D7-493C-90F1-D6D0BA1647AA}">
+      <dsp:nvSpPr>
+        <dsp:cNvPr id="0" name=""/>
+        <dsp:cNvSpPr/>
+      </dsp:nvSpPr>
+      <dsp:spPr>
+        <a:xfrm>
+          <a:off x="6699724" y="4155275"/>
+          <a:ext cx="3657439" cy="598773"/>
+        </a:xfrm>
+        <a:prstGeom prst="rect">
+          <a:avLst/>
+        </a:prstGeom>
+        <a:noFill/>
+        <a:ln w="6350" cap="flat" cmpd="sng" algn="ctr">
+          <a:noFill/>
+          <a:prstDash val="solid"/>
+          <a:miter lim="800000"/>
+        </a:ln>
+        <a:effectLst/>
+        <a:scene3d>
+          <a:camera prst="orthographicFront"/>
+          <a:lightRig rig="chilly" dir="t"/>
+        </a:scene3d>
+        <a:sp3d/>
+      </dsp:spPr>
+      <dsp:style>
+        <a:lnRef idx="1">
+          <a:scrgbClr r="0" g="0" b="0"/>
+        </a:lnRef>
+        <a:fillRef idx="1">
+          <a:scrgbClr r="0" g="0" b="0"/>
+        </a:fillRef>
+        <a:effectRef idx="0">
+          <a:scrgbClr r="0" g="0" b="0"/>
+        </a:effectRef>
+        <a:fontRef idx="minor"/>
+      </dsp:style>
+      <dsp:txBody>
+        <a:bodyPr spcFirstLastPara="0" vert="horz" wrap="square" lIns="8890" tIns="8890" rIns="8890" bIns="8890" numCol="1" spcCol="1270" anchor="ctr" anchorCtr="0">
+          <a:noAutofit/>
+        </a:bodyPr>
+        <a:lstStyle/>
+        <a:p>
+          <a:pPr lvl="0" algn="ctr" defTabSz="622300">
+            <a:lnSpc>
+              <a:spcPct val="90000"/>
+            </a:lnSpc>
+            <a:spcBef>
+              <a:spcPct val="0"/>
+            </a:spcBef>
+            <a:spcAft>
+              <a:spcPct val="35000"/>
+            </a:spcAft>
+          </a:pPr>
+          <a:r>
+            <a:rPr lang="es-MX" sz="1400" kern="1200" smtClean="0">
+              <a:solidFill>
+                <a:schemeClr val="bg1"/>
+              </a:solidFill>
+              <a:latin typeface="Verdana" panose="020B0604030504040204" pitchFamily="34" charset="0"/>
+              <a:ea typeface="Verdana" panose="020B0604030504040204" pitchFamily="34" charset="0"/>
+            </a:rPr>
+            <a:t>Razón</a:t>
+          </a:r>
+          <a:endParaRPr lang="es-MX" sz="1400" kern="1200">
+            <a:solidFill>
+              <a:schemeClr val="bg1"/>
+            </a:solidFill>
+            <a:latin typeface="Verdana" panose="020B0604030504040204" pitchFamily="34" charset="0"/>
+            <a:ea typeface="Verdana" panose="020B0604030504040204" pitchFamily="34" charset="0"/>
+          </a:endParaRPr>
+        </a:p>
+      </dsp:txBody>
+      <dsp:txXfrm>
+        <a:off x="6699724" y="4155275"/>
+        <a:ext cx="3657439" cy="598773"/>
+      </dsp:txXfrm>
+    </dsp:sp>
   </dsp:spTree>
 </dsp:drawing>
 </file>
@@ -10840,322 +13209,6 @@
       <dsp:cNvGrpSpPr/>
     </dsp:nvGrpSpPr>
     <dsp:grpSpPr/>
-    <dsp:sp modelId="{F2DDDC1B-AA8D-4D10-80A9-8548E74C60F9}">
-      <dsp:nvSpPr>
-        <dsp:cNvPr id="0" name=""/>
-        <dsp:cNvSpPr/>
-      </dsp:nvSpPr>
-      <dsp:spPr>
-        <a:xfrm>
-          <a:off x="2844" y="244010"/>
-          <a:ext cx="2854008" cy="1141603"/>
-        </a:xfrm>
-        <a:prstGeom prst="homePlate">
-          <a:avLst/>
-        </a:prstGeom>
-        <a:solidFill>
-          <a:srgbClr val="3C1053"/>
-        </a:solidFill>
-        <a:ln w="12700" cap="flat" cmpd="sng" algn="ctr">
-          <a:solidFill>
-            <a:schemeClr val="lt1">
-              <a:hueOff val="0"/>
-              <a:satOff val="0"/>
-              <a:lumOff val="0"/>
-              <a:alphaOff val="0"/>
-            </a:schemeClr>
-          </a:solidFill>
-          <a:prstDash val="solid"/>
-          <a:miter lim="800000"/>
-        </a:ln>
-        <a:effectLst/>
-      </dsp:spPr>
-      <dsp:style>
-        <a:lnRef idx="2">
-          <a:scrgbClr r="0" g="0" b="0"/>
-        </a:lnRef>
-        <a:fillRef idx="1">
-          <a:scrgbClr r="0" g="0" b="0"/>
-        </a:fillRef>
-        <a:effectRef idx="0">
-          <a:scrgbClr r="0" g="0" b="0"/>
-        </a:effectRef>
-        <a:fontRef idx="minor">
-          <a:schemeClr val="lt1"/>
-        </a:fontRef>
-      </dsp:style>
-      <dsp:txBody>
-        <a:bodyPr spcFirstLastPara="0" vert="horz" wrap="square" lIns="96012" tIns="48006" rIns="24003" bIns="48006" numCol="1" spcCol="1270" anchor="ctr" anchorCtr="0">
-          <a:noAutofit/>
-        </a:bodyPr>
-        <a:lstStyle/>
-        <a:p>
-          <a:pPr lvl="0" algn="ctr" defTabSz="800100">
-            <a:lnSpc>
-              <a:spcPct val="90000"/>
-            </a:lnSpc>
-            <a:spcBef>
-              <a:spcPct val="0"/>
-            </a:spcBef>
-            <a:spcAft>
-              <a:spcPct val="35000"/>
-            </a:spcAft>
-          </a:pPr>
-          <a:r>
-            <a:rPr lang="es-MX" sz="1800" kern="1200" smtClean="0">
-              <a:latin typeface="Verdana" panose="020B0604030504040204" pitchFamily="34" charset="0"/>
-              <a:ea typeface="Verdana" panose="020B0604030504040204" pitchFamily="34" charset="0"/>
-            </a:rPr>
-            <a:t>Tablas de distribución de frecuencias</a:t>
-          </a:r>
-          <a:endParaRPr lang="es-MX" sz="1800" kern="1200">
-            <a:latin typeface="Verdana" panose="020B0604030504040204" pitchFamily="34" charset="0"/>
-            <a:ea typeface="Verdana" panose="020B0604030504040204" pitchFamily="34" charset="0"/>
-          </a:endParaRPr>
-        </a:p>
-      </dsp:txBody>
-      <dsp:txXfrm>
-        <a:off x="2844" y="244010"/>
-        <a:ext cx="2568607" cy="1141603"/>
-      </dsp:txXfrm>
-    </dsp:sp>
-    <dsp:sp modelId="{7CA12966-C8B6-4740-A56F-010F3FDC0B88}">
-      <dsp:nvSpPr>
-        <dsp:cNvPr id="0" name=""/>
-        <dsp:cNvSpPr/>
-      </dsp:nvSpPr>
-      <dsp:spPr>
-        <a:xfrm>
-          <a:off x="2286051" y="244010"/>
-          <a:ext cx="2854008" cy="1141603"/>
-        </a:xfrm>
-        <a:prstGeom prst="chevron">
-          <a:avLst/>
-        </a:prstGeom>
-        <a:solidFill>
-          <a:srgbClr val="C126B8"/>
-        </a:solidFill>
-        <a:ln w="12700" cap="flat" cmpd="sng" algn="ctr">
-          <a:solidFill>
-            <a:schemeClr val="lt1">
-              <a:hueOff val="0"/>
-              <a:satOff val="0"/>
-              <a:lumOff val="0"/>
-              <a:alphaOff val="0"/>
-            </a:schemeClr>
-          </a:solidFill>
-          <a:prstDash val="solid"/>
-          <a:miter lim="800000"/>
-        </a:ln>
-        <a:effectLst/>
-      </dsp:spPr>
-      <dsp:style>
-        <a:lnRef idx="2">
-          <a:scrgbClr r="0" g="0" b="0"/>
-        </a:lnRef>
-        <a:fillRef idx="1">
-          <a:scrgbClr r="0" g="0" b="0"/>
-        </a:fillRef>
-        <a:effectRef idx="0">
-          <a:scrgbClr r="0" g="0" b="0"/>
-        </a:effectRef>
-        <a:fontRef idx="minor">
-          <a:schemeClr val="lt1"/>
-        </a:fontRef>
-      </dsp:style>
-      <dsp:txBody>
-        <a:bodyPr spcFirstLastPara="0" vert="horz" wrap="square" lIns="72009" tIns="48006" rIns="24003" bIns="48006" numCol="1" spcCol="1270" anchor="ctr" anchorCtr="0">
-          <a:noAutofit/>
-        </a:bodyPr>
-        <a:lstStyle/>
-        <a:p>
-          <a:pPr lvl="0" algn="ctr" defTabSz="800100">
-            <a:lnSpc>
-              <a:spcPct val="90000"/>
-            </a:lnSpc>
-            <a:spcBef>
-              <a:spcPct val="0"/>
-            </a:spcBef>
-            <a:spcAft>
-              <a:spcPct val="35000"/>
-            </a:spcAft>
-          </a:pPr>
-          <a:r>
-            <a:rPr lang="es-MX" sz="1800" kern="1200" smtClean="0">
-              <a:latin typeface="Verdana" panose="020B0604030504040204" pitchFamily="34" charset="0"/>
-              <a:ea typeface="Verdana" panose="020B0604030504040204" pitchFamily="34" charset="0"/>
-            </a:rPr>
-            <a:t>Gráficos de barras</a:t>
-          </a:r>
-          <a:endParaRPr lang="es-MX" sz="1800" kern="1200">
-            <a:latin typeface="Verdana" panose="020B0604030504040204" pitchFamily="34" charset="0"/>
-            <a:ea typeface="Verdana" panose="020B0604030504040204" pitchFamily="34" charset="0"/>
-          </a:endParaRPr>
-        </a:p>
-      </dsp:txBody>
-      <dsp:txXfrm>
-        <a:off x="2856853" y="244010"/>
-        <a:ext cx="1712405" cy="1141603"/>
-      </dsp:txXfrm>
-    </dsp:sp>
-    <dsp:sp modelId="{CECDC9E7-8B5D-449E-AE26-19CCA38B1529}">
-      <dsp:nvSpPr>
-        <dsp:cNvPr id="0" name=""/>
-        <dsp:cNvSpPr/>
-      </dsp:nvSpPr>
-      <dsp:spPr>
-        <a:xfrm>
-          <a:off x="4569258" y="244010"/>
-          <a:ext cx="2854008" cy="1141603"/>
-        </a:xfrm>
-        <a:prstGeom prst="chevron">
-          <a:avLst/>
-        </a:prstGeom>
-        <a:solidFill>
-          <a:srgbClr val="F4364C"/>
-        </a:solidFill>
-        <a:ln w="12700" cap="flat" cmpd="sng" algn="ctr">
-          <a:solidFill>
-            <a:schemeClr val="lt1">
-              <a:hueOff val="0"/>
-              <a:satOff val="0"/>
-              <a:lumOff val="0"/>
-              <a:alphaOff val="0"/>
-            </a:schemeClr>
-          </a:solidFill>
-          <a:prstDash val="solid"/>
-          <a:miter lim="800000"/>
-        </a:ln>
-        <a:effectLst/>
-      </dsp:spPr>
-      <dsp:style>
-        <a:lnRef idx="2">
-          <a:scrgbClr r="0" g="0" b="0"/>
-        </a:lnRef>
-        <a:fillRef idx="1">
-          <a:scrgbClr r="0" g="0" b="0"/>
-        </a:fillRef>
-        <a:effectRef idx="0">
-          <a:scrgbClr r="0" g="0" b="0"/>
-        </a:effectRef>
-        <a:fontRef idx="minor">
-          <a:schemeClr val="lt1"/>
-        </a:fontRef>
-      </dsp:style>
-      <dsp:txBody>
-        <a:bodyPr spcFirstLastPara="0" vert="horz" wrap="square" lIns="72009" tIns="48006" rIns="24003" bIns="48006" numCol="1" spcCol="1270" anchor="ctr" anchorCtr="0">
-          <a:noAutofit/>
-        </a:bodyPr>
-        <a:lstStyle/>
-        <a:p>
-          <a:pPr lvl="0" algn="ctr" defTabSz="800100">
-            <a:lnSpc>
-              <a:spcPct val="90000"/>
-            </a:lnSpc>
-            <a:spcBef>
-              <a:spcPct val="0"/>
-            </a:spcBef>
-            <a:spcAft>
-              <a:spcPct val="35000"/>
-            </a:spcAft>
-          </a:pPr>
-          <a:r>
-            <a:rPr lang="es-MX" sz="1800" kern="1200" smtClean="0">
-              <a:latin typeface="Verdana" panose="020B0604030504040204" pitchFamily="34" charset="0"/>
-              <a:ea typeface="Verdana" panose="020B0604030504040204" pitchFamily="34" charset="0"/>
-            </a:rPr>
-            <a:t>Gráficos circulares</a:t>
-          </a:r>
-          <a:endParaRPr lang="es-MX" sz="1800" kern="1200">
-            <a:latin typeface="Verdana" panose="020B0604030504040204" pitchFamily="34" charset="0"/>
-            <a:ea typeface="Verdana" panose="020B0604030504040204" pitchFamily="34" charset="0"/>
-          </a:endParaRPr>
-        </a:p>
-      </dsp:txBody>
-      <dsp:txXfrm>
-        <a:off x="5140060" y="244010"/>
-        <a:ext cx="1712405" cy="1141603"/>
-      </dsp:txXfrm>
-    </dsp:sp>
-    <dsp:sp modelId="{C182706D-2445-4EDE-8DBA-A96335C8340B}">
-      <dsp:nvSpPr>
-        <dsp:cNvPr id="0" name=""/>
-        <dsp:cNvSpPr/>
-      </dsp:nvSpPr>
-      <dsp:spPr>
-        <a:xfrm>
-          <a:off x="6852465" y="244010"/>
-          <a:ext cx="2854008" cy="1141603"/>
-        </a:xfrm>
-        <a:prstGeom prst="chevron">
-          <a:avLst/>
-        </a:prstGeom>
-        <a:solidFill>
-          <a:srgbClr val="C8C9C7"/>
-        </a:solidFill>
-        <a:ln w="12700" cap="flat" cmpd="sng" algn="ctr">
-          <a:solidFill>
-            <a:schemeClr val="lt1">
-              <a:hueOff val="0"/>
-              <a:satOff val="0"/>
-              <a:lumOff val="0"/>
-              <a:alphaOff val="0"/>
-            </a:schemeClr>
-          </a:solidFill>
-          <a:prstDash val="solid"/>
-          <a:miter lim="800000"/>
-        </a:ln>
-        <a:effectLst/>
-      </dsp:spPr>
-      <dsp:style>
-        <a:lnRef idx="2">
-          <a:scrgbClr r="0" g="0" b="0"/>
-        </a:lnRef>
-        <a:fillRef idx="1">
-          <a:scrgbClr r="0" g="0" b="0"/>
-        </a:fillRef>
-        <a:effectRef idx="0">
-          <a:scrgbClr r="0" g="0" b="0"/>
-        </a:effectRef>
-        <a:fontRef idx="minor">
-          <a:schemeClr val="lt1"/>
-        </a:fontRef>
-      </dsp:style>
-      <dsp:txBody>
-        <a:bodyPr spcFirstLastPara="0" vert="horz" wrap="square" lIns="72009" tIns="48006" rIns="24003" bIns="48006" numCol="1" spcCol="1270" anchor="ctr" anchorCtr="0">
-          <a:noAutofit/>
-        </a:bodyPr>
-        <a:lstStyle/>
-        <a:p>
-          <a:pPr lvl="0" algn="ctr" defTabSz="800100">
-            <a:lnSpc>
-              <a:spcPct val="90000"/>
-            </a:lnSpc>
-            <a:spcBef>
-              <a:spcPct val="0"/>
-            </a:spcBef>
-            <a:spcAft>
-              <a:spcPct val="35000"/>
-            </a:spcAft>
-          </a:pPr>
-          <a:r>
-            <a:rPr lang="es-MX" sz="1800" kern="1200" smtClean="0">
-              <a:latin typeface="Verdana" panose="020B0604030504040204" pitchFamily="34" charset="0"/>
-              <a:ea typeface="Verdana" panose="020B0604030504040204" pitchFamily="34" charset="0"/>
-            </a:rPr>
-            <a:t>Diagramas de pareto</a:t>
-          </a:r>
-          <a:endParaRPr lang="es-MX" sz="1800" kern="1200">
-            <a:latin typeface="Verdana" panose="020B0604030504040204" pitchFamily="34" charset="0"/>
-            <a:ea typeface="Verdana" panose="020B0604030504040204" pitchFamily="34" charset="0"/>
-          </a:endParaRPr>
-        </a:p>
-      </dsp:txBody>
-      <dsp:txXfrm>
-        <a:off x="7423267" y="244010"/>
-        <a:ext cx="1712405" cy="1141603"/>
-      </dsp:txXfrm>
-    </dsp:sp>
   </dsp:spTree>
 </dsp:drawing>
 </file>
@@ -17650,7 +19703,7 @@
           <p:cNvPr id="7" name="Imagen 6">
             <a:extLst>
               <a:ext uri="{FF2B5EF4-FFF2-40B4-BE49-F238E27FC236}">
-                <a16:creationId xmlns="" xmlns:a16="http://schemas.microsoft.com/office/drawing/2014/main" id="{36B54177-B7DF-1DD9-8875-D4168F53E154}"/>
+                <a16:creationId xmlns:a16="http://schemas.microsoft.com/office/drawing/2014/main" xmlns="" id="{36B54177-B7DF-1DD9-8875-D4168F53E154}"/>
               </a:ext>
             </a:extLst>
           </p:cNvPr>
@@ -17680,7 +19733,7 @@
           <p:cNvPr id="2" name="Título 1">
             <a:extLst>
               <a:ext uri="{FF2B5EF4-FFF2-40B4-BE49-F238E27FC236}">
-                <a16:creationId xmlns="" xmlns:a16="http://schemas.microsoft.com/office/drawing/2014/main" id="{3029E411-989D-8CFA-0371-904E9B56BB90}"/>
+                <a16:creationId xmlns:a16="http://schemas.microsoft.com/office/drawing/2014/main" xmlns="" id="{3029E411-989D-8CFA-0371-904E9B56BB90}"/>
               </a:ext>
             </a:extLst>
           </p:cNvPr>
@@ -17721,7 +19774,7 @@
           <p:cNvPr id="3" name="Subtítulo 2">
             <a:extLst>
               <a:ext uri="{FF2B5EF4-FFF2-40B4-BE49-F238E27FC236}">
-                <a16:creationId xmlns="" xmlns:a16="http://schemas.microsoft.com/office/drawing/2014/main" id="{68801E2D-CF21-2ADE-8396-CC12B5A246AC}"/>
+                <a16:creationId xmlns:a16="http://schemas.microsoft.com/office/drawing/2014/main" xmlns="" id="{68801E2D-CF21-2ADE-8396-CC12B5A246AC}"/>
               </a:ext>
             </a:extLst>
           </p:cNvPr>
@@ -17795,7 +19848,7 @@
           <p:cNvPr id="4" name="Marcador de fecha 3">
             <a:extLst>
               <a:ext uri="{FF2B5EF4-FFF2-40B4-BE49-F238E27FC236}">
-                <a16:creationId xmlns="" xmlns:a16="http://schemas.microsoft.com/office/drawing/2014/main" id="{C7D9C27E-71A0-A8E6-7D94-D52F81CE5F69}"/>
+                <a16:creationId xmlns:a16="http://schemas.microsoft.com/office/drawing/2014/main" xmlns="" id="{C7D9C27E-71A0-A8E6-7D94-D52F81CE5F69}"/>
               </a:ext>
             </a:extLst>
           </p:cNvPr>
@@ -17833,7 +19886,7 @@
           <p:cNvPr id="5" name="Marcador de pie de página 4">
             <a:extLst>
               <a:ext uri="{FF2B5EF4-FFF2-40B4-BE49-F238E27FC236}">
-                <a16:creationId xmlns="" xmlns:a16="http://schemas.microsoft.com/office/drawing/2014/main" id="{4C83CED7-3270-999D-99EC-4B2B5F4289C9}"/>
+                <a16:creationId xmlns:a16="http://schemas.microsoft.com/office/drawing/2014/main" xmlns="" id="{4C83CED7-3270-999D-99EC-4B2B5F4289C9}"/>
               </a:ext>
             </a:extLst>
           </p:cNvPr>
@@ -17866,7 +19919,7 @@
           <p:cNvPr id="6" name="Marcador de número de diapositiva 5">
             <a:extLst>
               <a:ext uri="{FF2B5EF4-FFF2-40B4-BE49-F238E27FC236}">
-                <a16:creationId xmlns="" xmlns:a16="http://schemas.microsoft.com/office/drawing/2014/main" id="{0DC7CE21-D4CA-6449-E0EA-746968CC779A}"/>
+                <a16:creationId xmlns:a16="http://schemas.microsoft.com/office/drawing/2014/main" xmlns="" id="{0DC7CE21-D4CA-6449-E0EA-746968CC779A}"/>
               </a:ext>
             </a:extLst>
           </p:cNvPr>
@@ -17934,7 +19987,7 @@
           <p:cNvPr id="2" name="Título 1">
             <a:extLst>
               <a:ext uri="{FF2B5EF4-FFF2-40B4-BE49-F238E27FC236}">
-                <a16:creationId xmlns="" xmlns:a16="http://schemas.microsoft.com/office/drawing/2014/main" id="{C4018A1D-A95A-249C-60D7-BFEC9560650F}"/>
+                <a16:creationId xmlns:a16="http://schemas.microsoft.com/office/drawing/2014/main" xmlns="" id="{C4018A1D-A95A-249C-60D7-BFEC9560650F}"/>
               </a:ext>
             </a:extLst>
           </p:cNvPr>
@@ -17971,7 +20024,7 @@
           <p:cNvPr id="3" name="Marcador de texto 2">
             <a:extLst>
               <a:ext uri="{FF2B5EF4-FFF2-40B4-BE49-F238E27FC236}">
-                <a16:creationId xmlns="" xmlns:a16="http://schemas.microsoft.com/office/drawing/2014/main" id="{7DA112BB-1B55-D3DA-D7D7-35DE1AC52464}"/>
+                <a16:creationId xmlns:a16="http://schemas.microsoft.com/office/drawing/2014/main" xmlns="" id="{7DA112BB-1B55-D3DA-D7D7-35DE1AC52464}"/>
               </a:ext>
             </a:extLst>
           </p:cNvPr>
@@ -18096,7 +20149,7 @@
           <p:cNvPr id="4" name="Marcador de fecha 3">
             <a:extLst>
               <a:ext uri="{FF2B5EF4-FFF2-40B4-BE49-F238E27FC236}">
-                <a16:creationId xmlns="" xmlns:a16="http://schemas.microsoft.com/office/drawing/2014/main" id="{E844E3D2-E945-19C6-68D7-AA7AC54FF7A6}"/>
+                <a16:creationId xmlns:a16="http://schemas.microsoft.com/office/drawing/2014/main" xmlns="" id="{E844E3D2-E945-19C6-68D7-AA7AC54FF7A6}"/>
               </a:ext>
             </a:extLst>
           </p:cNvPr>
@@ -18125,7 +20178,7 @@
           <p:cNvPr id="5" name="Marcador de pie de página 4">
             <a:extLst>
               <a:ext uri="{FF2B5EF4-FFF2-40B4-BE49-F238E27FC236}">
-                <a16:creationId xmlns="" xmlns:a16="http://schemas.microsoft.com/office/drawing/2014/main" id="{56FC48AC-4463-729E-ABA1-FB3D3EFA26E7}"/>
+                <a16:creationId xmlns:a16="http://schemas.microsoft.com/office/drawing/2014/main" xmlns="" id="{56FC48AC-4463-729E-ABA1-FB3D3EFA26E7}"/>
               </a:ext>
             </a:extLst>
           </p:cNvPr>
@@ -18150,7 +20203,7 @@
           <p:cNvPr id="6" name="Marcador de número de diapositiva 5">
             <a:extLst>
               <a:ext uri="{FF2B5EF4-FFF2-40B4-BE49-F238E27FC236}">
-                <a16:creationId xmlns="" xmlns:a16="http://schemas.microsoft.com/office/drawing/2014/main" id="{7FB46B77-03B3-EF69-5002-A7FF12752807}"/>
+                <a16:creationId xmlns:a16="http://schemas.microsoft.com/office/drawing/2014/main" xmlns="" id="{7FB46B77-03B3-EF69-5002-A7FF12752807}"/>
               </a:ext>
             </a:extLst>
           </p:cNvPr>
@@ -18209,7 +20262,7 @@
           <p:cNvPr id="8" name="Imagen 7">
             <a:extLst>
               <a:ext uri="{FF2B5EF4-FFF2-40B4-BE49-F238E27FC236}">
-                <a16:creationId xmlns="" xmlns:a16="http://schemas.microsoft.com/office/drawing/2014/main" id="{FDAF5A4A-1B68-98B0-A191-8BD2A6F09150}"/>
+                <a16:creationId xmlns:a16="http://schemas.microsoft.com/office/drawing/2014/main" xmlns="" id="{FDAF5A4A-1B68-98B0-A191-8BD2A6F09150}"/>
               </a:ext>
             </a:extLst>
           </p:cNvPr>
@@ -18309,7 +20362,7 @@
     <a:masterClrMapping/>
   </p:clrMapOvr>
   <mc:AlternateContent xmlns:mc="http://schemas.openxmlformats.org/markup-compatibility/2006">
-    <mc:Choice xmlns="" xmlns:p159="http://schemas.microsoft.com/office/powerpoint/2015/09/main" Requires="p159">
+    <mc:Choice xmlns:p159="http://schemas.microsoft.com/office/powerpoint/2015/09/main" xmlns="" Requires="p159">
       <p:transition xmlns:p14="http://schemas.microsoft.com/office/powerpoint/2010/main" spd="slow" p14:dur="2000">
         <p159:morph option="byObject"/>
       </p:transition>
@@ -18345,7 +20398,7 @@
           <p:cNvPr id="7" name="Imagen 6">
             <a:extLst>
               <a:ext uri="{FF2B5EF4-FFF2-40B4-BE49-F238E27FC236}">
-                <a16:creationId xmlns="" xmlns:a16="http://schemas.microsoft.com/office/drawing/2014/main" id="{66AD6CAE-8F01-422E-B0BA-3045B167AEAF}"/>
+                <a16:creationId xmlns:a16="http://schemas.microsoft.com/office/drawing/2014/main" xmlns="" id="{66AD6CAE-8F01-422E-B0BA-3045B167AEAF}"/>
               </a:ext>
             </a:extLst>
           </p:cNvPr>
@@ -18533,7 +20586,7 @@
           <p:cNvPr id="10" name="Imagen 9">
             <a:extLst>
               <a:ext uri="{FF2B5EF4-FFF2-40B4-BE49-F238E27FC236}">
-                <a16:creationId xmlns="" xmlns:a16="http://schemas.microsoft.com/office/drawing/2014/main" id="{11028E90-7017-3801-0152-2A4D9D428AAF}"/>
+                <a16:creationId xmlns:a16="http://schemas.microsoft.com/office/drawing/2014/main" xmlns="" id="{11028E90-7017-3801-0152-2A4D9D428AAF}"/>
               </a:ext>
             </a:extLst>
           </p:cNvPr>
@@ -18568,7 +20621,7 @@
     <a:masterClrMapping/>
   </p:clrMapOvr>
   <mc:AlternateContent xmlns:mc="http://schemas.openxmlformats.org/markup-compatibility/2006">
-    <mc:Choice xmlns="" xmlns:p159="http://schemas.microsoft.com/office/powerpoint/2015/09/main" Requires="p159">
+    <mc:Choice xmlns:p159="http://schemas.microsoft.com/office/powerpoint/2015/09/main" xmlns="" Requires="p159">
       <p:transition xmlns:p14="http://schemas.microsoft.com/office/powerpoint/2010/main" spd="slow" p14:dur="2000">
         <p159:morph option="byObject"/>
       </p:transition>
@@ -18669,7 +20722,7 @@
           <p:cNvPr id="10" name="Imagen 9">
             <a:extLst>
               <a:ext uri="{FF2B5EF4-FFF2-40B4-BE49-F238E27FC236}">
-                <a16:creationId xmlns="" xmlns:a16="http://schemas.microsoft.com/office/drawing/2014/main" id="{B4AC21E6-3AB4-AA3E-EED5-BEA73B4160C8}"/>
+                <a16:creationId xmlns:a16="http://schemas.microsoft.com/office/drawing/2014/main" xmlns="" id="{B4AC21E6-3AB4-AA3E-EED5-BEA73B4160C8}"/>
               </a:ext>
             </a:extLst>
           </p:cNvPr>
@@ -18698,7 +20751,7 @@
           <p:cNvPr id="5" name="Título 1">
             <a:extLst>
               <a:ext uri="{FF2B5EF4-FFF2-40B4-BE49-F238E27FC236}">
-                <a16:creationId xmlns="" xmlns:a16="http://schemas.microsoft.com/office/drawing/2014/main" id="{74D66EB4-E928-04A5-17AC-B4C4FAF01B68}"/>
+                <a16:creationId xmlns:a16="http://schemas.microsoft.com/office/drawing/2014/main" xmlns="" id="{74D66EB4-E928-04A5-17AC-B4C4FAF01B68}"/>
               </a:ext>
             </a:extLst>
           </p:cNvPr>
@@ -18741,7 +20794,7 @@
     <a:masterClrMapping/>
   </p:clrMapOvr>
   <mc:AlternateContent xmlns:mc="http://schemas.openxmlformats.org/markup-compatibility/2006">
-    <mc:Choice xmlns="" xmlns:p159="http://schemas.microsoft.com/office/powerpoint/2015/09/main" Requires="p159">
+    <mc:Choice xmlns:p159="http://schemas.microsoft.com/office/powerpoint/2015/09/main" xmlns="" Requires="p159">
       <p:transition xmlns:p14="http://schemas.microsoft.com/office/powerpoint/2010/main" spd="slow" p14:dur="2000">
         <p159:morph option="byObject"/>
       </p:transition>
@@ -18842,7 +20895,7 @@
           <p:cNvPr id="5" name="Imagen 4">
             <a:extLst>
               <a:ext uri="{FF2B5EF4-FFF2-40B4-BE49-F238E27FC236}">
-                <a16:creationId xmlns="" xmlns:a16="http://schemas.microsoft.com/office/drawing/2014/main" id="{CFD1EF8D-21B9-3C6D-CAEB-887F2C4B10FA}"/>
+                <a16:creationId xmlns:a16="http://schemas.microsoft.com/office/drawing/2014/main" xmlns="" id="{CFD1EF8D-21B9-3C6D-CAEB-887F2C4B10FA}"/>
               </a:ext>
             </a:extLst>
           </p:cNvPr>
@@ -18871,7 +20924,7 @@
           <p:cNvPr id="6" name="Título 1">
             <a:extLst>
               <a:ext uri="{FF2B5EF4-FFF2-40B4-BE49-F238E27FC236}">
-                <a16:creationId xmlns="" xmlns:a16="http://schemas.microsoft.com/office/drawing/2014/main" id="{BDA5DC36-6B14-E774-2FD3-FD49BCF6F742}"/>
+                <a16:creationId xmlns:a16="http://schemas.microsoft.com/office/drawing/2014/main" xmlns="" id="{BDA5DC36-6B14-E774-2FD3-FD49BCF6F742}"/>
               </a:ext>
             </a:extLst>
           </p:cNvPr>
@@ -18918,7 +20971,7 @@
     <a:masterClrMapping/>
   </p:clrMapOvr>
   <mc:AlternateContent xmlns:mc="http://schemas.openxmlformats.org/markup-compatibility/2006">
-    <mc:Choice xmlns="" xmlns:p159="http://schemas.microsoft.com/office/powerpoint/2015/09/main" Requires="p159">
+    <mc:Choice xmlns:p159="http://schemas.microsoft.com/office/powerpoint/2015/09/main" xmlns="" Requires="p159">
       <p:transition xmlns:p14="http://schemas.microsoft.com/office/powerpoint/2010/main" spd="slow" p14:dur="2000">
         <p159:morph option="byObject"/>
       </p:transition>
@@ -18954,7 +21007,7 @@
           <p:cNvPr id="7" name="Imagen 6">
             <a:extLst>
               <a:ext uri="{FF2B5EF4-FFF2-40B4-BE49-F238E27FC236}">
-                <a16:creationId xmlns="" xmlns:a16="http://schemas.microsoft.com/office/drawing/2014/main" id="{7E36882C-E608-66B8-8A42-26DD6B67138C}"/>
+                <a16:creationId xmlns:a16="http://schemas.microsoft.com/office/drawing/2014/main" xmlns="" id="{7E36882C-E608-66B8-8A42-26DD6B67138C}"/>
               </a:ext>
             </a:extLst>
           </p:cNvPr>
@@ -18984,7 +21037,7 @@
           <p:cNvPr id="2" name="Título 1">
             <a:extLst>
               <a:ext uri="{FF2B5EF4-FFF2-40B4-BE49-F238E27FC236}">
-                <a16:creationId xmlns="" xmlns:a16="http://schemas.microsoft.com/office/drawing/2014/main" id="{A319E2F3-3E92-F0B7-289B-ECE5123D9814}"/>
+                <a16:creationId xmlns:a16="http://schemas.microsoft.com/office/drawing/2014/main" xmlns="" id="{A319E2F3-3E92-F0B7-289B-ECE5123D9814}"/>
               </a:ext>
             </a:extLst>
           </p:cNvPr>
@@ -19020,7 +21073,7 @@
           <p:cNvPr id="3" name="Marcador de contenido 2">
             <a:extLst>
               <a:ext uri="{FF2B5EF4-FFF2-40B4-BE49-F238E27FC236}">
-                <a16:creationId xmlns="" xmlns:a16="http://schemas.microsoft.com/office/drawing/2014/main" id="{917E9B9D-3312-7614-E939-8BBA89447845}"/>
+                <a16:creationId xmlns:a16="http://schemas.microsoft.com/office/drawing/2014/main" xmlns="" id="{917E9B9D-3312-7614-E939-8BBA89447845}"/>
               </a:ext>
             </a:extLst>
           </p:cNvPr>
@@ -19077,7 +21130,7 @@
           <p:cNvPr id="4" name="Marcador de fecha 3">
             <a:extLst>
               <a:ext uri="{FF2B5EF4-FFF2-40B4-BE49-F238E27FC236}">
-                <a16:creationId xmlns="" xmlns:a16="http://schemas.microsoft.com/office/drawing/2014/main" id="{9561BD46-81DF-C525-880C-B60F549977C9}"/>
+                <a16:creationId xmlns:a16="http://schemas.microsoft.com/office/drawing/2014/main" xmlns="" id="{9561BD46-81DF-C525-880C-B60F549977C9}"/>
               </a:ext>
             </a:extLst>
           </p:cNvPr>
@@ -19106,7 +21159,7 @@
           <p:cNvPr id="5" name="Marcador de pie de página 4">
             <a:extLst>
               <a:ext uri="{FF2B5EF4-FFF2-40B4-BE49-F238E27FC236}">
-                <a16:creationId xmlns="" xmlns:a16="http://schemas.microsoft.com/office/drawing/2014/main" id="{B48141E5-38F4-5870-C465-013B716EE584}"/>
+                <a16:creationId xmlns:a16="http://schemas.microsoft.com/office/drawing/2014/main" xmlns="" id="{B48141E5-38F4-5870-C465-013B716EE584}"/>
               </a:ext>
             </a:extLst>
           </p:cNvPr>
@@ -19131,7 +21184,7 @@
           <p:cNvPr id="6" name="Marcador de número de diapositiva 5">
             <a:extLst>
               <a:ext uri="{FF2B5EF4-FFF2-40B4-BE49-F238E27FC236}">
-                <a16:creationId xmlns="" xmlns:a16="http://schemas.microsoft.com/office/drawing/2014/main" id="{6D3EFEE5-200A-753E-B6FD-9311CB9BAAFF}"/>
+                <a16:creationId xmlns:a16="http://schemas.microsoft.com/office/drawing/2014/main" xmlns="" id="{6D3EFEE5-200A-753E-B6FD-9311CB9BAAFF}"/>
               </a:ext>
             </a:extLst>
           </p:cNvPr>
@@ -19190,7 +21243,7 @@
           <p:cNvPr id="6" name="Imagen 5">
             <a:extLst>
               <a:ext uri="{FF2B5EF4-FFF2-40B4-BE49-F238E27FC236}">
-                <a16:creationId xmlns="" xmlns:a16="http://schemas.microsoft.com/office/drawing/2014/main" id="{85B76E4B-994E-FE80-0264-CD7AEB4265E3}"/>
+                <a16:creationId xmlns:a16="http://schemas.microsoft.com/office/drawing/2014/main" xmlns="" id="{85B76E4B-994E-FE80-0264-CD7AEB4265E3}"/>
               </a:ext>
             </a:extLst>
           </p:cNvPr>
@@ -19220,7 +21273,7 @@
           <p:cNvPr id="2" name="Título 1">
             <a:extLst>
               <a:ext uri="{FF2B5EF4-FFF2-40B4-BE49-F238E27FC236}">
-                <a16:creationId xmlns="" xmlns:a16="http://schemas.microsoft.com/office/drawing/2014/main" id="{F58AE75E-BF38-0C63-F39F-95D19FDCC331}"/>
+                <a16:creationId xmlns:a16="http://schemas.microsoft.com/office/drawing/2014/main" xmlns="" id="{F58AE75E-BF38-0C63-F39F-95D19FDCC331}"/>
               </a:ext>
             </a:extLst>
           </p:cNvPr>
@@ -19252,7 +21305,7 @@
           <p:cNvPr id="3" name="Marcador de fecha 2">
             <a:extLst>
               <a:ext uri="{FF2B5EF4-FFF2-40B4-BE49-F238E27FC236}">
-                <a16:creationId xmlns="" xmlns:a16="http://schemas.microsoft.com/office/drawing/2014/main" id="{C0849DC6-910E-1212-87E9-5D91EDF04321}"/>
+                <a16:creationId xmlns:a16="http://schemas.microsoft.com/office/drawing/2014/main" xmlns="" id="{C0849DC6-910E-1212-87E9-5D91EDF04321}"/>
               </a:ext>
             </a:extLst>
           </p:cNvPr>
@@ -19281,7 +21334,7 @@
           <p:cNvPr id="4" name="Marcador de pie de página 3">
             <a:extLst>
               <a:ext uri="{FF2B5EF4-FFF2-40B4-BE49-F238E27FC236}">
-                <a16:creationId xmlns="" xmlns:a16="http://schemas.microsoft.com/office/drawing/2014/main" id="{6AC465A2-B629-9EFC-663F-3F807AD61A95}"/>
+                <a16:creationId xmlns:a16="http://schemas.microsoft.com/office/drawing/2014/main" xmlns="" id="{6AC465A2-B629-9EFC-663F-3F807AD61A95}"/>
               </a:ext>
             </a:extLst>
           </p:cNvPr>
@@ -19306,7 +21359,7 @@
           <p:cNvPr id="5" name="Marcador de número de diapositiva 4">
             <a:extLst>
               <a:ext uri="{FF2B5EF4-FFF2-40B4-BE49-F238E27FC236}">
-                <a16:creationId xmlns="" xmlns:a16="http://schemas.microsoft.com/office/drawing/2014/main" id="{7149893F-AB4A-EA91-D670-6E8677716A99}"/>
+                <a16:creationId xmlns:a16="http://schemas.microsoft.com/office/drawing/2014/main" xmlns="" id="{7149893F-AB4A-EA91-D670-6E8677716A99}"/>
               </a:ext>
             </a:extLst>
           </p:cNvPr>
@@ -19365,7 +21418,7 @@
           <p:cNvPr id="2" name="Marcador de fecha 1">
             <a:extLst>
               <a:ext uri="{FF2B5EF4-FFF2-40B4-BE49-F238E27FC236}">
-                <a16:creationId xmlns="" xmlns:a16="http://schemas.microsoft.com/office/drawing/2014/main" id="{3D8DCD30-7661-12EB-6BF3-7D6889A8D7E7}"/>
+                <a16:creationId xmlns:a16="http://schemas.microsoft.com/office/drawing/2014/main" xmlns="" id="{3D8DCD30-7661-12EB-6BF3-7D6889A8D7E7}"/>
               </a:ext>
             </a:extLst>
           </p:cNvPr>
@@ -19394,7 +21447,7 @@
           <p:cNvPr id="3" name="Marcador de pie de página 2">
             <a:extLst>
               <a:ext uri="{FF2B5EF4-FFF2-40B4-BE49-F238E27FC236}">
-                <a16:creationId xmlns="" xmlns:a16="http://schemas.microsoft.com/office/drawing/2014/main" id="{BCE383F0-BCD5-365A-30DE-4A37BDDD44D8}"/>
+                <a16:creationId xmlns:a16="http://schemas.microsoft.com/office/drawing/2014/main" xmlns="" id="{BCE383F0-BCD5-365A-30DE-4A37BDDD44D8}"/>
               </a:ext>
             </a:extLst>
           </p:cNvPr>
@@ -19419,7 +21472,7 @@
           <p:cNvPr id="4" name="Marcador de número de diapositiva 3">
             <a:extLst>
               <a:ext uri="{FF2B5EF4-FFF2-40B4-BE49-F238E27FC236}">
-                <a16:creationId xmlns="" xmlns:a16="http://schemas.microsoft.com/office/drawing/2014/main" id="{3062DF9B-A73E-907D-5239-FDDD3489CEF2}"/>
+                <a16:creationId xmlns:a16="http://schemas.microsoft.com/office/drawing/2014/main" xmlns="" id="{3062DF9B-A73E-907D-5239-FDDD3489CEF2}"/>
               </a:ext>
             </a:extLst>
           </p:cNvPr>
@@ -19483,7 +21536,7 @@
           <p:cNvPr id="2" name="Marcador de título 1">
             <a:extLst>
               <a:ext uri="{FF2B5EF4-FFF2-40B4-BE49-F238E27FC236}">
-                <a16:creationId xmlns="" xmlns:a16="http://schemas.microsoft.com/office/drawing/2014/main" id="{33F02CBE-7D56-9524-5799-3D4C40AEE1EF}"/>
+                <a16:creationId xmlns:a16="http://schemas.microsoft.com/office/drawing/2014/main" xmlns="" id="{33F02CBE-7D56-9524-5799-3D4C40AEE1EF}"/>
               </a:ext>
             </a:extLst>
           </p:cNvPr>
@@ -19521,7 +21574,7 @@
           <p:cNvPr id="3" name="Marcador de texto 2">
             <a:extLst>
               <a:ext uri="{FF2B5EF4-FFF2-40B4-BE49-F238E27FC236}">
-                <a16:creationId xmlns="" xmlns:a16="http://schemas.microsoft.com/office/drawing/2014/main" id="{A9053B17-0988-26D7-1416-D61D74DBE858}"/>
+                <a16:creationId xmlns:a16="http://schemas.microsoft.com/office/drawing/2014/main" xmlns="" id="{A9053B17-0988-26D7-1416-D61D74DBE858}"/>
               </a:ext>
             </a:extLst>
           </p:cNvPr>
@@ -19588,7 +21641,7 @@
           <p:cNvPr id="4" name="Marcador de fecha 3">
             <a:extLst>
               <a:ext uri="{FF2B5EF4-FFF2-40B4-BE49-F238E27FC236}">
-                <a16:creationId xmlns="" xmlns:a16="http://schemas.microsoft.com/office/drawing/2014/main" id="{3CFF87E4-E3EB-6979-BA49-637760E7BBC3}"/>
+                <a16:creationId xmlns:a16="http://schemas.microsoft.com/office/drawing/2014/main" xmlns="" id="{3CFF87E4-E3EB-6979-BA49-637760E7BBC3}"/>
               </a:ext>
             </a:extLst>
           </p:cNvPr>
@@ -19639,7 +21692,7 @@
           <p:cNvPr id="5" name="Marcador de pie de página 4">
             <a:extLst>
               <a:ext uri="{FF2B5EF4-FFF2-40B4-BE49-F238E27FC236}">
-                <a16:creationId xmlns="" xmlns:a16="http://schemas.microsoft.com/office/drawing/2014/main" id="{6143CCC9-3353-516C-3DED-6C05973EB5B8}"/>
+                <a16:creationId xmlns:a16="http://schemas.microsoft.com/office/drawing/2014/main" xmlns="" id="{6143CCC9-3353-516C-3DED-6C05973EB5B8}"/>
               </a:ext>
             </a:extLst>
           </p:cNvPr>
@@ -19685,7 +21738,7 @@
           <p:cNvPr id="6" name="Marcador de número de diapositiva 5">
             <a:extLst>
               <a:ext uri="{FF2B5EF4-FFF2-40B4-BE49-F238E27FC236}">
-                <a16:creationId xmlns="" xmlns:a16="http://schemas.microsoft.com/office/drawing/2014/main" id="{751E5BC1-66C6-23A3-45FC-6B13BC2B4A2D}"/>
+                <a16:creationId xmlns:a16="http://schemas.microsoft.com/office/drawing/2014/main" xmlns="" id="{751E5BC1-66C6-23A3-45FC-6B13BC2B4A2D}"/>
               </a:ext>
             </a:extLst>
           </p:cNvPr>
@@ -20055,7 +22108,7 @@
           <p:cNvPr id="3" name="Imagen 2">
             <a:extLst>
               <a:ext uri="{FF2B5EF4-FFF2-40B4-BE49-F238E27FC236}">
-                <a16:creationId xmlns="" xmlns:a16="http://schemas.microsoft.com/office/drawing/2014/main" id="{B7DCC1AE-CBB9-4F76-A8E3-CF73CD4FFFAE}"/>
+                <a16:creationId xmlns:a16="http://schemas.microsoft.com/office/drawing/2014/main" xmlns="" id="{B7DCC1AE-CBB9-4F76-A8E3-CF73CD4FFFAE}"/>
               </a:ext>
             </a:extLst>
           </p:cNvPr>
@@ -20084,7 +22137,7 @@
           <p:cNvPr id="15" name="Rectángulo 14">
             <a:extLst>
               <a:ext uri="{FF2B5EF4-FFF2-40B4-BE49-F238E27FC236}">
-                <a16:creationId xmlns="" xmlns:a16="http://schemas.microsoft.com/office/drawing/2014/main" id="{B0381972-7714-18E2-8087-DC6EBF8C2989}"/>
+                <a16:creationId xmlns:a16="http://schemas.microsoft.com/office/drawing/2014/main" xmlns="" id="{B0381972-7714-18E2-8087-DC6EBF8C2989}"/>
               </a:ext>
             </a:extLst>
           </p:cNvPr>
@@ -20203,7 +22256,7 @@
           <p:cNvPr id="2" name="Imagen 1">
             <a:extLst>
               <a:ext uri="{FF2B5EF4-FFF2-40B4-BE49-F238E27FC236}">
-                <a16:creationId xmlns="" xmlns:a16="http://schemas.microsoft.com/office/drawing/2014/main" id="{8495C0A0-4965-B406-97D2-0C73E97D488B}"/>
+                <a16:creationId xmlns:a16="http://schemas.microsoft.com/office/drawing/2014/main" xmlns="" id="{8495C0A0-4965-B406-97D2-0C73E97D488B}"/>
               </a:ext>
             </a:extLst>
           </p:cNvPr>
@@ -20233,7 +22286,7 @@
           <p:cNvPr id="3" name="Marcador de número de diapositiva 3">
             <a:extLst>
               <a:ext uri="{FF2B5EF4-FFF2-40B4-BE49-F238E27FC236}">
-                <a16:creationId xmlns="" xmlns:a16="http://schemas.microsoft.com/office/drawing/2014/main" id="{958FBA5A-A58E-C697-8203-4F8B9AE81A4E}"/>
+                <a16:creationId xmlns:a16="http://schemas.microsoft.com/office/drawing/2014/main" xmlns="" id="{958FBA5A-A58E-C697-8203-4F8B9AE81A4E}"/>
               </a:ext>
             </a:extLst>
           </p:cNvPr>
@@ -20267,7 +22320,7 @@
           <p:cNvPr id="23" name="Título 1">
             <a:extLst>
               <a:ext uri="{FF2B5EF4-FFF2-40B4-BE49-F238E27FC236}">
-                <a16:creationId xmlns="" xmlns:a16="http://schemas.microsoft.com/office/drawing/2014/main" id="{E1DD3CF2-B58E-FFFA-CC44-24E153BAAA08}"/>
+                <a16:creationId xmlns:a16="http://schemas.microsoft.com/office/drawing/2014/main" xmlns="" id="{E1DD3CF2-B58E-FFFA-CC44-24E153BAAA08}"/>
               </a:ext>
             </a:extLst>
           </p:cNvPr>
@@ -20337,7 +22390,7 @@
           <p:cNvPr id="24" name="Título 1">
             <a:extLst>
               <a:ext uri="{FF2B5EF4-FFF2-40B4-BE49-F238E27FC236}">
-                <a16:creationId xmlns="" xmlns:a16="http://schemas.microsoft.com/office/drawing/2014/main" id="{96653C20-5D73-6AC7-AD4D-29A9D6D74E1B}"/>
+                <a16:creationId xmlns:a16="http://schemas.microsoft.com/office/drawing/2014/main" xmlns="" id="{96653C20-5D73-6AC7-AD4D-29A9D6D74E1B}"/>
               </a:ext>
             </a:extLst>
           </p:cNvPr>
@@ -20406,7 +22459,7 @@
           <p:cNvPr id="11" name="Grupo 5">
             <a:extLst>
               <a:ext uri="{FF2B5EF4-FFF2-40B4-BE49-F238E27FC236}">
-                <a16:creationId xmlns:a16="http://schemas.microsoft.com/office/drawing/2014/main" xmlns="" id="{83E4681F-4C4F-4C93-9004-F3EA19CEFB7C}"/>
+                <a16:creationId xmlns="" xmlns:a16="http://schemas.microsoft.com/office/drawing/2014/main" id="{83E4681F-4C4F-4C93-9004-F3EA19CEFB7C}"/>
               </a:ext>
             </a:extLst>
           </p:cNvPr>
@@ -20426,7 +22479,7 @@
             <p:cNvPr id="12" name="Imagen 3">
               <a:extLst>
                 <a:ext uri="{FF2B5EF4-FFF2-40B4-BE49-F238E27FC236}">
-                  <a16:creationId xmlns:a16="http://schemas.microsoft.com/office/drawing/2014/main" xmlns="" id="{173E4972-CEF0-4660-BB38-08221EB176C7}"/>
+                  <a16:creationId xmlns="" xmlns:a16="http://schemas.microsoft.com/office/drawing/2014/main" id="{173E4972-CEF0-4660-BB38-08221EB176C7}"/>
                 </a:ext>
               </a:extLst>
             </p:cNvPr>
@@ -20456,7 +22509,7 @@
             <p:cNvPr id="13" name="CuadroTexto 4">
               <a:extLst>
                 <a:ext uri="{FF2B5EF4-FFF2-40B4-BE49-F238E27FC236}">
-                  <a16:creationId xmlns:a16="http://schemas.microsoft.com/office/drawing/2014/main" xmlns="" id="{4C0DB693-8AFE-4C1F-9897-E3AD8876D546}"/>
+                  <a16:creationId xmlns="" xmlns:a16="http://schemas.microsoft.com/office/drawing/2014/main" id="{4C0DB693-8AFE-4C1F-9897-E3AD8876D546}"/>
                 </a:ext>
               </a:extLst>
             </p:cNvPr>
@@ -20544,7 +22597,7 @@
     <a:masterClrMapping/>
   </p:clrMapOvr>
   <mc:AlternateContent xmlns:mc="http://schemas.openxmlformats.org/markup-compatibility/2006">
-    <mc:Choice xmlns="" xmlns:p159="http://schemas.microsoft.com/office/powerpoint/2015/09/main" Requires="p159">
+    <mc:Choice xmlns:p159="http://schemas.microsoft.com/office/powerpoint/2015/09/main" xmlns="" Requires="p159">
       <p:transition xmlns:p14="http://schemas.microsoft.com/office/powerpoint/2010/main" spd="slow" p14:dur="2000">
         <p159:morph option="byObject"/>
       </p:transition>
@@ -20580,7 +22633,7 @@
           <p:cNvPr id="2" name="Imagen 1">
             <a:extLst>
               <a:ext uri="{FF2B5EF4-FFF2-40B4-BE49-F238E27FC236}">
-                <a16:creationId xmlns="" xmlns:a16="http://schemas.microsoft.com/office/drawing/2014/main" id="{8495C0A0-4965-B406-97D2-0C73E97D488B}"/>
+                <a16:creationId xmlns:a16="http://schemas.microsoft.com/office/drawing/2014/main" xmlns="" id="{8495C0A0-4965-B406-97D2-0C73E97D488B}"/>
               </a:ext>
             </a:extLst>
           </p:cNvPr>
@@ -20610,7 +22663,7 @@
           <p:cNvPr id="3" name="Marcador de número de diapositiva 3">
             <a:extLst>
               <a:ext uri="{FF2B5EF4-FFF2-40B4-BE49-F238E27FC236}">
-                <a16:creationId xmlns="" xmlns:a16="http://schemas.microsoft.com/office/drawing/2014/main" id="{958FBA5A-A58E-C697-8203-4F8B9AE81A4E}"/>
+                <a16:creationId xmlns:a16="http://schemas.microsoft.com/office/drawing/2014/main" xmlns="" id="{958FBA5A-A58E-C697-8203-4F8B9AE81A4E}"/>
               </a:ext>
             </a:extLst>
           </p:cNvPr>
@@ -20644,7 +22697,7 @@
           <p:cNvPr id="23" name="Título 1">
             <a:extLst>
               <a:ext uri="{FF2B5EF4-FFF2-40B4-BE49-F238E27FC236}">
-                <a16:creationId xmlns="" xmlns:a16="http://schemas.microsoft.com/office/drawing/2014/main" id="{E1DD3CF2-B58E-FFFA-CC44-24E153BAAA08}"/>
+                <a16:creationId xmlns:a16="http://schemas.microsoft.com/office/drawing/2014/main" xmlns="" id="{E1DD3CF2-B58E-FFFA-CC44-24E153BAAA08}"/>
               </a:ext>
             </a:extLst>
           </p:cNvPr>
@@ -20714,7 +22767,7 @@
           <p:cNvPr id="24" name="Título 1">
             <a:extLst>
               <a:ext uri="{FF2B5EF4-FFF2-40B4-BE49-F238E27FC236}">
-                <a16:creationId xmlns="" xmlns:a16="http://schemas.microsoft.com/office/drawing/2014/main" id="{96653C20-5D73-6AC7-AD4D-29A9D6D74E1B}"/>
+                <a16:creationId xmlns:a16="http://schemas.microsoft.com/office/drawing/2014/main" xmlns="" id="{96653C20-5D73-6AC7-AD4D-29A9D6D74E1B}"/>
               </a:ext>
             </a:extLst>
           </p:cNvPr>
@@ -20783,7 +22836,7 @@
           <p:cNvPr id="9" name="Grupo 5">
             <a:extLst>
               <a:ext uri="{FF2B5EF4-FFF2-40B4-BE49-F238E27FC236}">
-                <a16:creationId xmlns:a16="http://schemas.microsoft.com/office/drawing/2014/main" xmlns="" id="{5F498189-CD1E-43AE-9FDF-769C2A9F2C0E}"/>
+                <a16:creationId xmlns="" xmlns:a16="http://schemas.microsoft.com/office/drawing/2014/main" id="{5F498189-CD1E-43AE-9FDF-769C2A9F2C0E}"/>
               </a:ext>
             </a:extLst>
           </p:cNvPr>
@@ -20803,7 +22856,7 @@
             <p:cNvPr id="10" name="Imagen 3">
               <a:extLst>
                 <a:ext uri="{FF2B5EF4-FFF2-40B4-BE49-F238E27FC236}">
-                  <a16:creationId xmlns:a16="http://schemas.microsoft.com/office/drawing/2014/main" xmlns="" id="{6E5FF91E-DAD4-4A8F-B42A-B6A56D5A0FA4}"/>
+                  <a16:creationId xmlns="" xmlns:a16="http://schemas.microsoft.com/office/drawing/2014/main" id="{6E5FF91E-DAD4-4A8F-B42A-B6A56D5A0FA4}"/>
                 </a:ext>
               </a:extLst>
             </p:cNvPr>
@@ -20833,7 +22886,7 @@
             <p:cNvPr id="14" name="CuadroTexto 4">
               <a:extLst>
                 <a:ext uri="{FF2B5EF4-FFF2-40B4-BE49-F238E27FC236}">
-                  <a16:creationId xmlns:a16="http://schemas.microsoft.com/office/drawing/2014/main" xmlns="" id="{CB7000DC-0BDE-4727-86BA-C566DE108C57}"/>
+                  <a16:creationId xmlns="" xmlns:a16="http://schemas.microsoft.com/office/drawing/2014/main" id="{CB7000DC-0BDE-4727-86BA-C566DE108C57}"/>
                 </a:ext>
               </a:extLst>
             </p:cNvPr>
@@ -20921,7 +22974,7 @@
     <a:masterClrMapping/>
   </p:clrMapOvr>
   <mc:AlternateContent xmlns:mc="http://schemas.openxmlformats.org/markup-compatibility/2006">
-    <mc:Choice xmlns="" xmlns:p159="http://schemas.microsoft.com/office/powerpoint/2015/09/main" Requires="p159">
+    <mc:Choice xmlns:p159="http://schemas.microsoft.com/office/powerpoint/2015/09/main" xmlns="" Requires="p159">
       <p:transition xmlns:p14="http://schemas.microsoft.com/office/powerpoint/2010/main" spd="slow" p14:dur="2000">
         <p159:morph option="byObject"/>
       </p:transition>
@@ -20957,7 +23010,7 @@
           <p:cNvPr id="2" name="Imagen 1">
             <a:extLst>
               <a:ext uri="{FF2B5EF4-FFF2-40B4-BE49-F238E27FC236}">
-                <a16:creationId xmlns="" xmlns:a16="http://schemas.microsoft.com/office/drawing/2014/main" id="{8495C0A0-4965-B406-97D2-0C73E97D488B}"/>
+                <a16:creationId xmlns:a16="http://schemas.microsoft.com/office/drawing/2014/main" xmlns="" id="{8495C0A0-4965-B406-97D2-0C73E97D488B}"/>
               </a:ext>
             </a:extLst>
           </p:cNvPr>
@@ -20987,7 +23040,7 @@
           <p:cNvPr id="3" name="Marcador de número de diapositiva 3">
             <a:extLst>
               <a:ext uri="{FF2B5EF4-FFF2-40B4-BE49-F238E27FC236}">
-                <a16:creationId xmlns="" xmlns:a16="http://schemas.microsoft.com/office/drawing/2014/main" id="{958FBA5A-A58E-C697-8203-4F8B9AE81A4E}"/>
+                <a16:creationId xmlns:a16="http://schemas.microsoft.com/office/drawing/2014/main" xmlns="" id="{958FBA5A-A58E-C697-8203-4F8B9AE81A4E}"/>
               </a:ext>
             </a:extLst>
           </p:cNvPr>
@@ -21021,7 +23074,7 @@
           <p:cNvPr id="23" name="Título 1">
             <a:extLst>
               <a:ext uri="{FF2B5EF4-FFF2-40B4-BE49-F238E27FC236}">
-                <a16:creationId xmlns="" xmlns:a16="http://schemas.microsoft.com/office/drawing/2014/main" id="{E1DD3CF2-B58E-FFFA-CC44-24E153BAAA08}"/>
+                <a16:creationId xmlns:a16="http://schemas.microsoft.com/office/drawing/2014/main" xmlns="" id="{E1DD3CF2-B58E-FFFA-CC44-24E153BAAA08}"/>
               </a:ext>
             </a:extLst>
           </p:cNvPr>
@@ -21091,7 +23144,7 @@
           <p:cNvPr id="24" name="Título 1">
             <a:extLst>
               <a:ext uri="{FF2B5EF4-FFF2-40B4-BE49-F238E27FC236}">
-                <a16:creationId xmlns="" xmlns:a16="http://schemas.microsoft.com/office/drawing/2014/main" id="{96653C20-5D73-6AC7-AD4D-29A9D6D74E1B}"/>
+                <a16:creationId xmlns:a16="http://schemas.microsoft.com/office/drawing/2014/main" xmlns="" id="{96653C20-5D73-6AC7-AD4D-29A9D6D74E1B}"/>
               </a:ext>
             </a:extLst>
           </p:cNvPr>
@@ -21160,7 +23213,7 @@
           <p:cNvPr id="6" name="Imagen 3">
             <a:extLst>
               <a:ext uri="{FF2B5EF4-FFF2-40B4-BE49-F238E27FC236}">
-                <a16:creationId xmlns:a16="http://schemas.microsoft.com/office/drawing/2014/main" xmlns="" id="{02910A3E-7B3B-43DC-8EF9-3E4877287715}"/>
+                <a16:creationId xmlns="" xmlns:a16="http://schemas.microsoft.com/office/drawing/2014/main" id="{02910A3E-7B3B-43DC-8EF9-3E4877287715}"/>
               </a:ext>
             </a:extLst>
           </p:cNvPr>
@@ -21196,7 +23249,7 @@
     <a:masterClrMapping/>
   </p:clrMapOvr>
   <mc:AlternateContent xmlns:mc="http://schemas.openxmlformats.org/markup-compatibility/2006">
-    <mc:Choice xmlns="" xmlns:p159="http://schemas.microsoft.com/office/powerpoint/2015/09/main" Requires="p159">
+    <mc:Choice xmlns:p159="http://schemas.microsoft.com/office/powerpoint/2015/09/main" xmlns="" Requires="p159">
       <p:transition xmlns:p14="http://schemas.microsoft.com/office/powerpoint/2010/main" spd="slow" p14:dur="2000">
         <p159:morph option="byObject"/>
       </p:transition>
@@ -21232,7 +23285,7 @@
           <p:cNvPr id="2" name="Imagen 1">
             <a:extLst>
               <a:ext uri="{FF2B5EF4-FFF2-40B4-BE49-F238E27FC236}">
-                <a16:creationId xmlns="" xmlns:a16="http://schemas.microsoft.com/office/drawing/2014/main" id="{8495C0A0-4965-B406-97D2-0C73E97D488B}"/>
+                <a16:creationId xmlns:a16="http://schemas.microsoft.com/office/drawing/2014/main" xmlns="" id="{8495C0A0-4965-B406-97D2-0C73E97D488B}"/>
               </a:ext>
             </a:extLst>
           </p:cNvPr>
@@ -21262,7 +23315,7 @@
           <p:cNvPr id="3" name="Marcador de número de diapositiva 3">
             <a:extLst>
               <a:ext uri="{FF2B5EF4-FFF2-40B4-BE49-F238E27FC236}">
-                <a16:creationId xmlns="" xmlns:a16="http://schemas.microsoft.com/office/drawing/2014/main" id="{958FBA5A-A58E-C697-8203-4F8B9AE81A4E}"/>
+                <a16:creationId xmlns:a16="http://schemas.microsoft.com/office/drawing/2014/main" xmlns="" id="{958FBA5A-A58E-C697-8203-4F8B9AE81A4E}"/>
               </a:ext>
             </a:extLst>
           </p:cNvPr>
@@ -21296,7 +23349,7 @@
           <p:cNvPr id="23" name="Título 1">
             <a:extLst>
               <a:ext uri="{FF2B5EF4-FFF2-40B4-BE49-F238E27FC236}">
-                <a16:creationId xmlns="" xmlns:a16="http://schemas.microsoft.com/office/drawing/2014/main" id="{E1DD3CF2-B58E-FFFA-CC44-24E153BAAA08}"/>
+                <a16:creationId xmlns:a16="http://schemas.microsoft.com/office/drawing/2014/main" xmlns="" id="{E1DD3CF2-B58E-FFFA-CC44-24E153BAAA08}"/>
               </a:ext>
             </a:extLst>
           </p:cNvPr>
@@ -21366,7 +23419,7 @@
           <p:cNvPr id="24" name="Título 1">
             <a:extLst>
               <a:ext uri="{FF2B5EF4-FFF2-40B4-BE49-F238E27FC236}">
-                <a16:creationId xmlns="" xmlns:a16="http://schemas.microsoft.com/office/drawing/2014/main" id="{96653C20-5D73-6AC7-AD4D-29A9D6D74E1B}"/>
+                <a16:creationId xmlns:a16="http://schemas.microsoft.com/office/drawing/2014/main" xmlns="" id="{96653C20-5D73-6AC7-AD4D-29A9D6D74E1B}"/>
               </a:ext>
             </a:extLst>
           </p:cNvPr>
@@ -21435,7 +23488,7 @@
           <p:cNvPr id="6" name="Imagen 3">
             <a:extLst>
               <a:ext uri="{FF2B5EF4-FFF2-40B4-BE49-F238E27FC236}">
-                <a16:creationId xmlns:a16="http://schemas.microsoft.com/office/drawing/2014/main" xmlns="" id="{DF043A44-9C84-4C60-8635-39773049FC46}"/>
+                <a16:creationId xmlns="" xmlns:a16="http://schemas.microsoft.com/office/drawing/2014/main" id="{DF043A44-9C84-4C60-8635-39773049FC46}"/>
               </a:ext>
             </a:extLst>
           </p:cNvPr>
@@ -21465,7 +23518,7 @@
           <p:cNvPr id="7" name="Imagen 4">
             <a:extLst>
               <a:ext uri="{FF2B5EF4-FFF2-40B4-BE49-F238E27FC236}">
-                <a16:creationId xmlns:a16="http://schemas.microsoft.com/office/drawing/2014/main" xmlns="" id="{44F55B2A-477B-4190-8D85-A1442B6EB5BE}"/>
+                <a16:creationId xmlns="" xmlns:a16="http://schemas.microsoft.com/office/drawing/2014/main" id="{44F55B2A-477B-4190-8D85-A1442B6EB5BE}"/>
               </a:ext>
             </a:extLst>
           </p:cNvPr>
@@ -21501,7 +23554,7 @@
     <a:masterClrMapping/>
   </p:clrMapOvr>
   <mc:AlternateContent xmlns:mc="http://schemas.openxmlformats.org/markup-compatibility/2006">
-    <mc:Choice xmlns="" xmlns:p159="http://schemas.microsoft.com/office/powerpoint/2015/09/main" Requires="p159">
+    <mc:Choice xmlns:p159="http://schemas.microsoft.com/office/powerpoint/2015/09/main" xmlns="" Requires="p159">
       <p:transition xmlns:p14="http://schemas.microsoft.com/office/powerpoint/2010/main" spd="slow" p14:dur="2000">
         <p159:morph option="byObject"/>
       </p:transition>
@@ -21537,7 +23590,7 @@
           <p:cNvPr id="2" name="Imagen 1">
             <a:extLst>
               <a:ext uri="{FF2B5EF4-FFF2-40B4-BE49-F238E27FC236}">
-                <a16:creationId xmlns="" xmlns:a16="http://schemas.microsoft.com/office/drawing/2014/main" id="{8495C0A0-4965-B406-97D2-0C73E97D488B}"/>
+                <a16:creationId xmlns:a16="http://schemas.microsoft.com/office/drawing/2014/main" xmlns="" id="{8495C0A0-4965-B406-97D2-0C73E97D488B}"/>
               </a:ext>
             </a:extLst>
           </p:cNvPr>
@@ -21567,7 +23620,7 @@
           <p:cNvPr id="3" name="Marcador de número de diapositiva 3">
             <a:extLst>
               <a:ext uri="{FF2B5EF4-FFF2-40B4-BE49-F238E27FC236}">
-                <a16:creationId xmlns="" xmlns:a16="http://schemas.microsoft.com/office/drawing/2014/main" id="{958FBA5A-A58E-C697-8203-4F8B9AE81A4E}"/>
+                <a16:creationId xmlns:a16="http://schemas.microsoft.com/office/drawing/2014/main" xmlns="" id="{958FBA5A-A58E-C697-8203-4F8B9AE81A4E}"/>
               </a:ext>
             </a:extLst>
           </p:cNvPr>
@@ -21601,7 +23654,7 @@
           <p:cNvPr id="23" name="Título 1">
             <a:extLst>
               <a:ext uri="{FF2B5EF4-FFF2-40B4-BE49-F238E27FC236}">
-                <a16:creationId xmlns="" xmlns:a16="http://schemas.microsoft.com/office/drawing/2014/main" id="{E1DD3CF2-B58E-FFFA-CC44-24E153BAAA08}"/>
+                <a16:creationId xmlns:a16="http://schemas.microsoft.com/office/drawing/2014/main" xmlns="" id="{E1DD3CF2-B58E-FFFA-CC44-24E153BAAA08}"/>
               </a:ext>
             </a:extLst>
           </p:cNvPr>
@@ -21671,7 +23724,7 @@
           <p:cNvPr id="24" name="Título 1">
             <a:extLst>
               <a:ext uri="{FF2B5EF4-FFF2-40B4-BE49-F238E27FC236}">
-                <a16:creationId xmlns="" xmlns:a16="http://schemas.microsoft.com/office/drawing/2014/main" id="{96653C20-5D73-6AC7-AD4D-29A9D6D74E1B}"/>
+                <a16:creationId xmlns:a16="http://schemas.microsoft.com/office/drawing/2014/main" xmlns="" id="{96653C20-5D73-6AC7-AD4D-29A9D6D74E1B}"/>
               </a:ext>
             </a:extLst>
           </p:cNvPr>
@@ -21740,7 +23793,7 @@
           <p:cNvPr id="6" name="Imagen 3">
             <a:extLst>
               <a:ext uri="{FF2B5EF4-FFF2-40B4-BE49-F238E27FC236}">
-                <a16:creationId xmlns:a16="http://schemas.microsoft.com/office/drawing/2014/main" xmlns="" id="{7F60D532-FDA5-427B-BFB1-76C4011CC04E}"/>
+                <a16:creationId xmlns="" xmlns:a16="http://schemas.microsoft.com/office/drawing/2014/main" id="{7F60D532-FDA5-427B-BFB1-76C4011CC04E}"/>
               </a:ext>
             </a:extLst>
           </p:cNvPr>
@@ -21770,7 +23823,7 @@
           <p:cNvPr id="7" name="Imagen 4">
             <a:extLst>
               <a:ext uri="{FF2B5EF4-FFF2-40B4-BE49-F238E27FC236}">
-                <a16:creationId xmlns:a16="http://schemas.microsoft.com/office/drawing/2014/main" xmlns="" id="{2DE892A1-A52D-4B89-A269-2CEA0C9BF9D0}"/>
+                <a16:creationId xmlns="" xmlns:a16="http://schemas.microsoft.com/office/drawing/2014/main" id="{2DE892A1-A52D-4B89-A269-2CEA0C9BF9D0}"/>
               </a:ext>
             </a:extLst>
           </p:cNvPr>
@@ -21800,7 +23853,7 @@
           <p:cNvPr id="8" name="Imagen 5">
             <a:extLst>
               <a:ext uri="{FF2B5EF4-FFF2-40B4-BE49-F238E27FC236}">
-                <a16:creationId xmlns:a16="http://schemas.microsoft.com/office/drawing/2014/main" xmlns="" id="{740CB2DB-1332-4150-887D-3F759D7849CE}"/>
+                <a16:creationId xmlns="" xmlns:a16="http://schemas.microsoft.com/office/drawing/2014/main" id="{740CB2DB-1332-4150-887D-3F759D7849CE}"/>
               </a:ext>
             </a:extLst>
           </p:cNvPr>
@@ -21836,7 +23889,7 @@
     <a:masterClrMapping/>
   </p:clrMapOvr>
   <mc:AlternateContent xmlns:mc="http://schemas.openxmlformats.org/markup-compatibility/2006">
-    <mc:Choice xmlns="" xmlns:p159="http://schemas.microsoft.com/office/powerpoint/2015/09/main" Requires="p159">
+    <mc:Choice xmlns:p159="http://schemas.microsoft.com/office/powerpoint/2015/09/main" xmlns="" Requires="p159">
       <p:transition xmlns:p14="http://schemas.microsoft.com/office/powerpoint/2010/main" spd="slow" p14:dur="2000">
         <p159:morph option="byObject"/>
       </p:transition>
@@ -21872,7 +23925,7 @@
           <p:cNvPr id="2" name="Imagen 1">
             <a:extLst>
               <a:ext uri="{FF2B5EF4-FFF2-40B4-BE49-F238E27FC236}">
-                <a16:creationId xmlns="" xmlns:a16="http://schemas.microsoft.com/office/drawing/2014/main" id="{8495C0A0-4965-B406-97D2-0C73E97D488B}"/>
+                <a16:creationId xmlns:a16="http://schemas.microsoft.com/office/drawing/2014/main" xmlns="" id="{8495C0A0-4965-B406-97D2-0C73E97D488B}"/>
               </a:ext>
             </a:extLst>
           </p:cNvPr>
@@ -21902,7 +23955,7 @@
           <p:cNvPr id="3" name="Marcador de número de diapositiva 3">
             <a:extLst>
               <a:ext uri="{FF2B5EF4-FFF2-40B4-BE49-F238E27FC236}">
-                <a16:creationId xmlns="" xmlns:a16="http://schemas.microsoft.com/office/drawing/2014/main" id="{958FBA5A-A58E-C697-8203-4F8B9AE81A4E}"/>
+                <a16:creationId xmlns:a16="http://schemas.microsoft.com/office/drawing/2014/main" xmlns="" id="{958FBA5A-A58E-C697-8203-4F8B9AE81A4E}"/>
               </a:ext>
             </a:extLst>
           </p:cNvPr>
@@ -21936,7 +23989,7 @@
           <p:cNvPr id="23" name="Título 1">
             <a:extLst>
               <a:ext uri="{FF2B5EF4-FFF2-40B4-BE49-F238E27FC236}">
-                <a16:creationId xmlns="" xmlns:a16="http://schemas.microsoft.com/office/drawing/2014/main" id="{E1DD3CF2-B58E-FFFA-CC44-24E153BAAA08}"/>
+                <a16:creationId xmlns:a16="http://schemas.microsoft.com/office/drawing/2014/main" xmlns="" id="{E1DD3CF2-B58E-FFFA-CC44-24E153BAAA08}"/>
               </a:ext>
             </a:extLst>
           </p:cNvPr>
@@ -22006,7 +24059,7 @@
           <p:cNvPr id="24" name="Título 1">
             <a:extLst>
               <a:ext uri="{FF2B5EF4-FFF2-40B4-BE49-F238E27FC236}">
-                <a16:creationId xmlns="" xmlns:a16="http://schemas.microsoft.com/office/drawing/2014/main" id="{96653C20-5D73-6AC7-AD4D-29A9D6D74E1B}"/>
+                <a16:creationId xmlns:a16="http://schemas.microsoft.com/office/drawing/2014/main" xmlns="" id="{96653C20-5D73-6AC7-AD4D-29A9D6D74E1B}"/>
               </a:ext>
             </a:extLst>
           </p:cNvPr>
@@ -22075,7 +24128,7 @@
           <p:cNvPr id="6" name="Imagen 3">
             <a:extLst>
               <a:ext uri="{FF2B5EF4-FFF2-40B4-BE49-F238E27FC236}">
-                <a16:creationId xmlns:a16="http://schemas.microsoft.com/office/drawing/2014/main" xmlns="" id="{DAC28783-97C8-41DF-8118-9FC6AD5ECC86}"/>
+                <a16:creationId xmlns="" xmlns:a16="http://schemas.microsoft.com/office/drawing/2014/main" id="{DAC28783-97C8-41DF-8118-9FC6AD5ECC86}"/>
               </a:ext>
             </a:extLst>
           </p:cNvPr>
@@ -22105,7 +24158,7 @@
           <p:cNvPr id="7" name="Picture 2" descr="La distribución Uniforme">
             <a:extLst>
               <a:ext uri="{FF2B5EF4-FFF2-40B4-BE49-F238E27FC236}">
-                <a16:creationId xmlns:a16="http://schemas.microsoft.com/office/drawing/2014/main" xmlns="" id="{E0CA981C-445A-424A-8721-2118BA8CF490}"/>
+                <a16:creationId xmlns="" xmlns:a16="http://schemas.microsoft.com/office/drawing/2014/main" id="{E0CA981C-445A-424A-8721-2118BA8CF490}"/>
               </a:ext>
             </a:extLst>
           </p:cNvPr>
@@ -22158,7 +24211,7 @@
     <a:masterClrMapping/>
   </p:clrMapOvr>
   <mc:AlternateContent xmlns:mc="http://schemas.openxmlformats.org/markup-compatibility/2006">
-    <mc:Choice xmlns="" xmlns:p159="http://schemas.microsoft.com/office/powerpoint/2015/09/main" Requires="p159">
+    <mc:Choice xmlns:p159="http://schemas.microsoft.com/office/powerpoint/2015/09/main" xmlns="" Requires="p159">
       <p:transition xmlns:p14="http://schemas.microsoft.com/office/powerpoint/2010/main" spd="slow" p14:dur="2000">
         <p159:morph option="byObject"/>
       </p:transition>
@@ -22194,7 +24247,7 @@
           <p:cNvPr id="24" name="Imagen 23">
             <a:extLst>
               <a:ext uri="{FF2B5EF4-FFF2-40B4-BE49-F238E27FC236}">
-                <a16:creationId xmlns:a16="http://schemas.microsoft.com/office/drawing/2014/main" xmlns="" id="{6DA4F564-EF44-159E-FEA7-8FC61249EA8C}"/>
+                <a16:creationId xmlns="" xmlns:a16="http://schemas.microsoft.com/office/drawing/2014/main" id="{6DA4F564-EF44-159E-FEA7-8FC61249EA8C}"/>
               </a:ext>
             </a:extLst>
           </p:cNvPr>
@@ -22224,7 +24277,7 @@
           <p:cNvPr id="3" name="Título 1">
             <a:extLst>
               <a:ext uri="{FF2B5EF4-FFF2-40B4-BE49-F238E27FC236}">
-                <a16:creationId xmlns:a16="http://schemas.microsoft.com/office/drawing/2014/main" xmlns="" id="{77F53CBD-6B76-EA37-2CF0-85FFE061C1FC}"/>
+                <a16:creationId xmlns="" xmlns:a16="http://schemas.microsoft.com/office/drawing/2014/main" id="{77F53CBD-6B76-EA37-2CF0-85FFE061C1FC}"/>
               </a:ext>
             </a:extLst>
           </p:cNvPr>
@@ -22291,7 +24344,7 @@
           <p:cNvPr id="4" name="Grupo 3">
             <a:extLst>
               <a:ext uri="{FF2B5EF4-FFF2-40B4-BE49-F238E27FC236}">
-                <a16:creationId xmlns:a16="http://schemas.microsoft.com/office/drawing/2014/main" xmlns="" id="{3F520380-FEF6-6F48-BE06-805EEA186A14}"/>
+                <a16:creationId xmlns="" xmlns:a16="http://schemas.microsoft.com/office/drawing/2014/main" id="{3F520380-FEF6-6F48-BE06-805EEA186A14}"/>
               </a:ext>
             </a:extLst>
           </p:cNvPr>
@@ -22311,7 +24364,7 @@
             <p:cNvPr id="5" name="Título 1">
               <a:extLst>
                 <a:ext uri="{FF2B5EF4-FFF2-40B4-BE49-F238E27FC236}">
-                  <a16:creationId xmlns:a16="http://schemas.microsoft.com/office/drawing/2014/main" xmlns="" id="{EECE0154-0C10-FEF2-3989-0CE76929EBA8}"/>
+                  <a16:creationId xmlns="" xmlns:a16="http://schemas.microsoft.com/office/drawing/2014/main" id="{EECE0154-0C10-FEF2-3989-0CE76929EBA8}"/>
                 </a:ext>
               </a:extLst>
             </p:cNvPr>
@@ -22389,7 +24442,7 @@
             <p:cNvPr id="6" name="Conector recto 5">
               <a:extLst>
                 <a:ext uri="{FF2B5EF4-FFF2-40B4-BE49-F238E27FC236}">
-                  <a16:creationId xmlns:a16="http://schemas.microsoft.com/office/drawing/2014/main" xmlns="" id="{4B265B8B-1FD1-015C-553B-517F5F5E6035}"/>
+                  <a16:creationId xmlns="" xmlns:a16="http://schemas.microsoft.com/office/drawing/2014/main" id="{4B265B8B-1FD1-015C-553B-517F5F5E6035}"/>
                 </a:ext>
               </a:extLst>
             </p:cNvPr>
@@ -22473,7 +24526,7 @@
           <p:cNvPr id="2" name="Imagen 1">
             <a:extLst>
               <a:ext uri="{FF2B5EF4-FFF2-40B4-BE49-F238E27FC236}">
-                <a16:creationId xmlns="" xmlns:a16="http://schemas.microsoft.com/office/drawing/2014/main" id="{8495C0A0-4965-B406-97D2-0C73E97D488B}"/>
+                <a16:creationId xmlns:a16="http://schemas.microsoft.com/office/drawing/2014/main" xmlns="" id="{8495C0A0-4965-B406-97D2-0C73E97D488B}"/>
               </a:ext>
             </a:extLst>
           </p:cNvPr>
@@ -22503,7 +24556,7 @@
           <p:cNvPr id="3" name="Marcador de número de diapositiva 3">
             <a:extLst>
               <a:ext uri="{FF2B5EF4-FFF2-40B4-BE49-F238E27FC236}">
-                <a16:creationId xmlns="" xmlns:a16="http://schemas.microsoft.com/office/drawing/2014/main" id="{958FBA5A-A58E-C697-8203-4F8B9AE81A4E}"/>
+                <a16:creationId xmlns:a16="http://schemas.microsoft.com/office/drawing/2014/main" xmlns="" id="{958FBA5A-A58E-C697-8203-4F8B9AE81A4E}"/>
               </a:ext>
             </a:extLst>
           </p:cNvPr>
@@ -22537,7 +24590,7 @@
           <p:cNvPr id="23" name="Título 1">
             <a:extLst>
               <a:ext uri="{FF2B5EF4-FFF2-40B4-BE49-F238E27FC236}">
-                <a16:creationId xmlns="" xmlns:a16="http://schemas.microsoft.com/office/drawing/2014/main" id="{E1DD3CF2-B58E-FFFA-CC44-24E153BAAA08}"/>
+                <a16:creationId xmlns:a16="http://schemas.microsoft.com/office/drawing/2014/main" xmlns="" id="{E1DD3CF2-B58E-FFFA-CC44-24E153BAAA08}"/>
               </a:ext>
             </a:extLst>
           </p:cNvPr>
@@ -22607,7 +24660,7 @@
           <p:cNvPr id="24" name="Título 1">
             <a:extLst>
               <a:ext uri="{FF2B5EF4-FFF2-40B4-BE49-F238E27FC236}">
-                <a16:creationId xmlns="" xmlns:a16="http://schemas.microsoft.com/office/drawing/2014/main" id="{96653C20-5D73-6AC7-AD4D-29A9D6D74E1B}"/>
+                <a16:creationId xmlns:a16="http://schemas.microsoft.com/office/drawing/2014/main" xmlns="" id="{96653C20-5D73-6AC7-AD4D-29A9D6D74E1B}"/>
               </a:ext>
             </a:extLst>
           </p:cNvPr>
@@ -22673,18 +24726,18 @@
       </p:sp>
       <p:graphicFrame>
         <p:nvGraphicFramePr>
-          <p:cNvPr id="25" name="Diagram 24"/>
+          <p:cNvPr id="7" name="Diagram 6"/>
           <p:cNvGraphicFramePr/>
           <p:nvPr>
             <p:extLst>
               <p:ext uri="{D42A27DB-BD31-4B8C-83A1-F6EECF244321}">
-                <p14:modId xmlns:p14="http://schemas.microsoft.com/office/powerpoint/2010/main" val="165860058"/>
+                <p14:modId xmlns:p14="http://schemas.microsoft.com/office/powerpoint/2010/main" val="3545647754"/>
               </p:ext>
             </p:extLst>
           </p:nvPr>
         </p:nvGraphicFramePr>
         <p:xfrm>
-          <a:off x="1016794" y="1539704"/>
+          <a:off x="292515" y="1539704"/>
           <a:ext cx="10158412" cy="4814886"/>
         </p:xfrm>
         <a:graphic>
@@ -22693,6 +24746,306 @@
           </a:graphicData>
         </a:graphic>
       </p:graphicFrame>
+      <p:sp>
+        <p:nvSpPr>
+          <p:cNvPr id="8" name="Oval 7"/>
+          <p:cNvSpPr/>
+          <p:nvPr/>
+        </p:nvSpPr>
+        <p:spPr>
+          <a:xfrm>
+            <a:off x="4536463" y="4134799"/>
+            <a:ext cx="1882445" cy="968721"/>
+          </a:xfrm>
+          <a:prstGeom prst="ellipse">
+            <a:avLst/>
+          </a:prstGeom>
+          <a:solidFill>
+            <a:srgbClr val="C8C9C7"/>
+          </a:solidFill>
+          <a:ln>
+            <a:noFill/>
+          </a:ln>
+        </p:spPr>
+        <p:style>
+          <a:lnRef idx="2">
+            <a:schemeClr val="accent1">
+              <a:shade val="50000"/>
+            </a:schemeClr>
+          </a:lnRef>
+          <a:fillRef idx="1">
+            <a:schemeClr val="accent1"/>
+          </a:fillRef>
+          <a:effectRef idx="0">
+            <a:schemeClr val="accent1"/>
+          </a:effectRef>
+          <a:fontRef idx="minor">
+            <a:schemeClr val="lt1"/>
+          </a:fontRef>
+        </p:style>
+        <p:txBody>
+          <a:bodyPr rtlCol="0" anchor="ctr"/>
+          <a:lstStyle/>
+          <a:p>
+            <a:pPr algn="ctr"/>
+            <a:r>
+              <a:rPr lang="es-MX" sz="1000" smtClean="0">
+                <a:solidFill>
+                  <a:schemeClr val="tx1"/>
+                </a:solidFill>
+                <a:latin typeface="Verdana" panose="020B0604030504040204" pitchFamily="34" charset="0"/>
+                <a:ea typeface="Verdana" panose="020B0604030504040204" pitchFamily="34" charset="0"/>
+              </a:rPr>
+              <a:t>Hombre | Mujer</a:t>
+            </a:r>
+          </a:p>
+          <a:p>
+            <a:pPr algn="ctr"/>
+            <a:r>
+              <a:rPr lang="es-MX" sz="1000" smtClean="0">
+                <a:solidFill>
+                  <a:schemeClr val="tx1"/>
+                </a:solidFill>
+                <a:latin typeface="Verdana" panose="020B0604030504040204" pitchFamily="34" charset="0"/>
+                <a:ea typeface="Verdana" panose="020B0604030504040204" pitchFamily="34" charset="0"/>
+              </a:rPr>
+              <a:t>Rojo | Verde | Azul</a:t>
+            </a:r>
+            <a:endParaRPr lang="es-MX" sz="1000">
+              <a:solidFill>
+                <a:schemeClr val="tx1"/>
+              </a:solidFill>
+              <a:latin typeface="Verdana" panose="020B0604030504040204" pitchFamily="34" charset="0"/>
+              <a:ea typeface="Verdana" panose="020B0604030504040204" pitchFamily="34" charset="0"/>
+            </a:endParaRPr>
+          </a:p>
+        </p:txBody>
+      </p:sp>
+      <p:sp>
+        <p:nvSpPr>
+          <p:cNvPr id="9" name="Oval 8"/>
+          <p:cNvSpPr/>
+          <p:nvPr/>
+        </p:nvSpPr>
+        <p:spPr>
+          <a:xfrm>
+            <a:off x="4536463" y="5392288"/>
+            <a:ext cx="1882445" cy="968721"/>
+          </a:xfrm>
+          <a:prstGeom prst="ellipse">
+            <a:avLst/>
+          </a:prstGeom>
+          <a:solidFill>
+            <a:srgbClr val="C8C9C7"/>
+          </a:solidFill>
+          <a:ln>
+            <a:noFill/>
+          </a:ln>
+        </p:spPr>
+        <p:style>
+          <a:lnRef idx="2">
+            <a:schemeClr val="accent1">
+              <a:shade val="50000"/>
+            </a:schemeClr>
+          </a:lnRef>
+          <a:fillRef idx="1">
+            <a:schemeClr val="accent1"/>
+          </a:fillRef>
+          <a:effectRef idx="0">
+            <a:schemeClr val="accent1"/>
+          </a:effectRef>
+          <a:fontRef idx="minor">
+            <a:schemeClr val="lt1"/>
+          </a:fontRef>
+        </p:style>
+        <p:txBody>
+          <a:bodyPr rtlCol="0" anchor="ctr"/>
+          <a:lstStyle/>
+          <a:p>
+            <a:pPr algn="ctr"/>
+            <a:r>
+              <a:rPr lang="es-MX" sz="1000" smtClean="0">
+                <a:solidFill>
+                  <a:schemeClr val="tx1"/>
+                </a:solidFill>
+                <a:latin typeface="Verdana" panose="020B0604030504040204" pitchFamily="34" charset="0"/>
+                <a:ea typeface="Verdana" panose="020B0604030504040204" pitchFamily="34" charset="0"/>
+              </a:rPr>
+              <a:t>Pequeño |  Mediano | Grande</a:t>
+            </a:r>
+          </a:p>
+          <a:p>
+            <a:pPr algn="ctr"/>
+            <a:r>
+              <a:rPr lang="es-MX" sz="1000" smtClean="0">
+                <a:solidFill>
+                  <a:schemeClr val="tx1"/>
+                </a:solidFill>
+                <a:latin typeface="Verdana" panose="020B0604030504040204" pitchFamily="34" charset="0"/>
+                <a:ea typeface="Verdana" panose="020B0604030504040204" pitchFamily="34" charset="0"/>
+              </a:rPr>
+              <a:t>A | B | C (calificaciones)</a:t>
+            </a:r>
+            <a:endParaRPr lang="es-MX" sz="1000">
+              <a:solidFill>
+                <a:schemeClr val="tx1"/>
+              </a:solidFill>
+              <a:latin typeface="Verdana" panose="020B0604030504040204" pitchFamily="34" charset="0"/>
+              <a:ea typeface="Verdana" panose="020B0604030504040204" pitchFamily="34" charset="0"/>
+            </a:endParaRPr>
+          </a:p>
+        </p:txBody>
+      </p:sp>
+      <p:sp>
+        <p:nvSpPr>
+          <p:cNvPr id="10" name="Oval 9"/>
+          <p:cNvSpPr/>
+          <p:nvPr/>
+        </p:nvSpPr>
+        <p:spPr>
+          <a:xfrm>
+            <a:off x="9351398" y="4134798"/>
+            <a:ext cx="1882445" cy="968721"/>
+          </a:xfrm>
+          <a:prstGeom prst="ellipse">
+            <a:avLst/>
+          </a:prstGeom>
+          <a:solidFill>
+            <a:srgbClr val="C8C9C7"/>
+          </a:solidFill>
+          <a:ln>
+            <a:noFill/>
+          </a:ln>
+        </p:spPr>
+        <p:style>
+          <a:lnRef idx="2">
+            <a:schemeClr val="accent1">
+              <a:shade val="50000"/>
+            </a:schemeClr>
+          </a:lnRef>
+          <a:fillRef idx="1">
+            <a:schemeClr val="accent1"/>
+          </a:fillRef>
+          <a:effectRef idx="0">
+            <a:schemeClr val="accent1"/>
+          </a:effectRef>
+          <a:fontRef idx="minor">
+            <a:schemeClr val="lt1"/>
+          </a:fontRef>
+        </p:style>
+        <p:txBody>
+          <a:bodyPr rtlCol="0" anchor="ctr"/>
+          <a:lstStyle/>
+          <a:p>
+            <a:pPr algn="ctr"/>
+            <a:r>
+              <a:rPr lang="es-MX" sz="1000" smtClean="0">
+                <a:solidFill>
+                  <a:schemeClr val="tx1"/>
+                </a:solidFill>
+                <a:latin typeface="Verdana" panose="020B0604030504040204" pitchFamily="34" charset="0"/>
+                <a:ea typeface="Verdana" panose="020B0604030504040204" pitchFamily="34" charset="0"/>
+              </a:rPr>
+              <a:t>1, 2, 3 empleados</a:t>
+            </a:r>
+          </a:p>
+          <a:p>
+            <a:pPr algn="ctr"/>
+            <a:r>
+              <a:rPr lang="es-MX" sz="1000" smtClean="0">
+                <a:solidFill>
+                  <a:schemeClr val="tx1"/>
+                </a:solidFill>
+                <a:latin typeface="Verdana" panose="020B0604030504040204" pitchFamily="34" charset="0"/>
+                <a:ea typeface="Verdana" panose="020B0604030504040204" pitchFamily="34" charset="0"/>
+              </a:rPr>
+              <a:t>568 personas</a:t>
+            </a:r>
+            <a:endParaRPr lang="es-MX" sz="1000">
+              <a:solidFill>
+                <a:schemeClr val="tx1"/>
+              </a:solidFill>
+              <a:latin typeface="Verdana" panose="020B0604030504040204" pitchFamily="34" charset="0"/>
+              <a:ea typeface="Verdana" panose="020B0604030504040204" pitchFamily="34" charset="0"/>
+            </a:endParaRPr>
+          </a:p>
+        </p:txBody>
+      </p:sp>
+      <p:sp>
+        <p:nvSpPr>
+          <p:cNvPr id="11" name="Oval 10"/>
+          <p:cNvSpPr/>
+          <p:nvPr/>
+        </p:nvSpPr>
+        <p:spPr>
+          <a:xfrm>
+            <a:off x="9351398" y="5392288"/>
+            <a:ext cx="1882445" cy="968721"/>
+          </a:xfrm>
+          <a:prstGeom prst="ellipse">
+            <a:avLst/>
+          </a:prstGeom>
+          <a:solidFill>
+            <a:srgbClr val="C8C9C7"/>
+          </a:solidFill>
+          <a:ln>
+            <a:noFill/>
+          </a:ln>
+        </p:spPr>
+        <p:style>
+          <a:lnRef idx="2">
+            <a:schemeClr val="accent1">
+              <a:shade val="50000"/>
+            </a:schemeClr>
+          </a:lnRef>
+          <a:fillRef idx="1">
+            <a:schemeClr val="accent1"/>
+          </a:fillRef>
+          <a:effectRef idx="0">
+            <a:schemeClr val="accent1"/>
+          </a:effectRef>
+          <a:fontRef idx="minor">
+            <a:schemeClr val="lt1"/>
+          </a:fontRef>
+        </p:style>
+        <p:txBody>
+          <a:bodyPr rtlCol="0" anchor="ctr"/>
+          <a:lstStyle/>
+          <a:p>
+            <a:pPr algn="ctr"/>
+            <a:r>
+              <a:rPr lang="es-MX" sz="1000" smtClean="0">
+                <a:solidFill>
+                  <a:schemeClr val="tx1"/>
+                </a:solidFill>
+                <a:latin typeface="Verdana" panose="020B0604030504040204" pitchFamily="34" charset="0"/>
+                <a:ea typeface="Verdana" panose="020B0604030504040204" pitchFamily="34" charset="0"/>
+              </a:rPr>
+              <a:t>Edad</a:t>
+            </a:r>
+          </a:p>
+          <a:p>
+            <a:pPr algn="ctr"/>
+            <a:r>
+              <a:rPr lang="es-MX" sz="1000" smtClean="0">
+                <a:solidFill>
+                  <a:schemeClr val="tx1"/>
+                </a:solidFill>
+                <a:latin typeface="Verdana" panose="020B0604030504040204" pitchFamily="34" charset="0"/>
+                <a:ea typeface="Verdana" panose="020B0604030504040204" pitchFamily="34" charset="0"/>
+              </a:rPr>
+              <a:t>Altura</a:t>
+            </a:r>
+            <a:endParaRPr lang="es-MX" sz="1000">
+              <a:solidFill>
+                <a:schemeClr val="tx1"/>
+              </a:solidFill>
+              <a:latin typeface="Verdana" panose="020B0604030504040204" pitchFamily="34" charset="0"/>
+              <a:ea typeface="Verdana" panose="020B0604030504040204" pitchFamily="34" charset="0"/>
+            </a:endParaRPr>
+          </a:p>
+        </p:txBody>
+      </p:sp>
     </p:spTree>
     <p:extLst>
       <p:ext uri="{BB962C8B-B14F-4D97-AF65-F5344CB8AC3E}">
@@ -22704,7 +25057,7 @@
     <a:masterClrMapping/>
   </p:clrMapOvr>
   <mc:AlternateContent xmlns:mc="http://schemas.openxmlformats.org/markup-compatibility/2006">
-    <mc:Choice xmlns="" xmlns:p159="http://schemas.microsoft.com/office/powerpoint/2015/09/main" Requires="p159">
+    <mc:Choice xmlns:p159="http://schemas.microsoft.com/office/powerpoint/2015/09/main" xmlns="" Requires="p159">
       <p:transition xmlns:p14="http://schemas.microsoft.com/office/powerpoint/2010/main" spd="slow" p14:dur="2000">
         <p159:morph option="byObject"/>
       </p:transition>
@@ -22740,7 +25093,7 @@
           <p:cNvPr id="2" name="Imagen 1">
             <a:extLst>
               <a:ext uri="{FF2B5EF4-FFF2-40B4-BE49-F238E27FC236}">
-                <a16:creationId xmlns="" xmlns:a16="http://schemas.microsoft.com/office/drawing/2014/main" id="{8495C0A0-4965-B406-97D2-0C73E97D488B}"/>
+                <a16:creationId xmlns:a16="http://schemas.microsoft.com/office/drawing/2014/main" xmlns="" id="{8495C0A0-4965-B406-97D2-0C73E97D488B}"/>
               </a:ext>
             </a:extLst>
           </p:cNvPr>
@@ -22770,7 +25123,7 @@
           <p:cNvPr id="3" name="Marcador de número de diapositiva 3">
             <a:extLst>
               <a:ext uri="{FF2B5EF4-FFF2-40B4-BE49-F238E27FC236}">
-                <a16:creationId xmlns="" xmlns:a16="http://schemas.microsoft.com/office/drawing/2014/main" id="{958FBA5A-A58E-C697-8203-4F8B9AE81A4E}"/>
+                <a16:creationId xmlns:a16="http://schemas.microsoft.com/office/drawing/2014/main" xmlns="" id="{958FBA5A-A58E-C697-8203-4F8B9AE81A4E}"/>
               </a:ext>
             </a:extLst>
           </p:cNvPr>
@@ -22804,7 +25157,7 @@
           <p:cNvPr id="23" name="Título 1">
             <a:extLst>
               <a:ext uri="{FF2B5EF4-FFF2-40B4-BE49-F238E27FC236}">
-                <a16:creationId xmlns="" xmlns:a16="http://schemas.microsoft.com/office/drawing/2014/main" id="{E1DD3CF2-B58E-FFFA-CC44-24E153BAAA08}"/>
+                <a16:creationId xmlns:a16="http://schemas.microsoft.com/office/drawing/2014/main" xmlns="" id="{E1DD3CF2-B58E-FFFA-CC44-24E153BAAA08}"/>
               </a:ext>
             </a:extLst>
           </p:cNvPr>
@@ -22874,7 +25227,7 @@
           <p:cNvPr id="24" name="Título 1">
             <a:extLst>
               <a:ext uri="{FF2B5EF4-FFF2-40B4-BE49-F238E27FC236}">
-                <a16:creationId xmlns="" xmlns:a16="http://schemas.microsoft.com/office/drawing/2014/main" id="{96653C20-5D73-6AC7-AD4D-29A9D6D74E1B}"/>
+                <a16:creationId xmlns:a16="http://schemas.microsoft.com/office/drawing/2014/main" xmlns="" id="{96653C20-5D73-6AC7-AD4D-29A9D6D74E1B}"/>
               </a:ext>
             </a:extLst>
           </p:cNvPr>
@@ -22971,7 +25324,7 @@
     <a:masterClrMapping/>
   </p:clrMapOvr>
   <mc:AlternateContent xmlns:mc="http://schemas.openxmlformats.org/markup-compatibility/2006">
-    <mc:Choice xmlns="" xmlns:p159="http://schemas.microsoft.com/office/powerpoint/2015/09/main" Requires="p159">
+    <mc:Choice xmlns:p159="http://schemas.microsoft.com/office/powerpoint/2015/09/main" xmlns="" Requires="p159">
       <p:transition xmlns:p14="http://schemas.microsoft.com/office/powerpoint/2010/main" spd="slow" p14:dur="2000">
         <p159:morph option="byObject"/>
       </p:transition>
@@ -23007,7 +25360,7 @@
           <p:cNvPr id="2" name="Imagen 1">
             <a:extLst>
               <a:ext uri="{FF2B5EF4-FFF2-40B4-BE49-F238E27FC236}">
-                <a16:creationId xmlns="" xmlns:a16="http://schemas.microsoft.com/office/drawing/2014/main" id="{8495C0A0-4965-B406-97D2-0C73E97D488B}"/>
+                <a16:creationId xmlns:a16="http://schemas.microsoft.com/office/drawing/2014/main" xmlns="" id="{8495C0A0-4965-B406-97D2-0C73E97D488B}"/>
               </a:ext>
             </a:extLst>
           </p:cNvPr>
@@ -23037,7 +25390,7 @@
           <p:cNvPr id="3" name="Marcador de número de diapositiva 3">
             <a:extLst>
               <a:ext uri="{FF2B5EF4-FFF2-40B4-BE49-F238E27FC236}">
-                <a16:creationId xmlns="" xmlns:a16="http://schemas.microsoft.com/office/drawing/2014/main" id="{958FBA5A-A58E-C697-8203-4F8B9AE81A4E}"/>
+                <a16:creationId xmlns:a16="http://schemas.microsoft.com/office/drawing/2014/main" xmlns="" id="{958FBA5A-A58E-C697-8203-4F8B9AE81A4E}"/>
               </a:ext>
             </a:extLst>
           </p:cNvPr>
@@ -23071,7 +25424,7 @@
           <p:cNvPr id="23" name="Título 1">
             <a:extLst>
               <a:ext uri="{FF2B5EF4-FFF2-40B4-BE49-F238E27FC236}">
-                <a16:creationId xmlns="" xmlns:a16="http://schemas.microsoft.com/office/drawing/2014/main" id="{E1DD3CF2-B58E-FFFA-CC44-24E153BAAA08}"/>
+                <a16:creationId xmlns:a16="http://schemas.microsoft.com/office/drawing/2014/main" xmlns="" id="{E1DD3CF2-B58E-FFFA-CC44-24E153BAAA08}"/>
               </a:ext>
             </a:extLst>
           </p:cNvPr>
@@ -23141,7 +25494,7 @@
           <p:cNvPr id="24" name="Título 1">
             <a:extLst>
               <a:ext uri="{FF2B5EF4-FFF2-40B4-BE49-F238E27FC236}">
-                <a16:creationId xmlns="" xmlns:a16="http://schemas.microsoft.com/office/drawing/2014/main" id="{96653C20-5D73-6AC7-AD4D-29A9D6D74E1B}"/>
+                <a16:creationId xmlns:a16="http://schemas.microsoft.com/office/drawing/2014/main" xmlns="" id="{96653C20-5D73-6AC7-AD4D-29A9D6D74E1B}"/>
               </a:ext>
             </a:extLst>
           </p:cNvPr>
@@ -23262,7 +25615,7 @@
     <a:masterClrMapping/>
   </p:clrMapOvr>
   <mc:AlternateContent xmlns:mc="http://schemas.openxmlformats.org/markup-compatibility/2006">
-    <mc:Choice xmlns="" xmlns:p159="http://schemas.microsoft.com/office/powerpoint/2015/09/main" Requires="p159">
+    <mc:Choice xmlns:p159="http://schemas.microsoft.com/office/powerpoint/2015/09/main" xmlns="" Requires="p159">
       <p:transition xmlns:p14="http://schemas.microsoft.com/office/powerpoint/2010/main" spd="slow" p14:dur="2000">
         <p159:morph option="byObject"/>
       </p:transition>
@@ -23298,7 +25651,7 @@
           <p:cNvPr id="2" name="Imagen 1">
             <a:extLst>
               <a:ext uri="{FF2B5EF4-FFF2-40B4-BE49-F238E27FC236}">
-                <a16:creationId xmlns="" xmlns:a16="http://schemas.microsoft.com/office/drawing/2014/main" id="{8495C0A0-4965-B406-97D2-0C73E97D488B}"/>
+                <a16:creationId xmlns:a16="http://schemas.microsoft.com/office/drawing/2014/main" xmlns="" id="{8495C0A0-4965-B406-97D2-0C73E97D488B}"/>
               </a:ext>
             </a:extLst>
           </p:cNvPr>
@@ -23328,7 +25681,7 @@
           <p:cNvPr id="3" name="Marcador de número de diapositiva 3">
             <a:extLst>
               <a:ext uri="{FF2B5EF4-FFF2-40B4-BE49-F238E27FC236}">
-                <a16:creationId xmlns="" xmlns:a16="http://schemas.microsoft.com/office/drawing/2014/main" id="{958FBA5A-A58E-C697-8203-4F8B9AE81A4E}"/>
+                <a16:creationId xmlns:a16="http://schemas.microsoft.com/office/drawing/2014/main" xmlns="" id="{958FBA5A-A58E-C697-8203-4F8B9AE81A4E}"/>
               </a:ext>
             </a:extLst>
           </p:cNvPr>
@@ -23362,7 +25715,7 @@
           <p:cNvPr id="23" name="Título 1">
             <a:extLst>
               <a:ext uri="{FF2B5EF4-FFF2-40B4-BE49-F238E27FC236}">
-                <a16:creationId xmlns="" xmlns:a16="http://schemas.microsoft.com/office/drawing/2014/main" id="{E1DD3CF2-B58E-FFFA-CC44-24E153BAAA08}"/>
+                <a16:creationId xmlns:a16="http://schemas.microsoft.com/office/drawing/2014/main" xmlns="" id="{E1DD3CF2-B58E-FFFA-CC44-24E153BAAA08}"/>
               </a:ext>
             </a:extLst>
           </p:cNvPr>
@@ -23432,7 +25785,7 @@
           <p:cNvPr id="24" name="Título 1">
             <a:extLst>
               <a:ext uri="{FF2B5EF4-FFF2-40B4-BE49-F238E27FC236}">
-                <a16:creationId xmlns="" xmlns:a16="http://schemas.microsoft.com/office/drawing/2014/main" id="{96653C20-5D73-6AC7-AD4D-29A9D6D74E1B}"/>
+                <a16:creationId xmlns:a16="http://schemas.microsoft.com/office/drawing/2014/main" xmlns="" id="{96653C20-5D73-6AC7-AD4D-29A9D6D74E1B}"/>
               </a:ext>
             </a:extLst>
           </p:cNvPr>
@@ -23501,7 +25854,7 @@
           <p:cNvPr id="8" name="Imagen 5">
             <a:extLst>
               <a:ext uri="{FF2B5EF4-FFF2-40B4-BE49-F238E27FC236}">
-                <a16:creationId xmlns:a16="http://schemas.microsoft.com/office/drawing/2014/main" xmlns="" id="{2250437D-9522-4BD5-B7E4-494E5BD5386A}"/>
+                <a16:creationId xmlns="" xmlns:a16="http://schemas.microsoft.com/office/drawing/2014/main" id="{2250437D-9522-4BD5-B7E4-494E5BD5386A}"/>
               </a:ext>
             </a:extLst>
           </p:cNvPr>
@@ -23531,7 +25884,7 @@
           <p:cNvPr id="9" name="Imagen 3">
             <a:extLst>
               <a:ext uri="{FF2B5EF4-FFF2-40B4-BE49-F238E27FC236}">
-                <a16:creationId xmlns:a16="http://schemas.microsoft.com/office/drawing/2014/main" xmlns="" id="{B555CB63-498F-445D-BA45-64E63475EA43}"/>
+                <a16:creationId xmlns="" xmlns:a16="http://schemas.microsoft.com/office/drawing/2014/main" id="{B555CB63-498F-445D-BA45-64E63475EA43}"/>
               </a:ext>
             </a:extLst>
           </p:cNvPr>
@@ -23561,7 +25914,7 @@
           <p:cNvPr id="10" name="Imagen 6">
             <a:extLst>
               <a:ext uri="{FF2B5EF4-FFF2-40B4-BE49-F238E27FC236}">
-                <a16:creationId xmlns:a16="http://schemas.microsoft.com/office/drawing/2014/main" xmlns="" id="{CFAFD279-E829-4D51-9F43-9773883DC4C3}"/>
+                <a16:creationId xmlns="" xmlns:a16="http://schemas.microsoft.com/office/drawing/2014/main" id="{CFAFD279-E829-4D51-9F43-9773883DC4C3}"/>
               </a:ext>
             </a:extLst>
           </p:cNvPr>
@@ -23597,7 +25950,7 @@
     <a:masterClrMapping/>
   </p:clrMapOvr>
   <mc:AlternateContent xmlns:mc="http://schemas.openxmlformats.org/markup-compatibility/2006">
-    <mc:Choice xmlns="" xmlns:p159="http://schemas.microsoft.com/office/powerpoint/2015/09/main" Requires="p159">
+    <mc:Choice xmlns:p159="http://schemas.microsoft.com/office/powerpoint/2015/09/main" xmlns="" Requires="p159">
       <p:transition xmlns:p14="http://schemas.microsoft.com/office/powerpoint/2010/main" spd="slow" p14:dur="2000">
         <p159:morph option="byObject"/>
       </p:transition>
@@ -23633,7 +25986,7 @@
           <p:cNvPr id="2" name="Imagen 1">
             <a:extLst>
               <a:ext uri="{FF2B5EF4-FFF2-40B4-BE49-F238E27FC236}">
-                <a16:creationId xmlns="" xmlns:a16="http://schemas.microsoft.com/office/drawing/2014/main" id="{8495C0A0-4965-B406-97D2-0C73E97D488B}"/>
+                <a16:creationId xmlns:a16="http://schemas.microsoft.com/office/drawing/2014/main" xmlns="" id="{8495C0A0-4965-B406-97D2-0C73E97D488B}"/>
               </a:ext>
             </a:extLst>
           </p:cNvPr>
@@ -23663,7 +26016,7 @@
           <p:cNvPr id="3" name="Marcador de número de diapositiva 3">
             <a:extLst>
               <a:ext uri="{FF2B5EF4-FFF2-40B4-BE49-F238E27FC236}">
-                <a16:creationId xmlns="" xmlns:a16="http://schemas.microsoft.com/office/drawing/2014/main" id="{958FBA5A-A58E-C697-8203-4F8B9AE81A4E}"/>
+                <a16:creationId xmlns:a16="http://schemas.microsoft.com/office/drawing/2014/main" xmlns="" id="{958FBA5A-A58E-C697-8203-4F8B9AE81A4E}"/>
               </a:ext>
             </a:extLst>
           </p:cNvPr>
@@ -23697,7 +26050,7 @@
           <p:cNvPr id="23" name="Título 1">
             <a:extLst>
               <a:ext uri="{FF2B5EF4-FFF2-40B4-BE49-F238E27FC236}">
-                <a16:creationId xmlns="" xmlns:a16="http://schemas.microsoft.com/office/drawing/2014/main" id="{E1DD3CF2-B58E-FFFA-CC44-24E153BAAA08}"/>
+                <a16:creationId xmlns:a16="http://schemas.microsoft.com/office/drawing/2014/main" xmlns="" id="{E1DD3CF2-B58E-FFFA-CC44-24E153BAAA08}"/>
               </a:ext>
             </a:extLst>
           </p:cNvPr>
@@ -23767,7 +26120,7 @@
           <p:cNvPr id="24" name="Título 1">
             <a:extLst>
               <a:ext uri="{FF2B5EF4-FFF2-40B4-BE49-F238E27FC236}">
-                <a16:creationId xmlns="" xmlns:a16="http://schemas.microsoft.com/office/drawing/2014/main" id="{96653C20-5D73-6AC7-AD4D-29A9D6D74E1B}"/>
+                <a16:creationId xmlns:a16="http://schemas.microsoft.com/office/drawing/2014/main" xmlns="" id="{96653C20-5D73-6AC7-AD4D-29A9D6D74E1B}"/>
               </a:ext>
             </a:extLst>
           </p:cNvPr>
@@ -23836,7 +26189,7 @@
           <p:cNvPr id="11" name="Imagen 3">
             <a:extLst>
               <a:ext uri="{FF2B5EF4-FFF2-40B4-BE49-F238E27FC236}">
-                <a16:creationId xmlns:a16="http://schemas.microsoft.com/office/drawing/2014/main" xmlns="" id="{1C303564-6FF7-4ECE-A2EC-4BD6E7417D1D}"/>
+                <a16:creationId xmlns="" xmlns:a16="http://schemas.microsoft.com/office/drawing/2014/main" id="{1C303564-6FF7-4ECE-A2EC-4BD6E7417D1D}"/>
               </a:ext>
             </a:extLst>
           </p:cNvPr>
@@ -23866,7 +26219,7 @@
           <p:cNvPr id="12" name="Imagen 4">
             <a:extLst>
               <a:ext uri="{FF2B5EF4-FFF2-40B4-BE49-F238E27FC236}">
-                <a16:creationId xmlns:a16="http://schemas.microsoft.com/office/drawing/2014/main" xmlns="" id="{BE39712D-0376-4471-8A78-807F17C341D6}"/>
+                <a16:creationId xmlns="" xmlns:a16="http://schemas.microsoft.com/office/drawing/2014/main" id="{BE39712D-0376-4471-8A78-807F17C341D6}"/>
               </a:ext>
             </a:extLst>
           </p:cNvPr>
@@ -23896,7 +26249,7 @@
           <p:cNvPr id="13" name="Imagen 5">
             <a:extLst>
               <a:ext uri="{FF2B5EF4-FFF2-40B4-BE49-F238E27FC236}">
-                <a16:creationId xmlns:a16="http://schemas.microsoft.com/office/drawing/2014/main" xmlns="" id="{05B5A88B-79D4-467D-8291-99A55ECB3E67}"/>
+                <a16:creationId xmlns="" xmlns:a16="http://schemas.microsoft.com/office/drawing/2014/main" id="{05B5A88B-79D4-467D-8291-99A55ECB3E67}"/>
               </a:ext>
             </a:extLst>
           </p:cNvPr>
@@ -23932,7 +26285,7 @@
     <a:masterClrMapping/>
   </p:clrMapOvr>
   <mc:AlternateContent xmlns:mc="http://schemas.openxmlformats.org/markup-compatibility/2006">
-    <mc:Choice xmlns="" xmlns:p159="http://schemas.microsoft.com/office/powerpoint/2015/09/main" Requires="p159">
+    <mc:Choice xmlns:p159="http://schemas.microsoft.com/office/powerpoint/2015/09/main" xmlns="" Requires="p159">
       <p:transition xmlns:p14="http://schemas.microsoft.com/office/powerpoint/2010/main" spd="slow" p14:dur="2000">
         <p159:morph option="byObject"/>
       </p:transition>
@@ -23968,7 +26321,7 @@
           <p:cNvPr id="2" name="Imagen 1">
             <a:extLst>
               <a:ext uri="{FF2B5EF4-FFF2-40B4-BE49-F238E27FC236}">
-                <a16:creationId xmlns="" xmlns:a16="http://schemas.microsoft.com/office/drawing/2014/main" id="{8495C0A0-4965-B406-97D2-0C73E97D488B}"/>
+                <a16:creationId xmlns:a16="http://schemas.microsoft.com/office/drawing/2014/main" xmlns="" id="{8495C0A0-4965-B406-97D2-0C73E97D488B}"/>
               </a:ext>
             </a:extLst>
           </p:cNvPr>
@@ -23998,7 +26351,7 @@
           <p:cNvPr id="3" name="Marcador de número de diapositiva 3">
             <a:extLst>
               <a:ext uri="{FF2B5EF4-FFF2-40B4-BE49-F238E27FC236}">
-                <a16:creationId xmlns="" xmlns:a16="http://schemas.microsoft.com/office/drawing/2014/main" id="{958FBA5A-A58E-C697-8203-4F8B9AE81A4E}"/>
+                <a16:creationId xmlns:a16="http://schemas.microsoft.com/office/drawing/2014/main" xmlns="" id="{958FBA5A-A58E-C697-8203-4F8B9AE81A4E}"/>
               </a:ext>
             </a:extLst>
           </p:cNvPr>
@@ -24032,7 +26385,7 @@
           <p:cNvPr id="23" name="Título 1">
             <a:extLst>
               <a:ext uri="{FF2B5EF4-FFF2-40B4-BE49-F238E27FC236}">
-                <a16:creationId xmlns="" xmlns:a16="http://schemas.microsoft.com/office/drawing/2014/main" id="{E1DD3CF2-B58E-FFFA-CC44-24E153BAAA08}"/>
+                <a16:creationId xmlns:a16="http://schemas.microsoft.com/office/drawing/2014/main" xmlns="" id="{E1DD3CF2-B58E-FFFA-CC44-24E153BAAA08}"/>
               </a:ext>
             </a:extLst>
           </p:cNvPr>
@@ -24102,7 +26455,7 @@
           <p:cNvPr id="24" name="Título 1">
             <a:extLst>
               <a:ext uri="{FF2B5EF4-FFF2-40B4-BE49-F238E27FC236}">
-                <a16:creationId xmlns="" xmlns:a16="http://schemas.microsoft.com/office/drawing/2014/main" id="{96653C20-5D73-6AC7-AD4D-29A9D6D74E1B}"/>
+                <a16:creationId xmlns:a16="http://schemas.microsoft.com/office/drawing/2014/main" xmlns="" id="{96653C20-5D73-6AC7-AD4D-29A9D6D74E1B}"/>
               </a:ext>
             </a:extLst>
           </p:cNvPr>
@@ -24171,7 +26524,7 @@
           <p:cNvPr id="9" name="Grupo 7">
             <a:extLst>
               <a:ext uri="{FF2B5EF4-FFF2-40B4-BE49-F238E27FC236}">
-                <a16:creationId xmlns:a16="http://schemas.microsoft.com/office/drawing/2014/main" xmlns="" id="{05B37554-FE1D-4DFA-9B94-8875C11A8430}"/>
+                <a16:creationId xmlns="" xmlns:a16="http://schemas.microsoft.com/office/drawing/2014/main" id="{05B37554-FE1D-4DFA-9B94-8875C11A8430}"/>
               </a:ext>
             </a:extLst>
           </p:cNvPr>
@@ -24191,7 +26544,7 @@
             <p:cNvPr id="10" name="Imagen 3">
               <a:extLst>
                 <a:ext uri="{FF2B5EF4-FFF2-40B4-BE49-F238E27FC236}">
-                  <a16:creationId xmlns:a16="http://schemas.microsoft.com/office/drawing/2014/main" xmlns="" id="{953C415F-B3A0-49CD-8BC0-013957C5F476}"/>
+                  <a16:creationId xmlns="" xmlns:a16="http://schemas.microsoft.com/office/drawing/2014/main" id="{953C415F-B3A0-49CD-8BC0-013957C5F476}"/>
                 </a:ext>
               </a:extLst>
             </p:cNvPr>
@@ -24221,7 +26574,7 @@
             <p:cNvPr id="14" name="CuadroTexto 5">
               <a:extLst>
                 <a:ext uri="{FF2B5EF4-FFF2-40B4-BE49-F238E27FC236}">
-                  <a16:creationId xmlns:a16="http://schemas.microsoft.com/office/drawing/2014/main" xmlns="" id="{7E274DB0-111B-45A4-B400-AAE9CBED0357}"/>
+                  <a16:creationId xmlns="" xmlns:a16="http://schemas.microsoft.com/office/drawing/2014/main" id="{7E274DB0-111B-45A4-B400-AAE9CBED0357}"/>
                 </a:ext>
               </a:extLst>
             </p:cNvPr>
@@ -24304,7 +26657,7 @@
             <p:cNvPr id="15" name="CuadroTexto 6">
               <a:extLst>
                 <a:ext uri="{FF2B5EF4-FFF2-40B4-BE49-F238E27FC236}">
-                  <a16:creationId xmlns:a16="http://schemas.microsoft.com/office/drawing/2014/main" xmlns="" id="{9BAC62C0-3588-4C93-A66A-D085A8FFAD8A}"/>
+                  <a16:creationId xmlns="" xmlns:a16="http://schemas.microsoft.com/office/drawing/2014/main" id="{9BAC62C0-3588-4C93-A66A-D085A8FFAD8A}"/>
                 </a:ext>
               </a:extLst>
             </p:cNvPr>
@@ -24392,7 +26745,7 @@
     <a:masterClrMapping/>
   </p:clrMapOvr>
   <mc:AlternateContent xmlns:mc="http://schemas.openxmlformats.org/markup-compatibility/2006">
-    <mc:Choice xmlns="" xmlns:p159="http://schemas.microsoft.com/office/powerpoint/2015/09/main" Requires="p159">
+    <mc:Choice xmlns:p159="http://schemas.microsoft.com/office/powerpoint/2015/09/main" xmlns="" Requires="p159">
       <p:transition xmlns:p14="http://schemas.microsoft.com/office/powerpoint/2010/main" spd="slow" p14:dur="2000">
         <p159:morph option="byObject"/>
       </p:transition>
@@ -24428,7 +26781,7 @@
           <p:cNvPr id="2" name="Imagen 1">
             <a:extLst>
               <a:ext uri="{FF2B5EF4-FFF2-40B4-BE49-F238E27FC236}">
-                <a16:creationId xmlns="" xmlns:a16="http://schemas.microsoft.com/office/drawing/2014/main" id="{8495C0A0-4965-B406-97D2-0C73E97D488B}"/>
+                <a16:creationId xmlns:a16="http://schemas.microsoft.com/office/drawing/2014/main" xmlns="" id="{8495C0A0-4965-B406-97D2-0C73E97D488B}"/>
               </a:ext>
             </a:extLst>
           </p:cNvPr>
@@ -24458,7 +26811,7 @@
           <p:cNvPr id="3" name="Marcador de número de diapositiva 3">
             <a:extLst>
               <a:ext uri="{FF2B5EF4-FFF2-40B4-BE49-F238E27FC236}">
-                <a16:creationId xmlns="" xmlns:a16="http://schemas.microsoft.com/office/drawing/2014/main" id="{958FBA5A-A58E-C697-8203-4F8B9AE81A4E}"/>
+                <a16:creationId xmlns:a16="http://schemas.microsoft.com/office/drawing/2014/main" xmlns="" id="{958FBA5A-A58E-C697-8203-4F8B9AE81A4E}"/>
               </a:ext>
             </a:extLst>
           </p:cNvPr>
@@ -24492,7 +26845,7 @@
           <p:cNvPr id="23" name="Título 1">
             <a:extLst>
               <a:ext uri="{FF2B5EF4-FFF2-40B4-BE49-F238E27FC236}">
-                <a16:creationId xmlns="" xmlns:a16="http://schemas.microsoft.com/office/drawing/2014/main" id="{E1DD3CF2-B58E-FFFA-CC44-24E153BAAA08}"/>
+                <a16:creationId xmlns:a16="http://schemas.microsoft.com/office/drawing/2014/main" xmlns="" id="{E1DD3CF2-B58E-FFFA-CC44-24E153BAAA08}"/>
               </a:ext>
             </a:extLst>
           </p:cNvPr>
@@ -24562,7 +26915,7 @@
           <p:cNvPr id="11" name="Grupo 5">
             <a:extLst>
               <a:ext uri="{FF2B5EF4-FFF2-40B4-BE49-F238E27FC236}">
-                <a16:creationId xmlns:a16="http://schemas.microsoft.com/office/drawing/2014/main" xmlns="" id="{CB6F0D03-4466-4336-93FF-1099704DE4D6}"/>
+                <a16:creationId xmlns="" xmlns:a16="http://schemas.microsoft.com/office/drawing/2014/main" id="{CB6F0D03-4466-4336-93FF-1099704DE4D6}"/>
               </a:ext>
             </a:extLst>
           </p:cNvPr>
@@ -24582,7 +26935,7 @@
             <p:cNvPr id="12" name="Imagen 3">
               <a:extLst>
                 <a:ext uri="{FF2B5EF4-FFF2-40B4-BE49-F238E27FC236}">
-                  <a16:creationId xmlns:a16="http://schemas.microsoft.com/office/drawing/2014/main" xmlns="" id="{F5C73807-7E05-4805-AC45-AD9B3B487153}"/>
+                  <a16:creationId xmlns="" xmlns:a16="http://schemas.microsoft.com/office/drawing/2014/main" id="{F5C73807-7E05-4805-AC45-AD9B3B487153}"/>
                 </a:ext>
               </a:extLst>
             </p:cNvPr>
@@ -24612,7 +26965,7 @@
             <p:cNvPr id="13" name="CuadroTexto 4">
               <a:extLst>
                 <a:ext uri="{FF2B5EF4-FFF2-40B4-BE49-F238E27FC236}">
-                  <a16:creationId xmlns:a16="http://schemas.microsoft.com/office/drawing/2014/main" xmlns="" id="{B01E5C44-CEFD-4BB7-BDD6-6397CA98AABC}"/>
+                  <a16:creationId xmlns="" xmlns:a16="http://schemas.microsoft.com/office/drawing/2014/main" id="{B01E5C44-CEFD-4BB7-BDD6-6397CA98AABC}"/>
                 </a:ext>
               </a:extLst>
             </p:cNvPr>
@@ -24700,7 +27053,7 @@
     <a:masterClrMapping/>
   </p:clrMapOvr>
   <mc:AlternateContent xmlns:mc="http://schemas.openxmlformats.org/markup-compatibility/2006">
-    <mc:Choice xmlns="" xmlns:p159="http://schemas.microsoft.com/office/powerpoint/2015/09/main" Requires="p159">
+    <mc:Choice xmlns:p159="http://schemas.microsoft.com/office/powerpoint/2015/09/main" xmlns="" Requires="p159">
       <p:transition xmlns:p14="http://schemas.microsoft.com/office/powerpoint/2010/main" spd="slow" p14:dur="2000">
         <p159:morph option="byObject"/>
       </p:transition>
@@ -25305,11 +27658,6 @@
 </file>
 
 <file path=customXml/item1.xml><?xml version="1.0" encoding="utf-8"?>
-<?mso-contentType ?>
-<spe:Receivers xmlns:spe="http://schemas.microsoft.com/sharepoint/events"/>
-</file>
-
-<file path=customXml/item2.xml><?xml version="1.0" encoding="utf-8"?>
 <ct:contentTypeSchema xmlns:ct="http://schemas.microsoft.com/office/2006/metadata/contentType" xmlns:ma="http://schemas.microsoft.com/office/2006/metadata/properties/metaAttributes" ct:_="" ma:_="" ma:contentTypeName="Documento CentralAxity" ma:contentTypeID="0x0101005A854A2E6B3FC44BBB7F26F86BC45764002E846109D8A79B4CB1EC976CD11B6E35" ma:contentTypeVersion="50" ma:contentTypeDescription="Documento incorporado a las directivas de la CentralAxity" ma:contentTypeScope="" ma:versionID="597f588e411d17887b088d4f21d28ad0">
   <xsd:schema xmlns:xsd="http://www.w3.org/2001/XMLSchema" xmlns:xs="http://www.w3.org/2001/XMLSchema" xmlns:p="http://schemas.microsoft.com/office/2006/metadata/properties" xmlns:ns1="http://schemas.microsoft.com/sharepoint/v3" xmlns:ns2="0d112806-a571-4b5c-9687-83175e2be7e0" xmlns:ns3="5715b14d-6155-4883-b773-4a6f0b526cee" xmlns:ns4="494b7d94-68f9-41b0-9fd8-f8ea6ae98d38" targetNamespace="http://schemas.microsoft.com/office/2006/metadata/properties" ma:root="true" ma:fieldsID="02c9543a257ef598f71b0847a18c2884" ns1:_="" ns2:_="" ns3:_="" ns4:_="">
     <xsd:import namespace="http://schemas.microsoft.com/sharepoint/v3"/>
@@ -25640,7 +27988,21 @@
 </ct:contentTypeSchema>
 </file>
 
+<file path=customXml/item2.xml><?xml version="1.0" encoding="utf-8"?>
+<?mso-contentType ?>
+<spe:Receivers xmlns:spe="http://schemas.microsoft.com/sharepoint/events"/>
+</file>
+
 <file path=customXml/item3.xml><?xml version="1.0" encoding="utf-8"?>
+<?mso-contentType ?>
+<FormTemplates xmlns="http://schemas.microsoft.com/sharepoint/v3/contenttype/forms">
+  <Display>DocumentLibraryForm</Display>
+  <Edit>DocumentLibraryForm</Edit>
+  <New>DocumentLibraryForm</New>
+</FormTemplates>
+</file>
+
+<file path=customXml/item4.xml><?xml version="1.0" encoding="utf-8"?>
 <p:properties xmlns:p="http://schemas.microsoft.com/office/2006/metadata/properties" xmlns:xsi="http://www.w3.org/2001/XMLSchema-instance" xmlns:pc="http://schemas.microsoft.com/office/infopath/2007/PartnerControls">
   <documentManagement>
     <TaxCatchAll xmlns="0d112806-a571-4b5c-9687-83175e2be7e0">
@@ -25713,24 +28075,7 @@
 </p:properties>
 </file>
 
-<file path=customXml/item4.xml><?xml version="1.0" encoding="utf-8"?>
-<?mso-contentType ?>
-<FormTemplates xmlns="http://schemas.microsoft.com/sharepoint/v3/contenttype/forms">
-  <Display>DocumentLibraryForm</Display>
-  <Edit>DocumentLibraryForm</Edit>
-  <New>DocumentLibraryForm</New>
-</FormTemplates>
-</file>
-
 <file path=customXml/itemProps1.xml><?xml version="1.0" encoding="utf-8"?>
-<ds:datastoreItem xmlns:ds="http://schemas.openxmlformats.org/officeDocument/2006/customXml" ds:itemID="{4715E428-4D5D-44BE-8CDF-D0767275E30E}">
-  <ds:schemaRefs>
-    <ds:schemaRef ds:uri="http://schemas.microsoft.com/sharepoint/events"/>
-  </ds:schemaRefs>
-</ds:datastoreItem>
-</file>
-
-<file path=customXml/itemProps2.xml><?xml version="1.0" encoding="utf-8"?>
 <ds:datastoreItem xmlns:ds="http://schemas.openxmlformats.org/officeDocument/2006/customXml" ds:itemID="{F691990F-56CB-48C0-A899-B2AAEA1FE2B5}">
   <ds:schemaRefs>
     <ds:schemaRef ds:uri="http://schemas.microsoft.com/office/2006/metadata/contentType"/>
@@ -25751,7 +28096,23 @@
 </ds:datastoreItem>
 </file>
 
+<file path=customXml/itemProps2.xml><?xml version="1.0" encoding="utf-8"?>
+<ds:datastoreItem xmlns:ds="http://schemas.openxmlformats.org/officeDocument/2006/customXml" ds:itemID="{4715E428-4D5D-44BE-8CDF-D0767275E30E}">
+  <ds:schemaRefs>
+    <ds:schemaRef ds:uri="http://schemas.microsoft.com/sharepoint/events"/>
+  </ds:schemaRefs>
+</ds:datastoreItem>
+</file>
+
 <file path=customXml/itemProps3.xml><?xml version="1.0" encoding="utf-8"?>
+<ds:datastoreItem xmlns:ds="http://schemas.openxmlformats.org/officeDocument/2006/customXml" ds:itemID="{E35C8FFE-5946-45D2-8509-5F55C5B9ED1B}">
+  <ds:schemaRefs>
+    <ds:schemaRef ds:uri="http://schemas.microsoft.com/sharepoint/v3/contenttype/forms"/>
+  </ds:schemaRefs>
+</ds:datastoreItem>
+</file>
+
+<file path=customXml/itemProps4.xml><?xml version="1.0" encoding="utf-8"?>
 <ds:datastoreItem xmlns:ds="http://schemas.openxmlformats.org/officeDocument/2006/customXml" ds:itemID="{2D0DF8DB-B03C-4353-B44A-DA8E261EF087}">
   <ds:schemaRefs>
     <ds:schemaRef ds:uri="http://schemas.microsoft.com/office/2006/metadata/properties"/>
@@ -25768,12 +28129,4 @@
     <ds:schemaRef ds:uri="http://purl.org/dc/dcmitype/"/>
   </ds:schemaRefs>
 </ds:datastoreItem>
-</file>
-
-<file path=customXml/itemProps4.xml><?xml version="1.0" encoding="utf-8"?>
-<ds:datastoreItem xmlns:ds="http://schemas.openxmlformats.org/officeDocument/2006/customXml" ds:itemID="{E35C8FFE-5946-45D2-8509-5F55C5B9ED1B}">
-  <ds:schemaRefs>
-    <ds:schemaRef ds:uri="http://schemas.microsoft.com/sharepoint/v3/contenttype/forms"/>
-  </ds:schemaRefs>
-</ds:datastoreItem>
 </file>